--- a/writting/学科知识体系/计算机/文稿动画/Slide Animation.pptx
+++ b/writting/学科知识体系/计算机/文稿动画/Slide Animation.pptx
@@ -4,10 +4,20 @@
   <p:sldMasterIdLst>
     <p:sldMasterId id="2147483648" r:id="rId1"/>
   </p:sldMasterIdLst>
+  <p:notesMasterIdLst>
+    <p:notesMasterId r:id="rId13"/>
+  </p:notesMasterIdLst>
   <p:sldIdLst>
     <p:sldId id="256" r:id="rId3"/>
     <p:sldId id="257" r:id="rId4"/>
     <p:sldId id="258" r:id="rId5"/>
+    <p:sldId id="260" r:id="rId6"/>
+    <p:sldId id="261" r:id="rId7"/>
+    <p:sldId id="262" r:id="rId8"/>
+    <p:sldId id="264" r:id="rId9"/>
+    <p:sldId id="266" r:id="rId10"/>
+    <p:sldId id="268" r:id="rId11"/>
+    <p:sldId id="259" r:id="rId12"/>
   </p:sldIdLst>
   <p:sldSz cx="12192000" cy="6858000"/>
   <p:notesSz cx="7103745" cy="10234295"/>
@@ -109,6 +119,397 @@
 </p:presentation>
 </file>
 
+<file path=ppt/notesMasters/notesMaster1.xml><?xml version="1.0" encoding="utf-8"?>
+<p:notesMaster xmlns:a="http://schemas.openxmlformats.org/drawingml/2006/main" xmlns:r="http://schemas.openxmlformats.org/officeDocument/2006/relationships" xmlns:p="http://schemas.openxmlformats.org/presentationml/2006/main">
+  <p:cSld>
+    <p:bg>
+      <p:bgRef idx="1001">
+        <a:schemeClr val="bg1"/>
+      </p:bgRef>
+    </p:bg>
+    <p:spTree>
+      <p:nvGrpSpPr>
+        <p:cNvPr id="1" name=""/>
+        <p:cNvGrpSpPr/>
+        <p:nvPr/>
+      </p:nvGrpSpPr>
+      <p:grpSpPr>
+        <a:xfrm>
+          <a:off x="0" y="0"/>
+          <a:ext cx="0" cy="0"/>
+          <a:chOff x="0" y="0"/>
+          <a:chExt cx="0" cy="0"/>
+        </a:xfrm>
+      </p:grpSpPr>
+      <p:sp>
+        <p:nvSpPr>
+          <p:cNvPr id="2" name="Header Placeholder 1"/>
+          <p:cNvSpPr>
+            <a:spLocks noGrp="1"/>
+          </p:cNvSpPr>
+          <p:nvPr>
+            <p:ph type="hdr" sz="quarter"/>
+          </p:nvPr>
+        </p:nvSpPr>
+        <p:spPr>
+          <a:xfrm>
+            <a:off x="0" y="0"/>
+            <a:ext cx="3078290" cy="513492"/>
+          </a:xfrm>
+          <a:prstGeom prst="rect">
+            <a:avLst/>
+          </a:prstGeom>
+        </p:spPr>
+        <p:txBody>
+          <a:bodyPr vert="horz" lIns="91440" tIns="45720" rIns="91440" bIns="45720" rtlCol="0"/>
+          <a:lstStyle>
+            <a:lvl1pPr algn="l">
+              <a:defRPr sz="1200"/>
+            </a:lvl1pPr>
+          </a:lstStyle>
+          <a:p>
+            <a:endParaRPr lang="en-US"/>
+          </a:p>
+        </p:txBody>
+      </p:sp>
+      <p:sp>
+        <p:nvSpPr>
+          <p:cNvPr id="3" name="Date Placeholder 2"/>
+          <p:cNvSpPr>
+            <a:spLocks noGrp="1"/>
+          </p:cNvSpPr>
+          <p:nvPr>
+            <p:ph type="dt" idx="1"/>
+          </p:nvPr>
+        </p:nvSpPr>
+        <p:spPr>
+          <a:xfrm>
+            <a:off x="4023812" y="0"/>
+            <a:ext cx="3078290" cy="513492"/>
+          </a:xfrm>
+          <a:prstGeom prst="rect">
+            <a:avLst/>
+          </a:prstGeom>
+        </p:spPr>
+        <p:txBody>
+          <a:bodyPr vert="horz" lIns="91440" tIns="45720" rIns="91440" bIns="45720" rtlCol="0"/>
+          <a:lstStyle>
+            <a:lvl1pPr algn="r">
+              <a:defRPr sz="1200"/>
+            </a:lvl1pPr>
+          </a:lstStyle>
+          <a:p>
+            <a:fld id="{3EFD42F7-718C-4B98-AAEC-167E6DDD60A7}" type="datetimeFigureOut">
+              <a:rPr lang="en-US" smtClean="0"/>
+            </a:fld>
+            <a:endParaRPr lang="en-US"/>
+          </a:p>
+        </p:txBody>
+      </p:sp>
+      <p:sp>
+        <p:nvSpPr>
+          <p:cNvPr id="4" name="Slide Image Placeholder 3"/>
+          <p:cNvSpPr>
+            <a:spLocks noGrp="1" noRot="1" noChangeAspect="1"/>
+          </p:cNvSpPr>
+          <p:nvPr>
+            <p:ph type="sldImg" idx="2"/>
+          </p:nvPr>
+        </p:nvSpPr>
+        <p:spPr>
+          <a:xfrm>
+            <a:off x="481584" y="1279287"/>
+            <a:ext cx="6140577" cy="3454075"/>
+          </a:xfrm>
+          <a:prstGeom prst="rect">
+            <a:avLst/>
+          </a:prstGeom>
+          <a:noFill/>
+          <a:ln w="12700">
+            <a:solidFill>
+              <a:prstClr val="black"/>
+            </a:solidFill>
+          </a:ln>
+        </p:spPr>
+        <p:txBody>
+          <a:bodyPr vert="horz" lIns="91440" tIns="45720" rIns="91440" bIns="45720" rtlCol="0" anchor="ctr"/>
+          <a:lstStyle/>
+          <a:p>
+            <a:endParaRPr lang="en-US"/>
+          </a:p>
+        </p:txBody>
+      </p:sp>
+      <p:sp>
+        <p:nvSpPr>
+          <p:cNvPr id="5" name="Notes Placeholder 4"/>
+          <p:cNvSpPr>
+            <a:spLocks noGrp="1"/>
+          </p:cNvSpPr>
+          <p:nvPr>
+            <p:ph type="body" sz="quarter" idx="3"/>
+          </p:nvPr>
+        </p:nvSpPr>
+        <p:spPr>
+          <a:xfrm>
+            <a:off x="710375" y="4925254"/>
+            <a:ext cx="5682996" cy="4029754"/>
+          </a:xfrm>
+          <a:prstGeom prst="rect">
+            <a:avLst/>
+          </a:prstGeom>
+        </p:spPr>
+        <p:txBody>
+          <a:bodyPr vert="horz" lIns="91440" tIns="45720" rIns="91440" bIns="45720" rtlCol="0"/>
+          <a:lstStyle/>
+          <a:p>
+            <a:pPr lvl="0"/>
+            <a:r>
+              <a:rPr lang="en-US" smtClean="0"/>
+              <a:t>Click to edit Master text styles</a:t>
+            </a:r>
+            <a:endParaRPr lang="en-US" smtClean="0"/>
+          </a:p>
+          <a:p>
+            <a:pPr lvl="1"/>
+            <a:r>
+              <a:rPr lang="en-US" smtClean="0"/>
+              <a:t>Second level</a:t>
+            </a:r>
+            <a:endParaRPr lang="en-US" smtClean="0"/>
+          </a:p>
+          <a:p>
+            <a:pPr lvl="2"/>
+            <a:r>
+              <a:rPr lang="en-US" smtClean="0"/>
+              <a:t>Third level</a:t>
+            </a:r>
+            <a:endParaRPr lang="en-US" smtClean="0"/>
+          </a:p>
+          <a:p>
+            <a:pPr lvl="3"/>
+            <a:r>
+              <a:rPr lang="en-US" smtClean="0"/>
+              <a:t>Fourth level</a:t>
+            </a:r>
+            <a:endParaRPr lang="en-US" smtClean="0"/>
+          </a:p>
+          <a:p>
+            <a:pPr lvl="4"/>
+            <a:r>
+              <a:rPr lang="en-US" smtClean="0"/>
+              <a:t>Fifth level</a:t>
+            </a:r>
+            <a:endParaRPr lang="en-US"/>
+          </a:p>
+        </p:txBody>
+      </p:sp>
+      <p:sp>
+        <p:nvSpPr>
+          <p:cNvPr id="6" name="Footer Placeholder 5"/>
+          <p:cNvSpPr>
+            <a:spLocks noGrp="1"/>
+          </p:cNvSpPr>
+          <p:nvPr>
+            <p:ph type="ftr" sz="quarter" idx="4"/>
+          </p:nvPr>
+        </p:nvSpPr>
+        <p:spPr>
+          <a:xfrm>
+            <a:off x="0" y="9720804"/>
+            <a:ext cx="3078290" cy="513491"/>
+          </a:xfrm>
+          <a:prstGeom prst="rect">
+            <a:avLst/>
+          </a:prstGeom>
+        </p:spPr>
+        <p:txBody>
+          <a:bodyPr vert="horz" lIns="91440" tIns="45720" rIns="91440" bIns="45720" rtlCol="0" anchor="b"/>
+          <a:lstStyle>
+            <a:lvl1pPr algn="l">
+              <a:defRPr sz="1200"/>
+            </a:lvl1pPr>
+          </a:lstStyle>
+          <a:p>
+            <a:endParaRPr lang="en-US"/>
+          </a:p>
+        </p:txBody>
+      </p:sp>
+      <p:sp>
+        <p:nvSpPr>
+          <p:cNvPr id="7" name="Slide Number Placeholder 6"/>
+          <p:cNvSpPr>
+            <a:spLocks noGrp="1"/>
+          </p:cNvSpPr>
+          <p:nvPr>
+            <p:ph type="sldNum" sz="quarter" idx="5"/>
+          </p:nvPr>
+        </p:nvSpPr>
+        <p:spPr>
+          <a:xfrm>
+            <a:off x="4023812" y="9720804"/>
+            <a:ext cx="3078290" cy="513491"/>
+          </a:xfrm>
+          <a:prstGeom prst="rect">
+            <a:avLst/>
+          </a:prstGeom>
+        </p:spPr>
+        <p:txBody>
+          <a:bodyPr vert="horz" lIns="91440" tIns="45720" rIns="91440" bIns="45720" rtlCol="0" anchor="b"/>
+          <a:lstStyle>
+            <a:lvl1pPr algn="r">
+              <a:defRPr sz="1200"/>
+            </a:lvl1pPr>
+          </a:lstStyle>
+          <a:p>
+            <a:fld id="{21B2AA4F-B828-4D7C-AFD3-893933DAFCB4}" type="slidenum">
+              <a:rPr lang="en-US" smtClean="0"/>
+            </a:fld>
+            <a:endParaRPr lang="en-US"/>
+          </a:p>
+        </p:txBody>
+      </p:sp>
+    </p:spTree>
+  </p:cSld>
+  <p:clrMap bg1="lt1" tx1="dk1" bg2="lt2" tx2="dk2" accent1="accent1" accent2="accent2" accent3="accent3" accent4="accent4" accent5="accent5" accent6="accent6" hlink="hlink" folHlink="folHlink"/>
+  <p:notesStyle>
+    <a:lvl1pPr marL="0" algn="l" defTabSz="914400" rtl="0" eaLnBrk="1" latinLnBrk="0" hangingPunct="1">
+      <a:defRPr sz="1200" kern="1200">
+        <a:solidFill>
+          <a:schemeClr val="tx1"/>
+        </a:solidFill>
+        <a:latin typeface="+mn-lt"/>
+        <a:ea typeface="+mn-ea"/>
+        <a:cs typeface="+mn-cs"/>
+      </a:defRPr>
+    </a:lvl1pPr>
+    <a:lvl2pPr marL="457200" algn="l" defTabSz="914400" rtl="0" eaLnBrk="1" latinLnBrk="0" hangingPunct="1">
+      <a:defRPr sz="1200" kern="1200">
+        <a:solidFill>
+          <a:schemeClr val="tx1"/>
+        </a:solidFill>
+        <a:latin typeface="+mn-lt"/>
+        <a:ea typeface="+mn-ea"/>
+        <a:cs typeface="+mn-cs"/>
+      </a:defRPr>
+    </a:lvl2pPr>
+    <a:lvl3pPr marL="914400" algn="l" defTabSz="914400" rtl="0" eaLnBrk="1" latinLnBrk="0" hangingPunct="1">
+      <a:defRPr sz="1200" kern="1200">
+        <a:solidFill>
+          <a:schemeClr val="tx1"/>
+        </a:solidFill>
+        <a:latin typeface="+mn-lt"/>
+        <a:ea typeface="+mn-ea"/>
+        <a:cs typeface="+mn-cs"/>
+      </a:defRPr>
+    </a:lvl3pPr>
+    <a:lvl4pPr marL="1371600" algn="l" defTabSz="914400" rtl="0" eaLnBrk="1" latinLnBrk="0" hangingPunct="1">
+      <a:defRPr sz="1200" kern="1200">
+        <a:solidFill>
+          <a:schemeClr val="tx1"/>
+        </a:solidFill>
+        <a:latin typeface="+mn-lt"/>
+        <a:ea typeface="+mn-ea"/>
+        <a:cs typeface="+mn-cs"/>
+      </a:defRPr>
+    </a:lvl4pPr>
+    <a:lvl5pPr marL="1828800" algn="l" defTabSz="914400" rtl="0" eaLnBrk="1" latinLnBrk="0" hangingPunct="1">
+      <a:defRPr sz="1200" kern="1200">
+        <a:solidFill>
+          <a:schemeClr val="tx1"/>
+        </a:solidFill>
+        <a:latin typeface="+mn-lt"/>
+        <a:ea typeface="+mn-ea"/>
+        <a:cs typeface="+mn-cs"/>
+      </a:defRPr>
+    </a:lvl5pPr>
+    <a:lvl6pPr marL="2286000" algn="l" defTabSz="914400" rtl="0" eaLnBrk="1" latinLnBrk="0" hangingPunct="1">
+      <a:defRPr sz="1200" kern="1200">
+        <a:solidFill>
+          <a:schemeClr val="tx1"/>
+        </a:solidFill>
+        <a:latin typeface="+mn-lt"/>
+        <a:ea typeface="+mn-ea"/>
+        <a:cs typeface="+mn-cs"/>
+      </a:defRPr>
+    </a:lvl6pPr>
+    <a:lvl7pPr marL="2743200" algn="l" defTabSz="914400" rtl="0" eaLnBrk="1" latinLnBrk="0" hangingPunct="1">
+      <a:defRPr sz="1200" kern="1200">
+        <a:solidFill>
+          <a:schemeClr val="tx1"/>
+        </a:solidFill>
+        <a:latin typeface="+mn-lt"/>
+        <a:ea typeface="+mn-ea"/>
+        <a:cs typeface="+mn-cs"/>
+      </a:defRPr>
+    </a:lvl7pPr>
+    <a:lvl8pPr marL="3200400" algn="l" defTabSz="914400" rtl="0" eaLnBrk="1" latinLnBrk="0" hangingPunct="1">
+      <a:defRPr sz="1200" kern="1200">
+        <a:solidFill>
+          <a:schemeClr val="tx1"/>
+        </a:solidFill>
+        <a:latin typeface="+mn-lt"/>
+        <a:ea typeface="+mn-ea"/>
+        <a:cs typeface="+mn-cs"/>
+      </a:defRPr>
+    </a:lvl8pPr>
+    <a:lvl9pPr marL="3657600" algn="l" defTabSz="914400" rtl="0" eaLnBrk="1" latinLnBrk="0" hangingPunct="1">
+      <a:defRPr sz="1200" kern="1200">
+        <a:solidFill>
+          <a:schemeClr val="tx1"/>
+        </a:solidFill>
+        <a:latin typeface="+mn-lt"/>
+        <a:ea typeface="+mn-ea"/>
+        <a:cs typeface="+mn-cs"/>
+      </a:defRPr>
+    </a:lvl9pPr>
+  </p:notesStyle>
+</p:notesMaster>
+</file>
+
+<file path=ppt/notesSlides/notesSlide1.xml><?xml version="1.0" encoding="utf-8"?>
+<p:notes xmlns:a="http://schemas.openxmlformats.org/drawingml/2006/main" xmlns:r="http://schemas.openxmlformats.org/officeDocument/2006/relationships" xmlns:p="http://schemas.openxmlformats.org/presentationml/2006/main">
+  <p:cSld>
+    <p:spTree>
+      <p:nvGrpSpPr>
+        <p:cNvPr id="1" name=""/>
+        <p:cNvGrpSpPr/>
+        <p:nvPr/>
+      </p:nvGrpSpPr>
+      <p:grpSpPr/>
+      <p:sp>
+        <p:nvSpPr>
+          <p:cNvPr id="2" name="Slide Image Placeholder 1"/>
+          <p:cNvSpPr/>
+          <p:nvPr>
+            <p:ph type="sldImg" idx="2"/>
+          </p:nvPr>
+        </p:nvSpPr>
+        <p:spPr/>
+      </p:sp>
+      <p:sp>
+        <p:nvSpPr>
+          <p:cNvPr id="3" name="Text Placeholder 2"/>
+          <p:cNvSpPr/>
+          <p:nvPr>
+            <p:ph type="body" idx="3"/>
+          </p:nvPr>
+        </p:nvSpPr>
+        <p:spPr/>
+        <p:txBody>
+          <a:bodyPr/>
+          <a:p>
+            <a:endParaRPr lang="zh-CN" altLang="en-US"/>
+          </a:p>
+        </p:txBody>
+      </p:sp>
+    </p:spTree>
+  </p:cSld>
+  <p:clrMapOvr>
+    <a:masterClrMapping/>
+  </p:clrMapOvr>
+</p:notes>
+</file>
+
 <file path=ppt/slideLayouts/slideLayout1.xml><?xml version="1.0" encoding="utf-8"?>
 <p:sldLayout xmlns:a="http://schemas.openxmlformats.org/drawingml/2006/main" xmlns:r="http://schemas.openxmlformats.org/officeDocument/2006/relationships" xmlns:p="http://schemas.openxmlformats.org/presentationml/2006/main" type="title" preserve="1">
   <p:cSld name="Title Slide">
@@ -146,7 +547,7 @@
           <a:bodyPr anchor="b"/>
           <a:lstStyle>
             <a:lvl1pPr algn="ctr">
-              <a:defRPr sz="6000"/>
+              <a:defRPr sz="4500"/>
             </a:lvl1pPr>
           </a:lstStyle>
           <a:p>
@@ -179,39 +580,39 @@
           <a:lstStyle>
             <a:lvl1pPr marL="0" indent="0" algn="ctr">
               <a:buNone/>
-              <a:defRPr sz="2400"/>
+              <a:defRPr sz="1800"/>
             </a:lvl1pPr>
-            <a:lvl2pPr marL="457200" indent="0" algn="ctr">
+            <a:lvl2pPr marL="342900" indent="0" algn="ctr">
               <a:buNone/>
-              <a:defRPr sz="2000"/>
+              <a:defRPr sz="1500"/>
             </a:lvl2pPr>
-            <a:lvl3pPr marL="914400" indent="0" algn="ctr">
+            <a:lvl3pPr marL="685800" indent="0" algn="ctr">
               <a:buNone/>
-              <a:defRPr sz="1800"/>
+              <a:defRPr sz="1350"/>
             </a:lvl3pPr>
-            <a:lvl4pPr marL="1371600" indent="0" algn="ctr">
+            <a:lvl4pPr marL="1028700" indent="0" algn="ctr">
               <a:buNone/>
-              <a:defRPr sz="1600"/>
+              <a:defRPr sz="1200"/>
             </a:lvl4pPr>
-            <a:lvl5pPr marL="1828800" indent="0" algn="ctr">
+            <a:lvl5pPr marL="1371600" indent="0" algn="ctr">
               <a:buNone/>
-              <a:defRPr sz="1600"/>
+              <a:defRPr sz="1200"/>
             </a:lvl5pPr>
-            <a:lvl6pPr marL="2286000" indent="0" algn="ctr">
+            <a:lvl6pPr marL="1714500" indent="0" algn="ctr">
               <a:buNone/>
-              <a:defRPr sz="1600"/>
+              <a:defRPr sz="1200"/>
             </a:lvl6pPr>
-            <a:lvl7pPr marL="2743200" indent="0" algn="ctr">
+            <a:lvl7pPr marL="2057400" indent="0" algn="ctr">
               <a:buNone/>
-              <a:defRPr sz="1600"/>
+              <a:defRPr sz="1200"/>
             </a:lvl7pPr>
-            <a:lvl8pPr marL="3200400" indent="0" algn="ctr">
+            <a:lvl8pPr marL="2400300" indent="0" algn="ctr">
               <a:buNone/>
-              <a:defRPr sz="1600"/>
+              <a:defRPr sz="1200"/>
             </a:lvl8pPr>
-            <a:lvl9pPr marL="3657600" indent="0" algn="ctr">
+            <a:lvl9pPr marL="2743200" indent="0" algn="ctr">
               <a:buNone/>
-              <a:defRPr sz="1600"/>
+              <a:defRPr sz="1200"/>
             </a:lvl9pPr>
           </a:lstStyle>
           <a:p>
@@ -291,12 +692,13 @@
   <p:clrMapOvr>
     <a:masterClrMapping/>
   </p:clrMapOvr>
+  <p:hf sldNum="0" hdr="0" ftr="0" dt="0"/>
 </p:sldLayout>
 </file>
 
 <file path=ppt/slideLayouts/slideLayout10.xml><?xml version="1.0" encoding="utf-8"?>
-<p:sldLayout xmlns:a="http://schemas.openxmlformats.org/drawingml/2006/main" xmlns:r="http://schemas.openxmlformats.org/officeDocument/2006/relationships" xmlns:p="http://schemas.openxmlformats.org/presentationml/2006/main" type="objOnly" preserve="1">
-  <p:cSld name="Content">
+<p:sldLayout xmlns:a="http://schemas.openxmlformats.org/drawingml/2006/main" xmlns:r="http://schemas.openxmlformats.org/officeDocument/2006/relationships" xmlns:p="http://schemas.openxmlformats.org/presentationml/2006/main" type="vertTx" preserve="1">
+  <p:cSld name="Title and Vertical Text">
     <p:spTree>
       <p:nvGrpSpPr>
         <p:cNvPr id="1" name=""/>
@@ -313,60 +715,368 @@
       </p:grpSpPr>
       <p:sp>
         <p:nvSpPr>
-          <p:cNvPr id="2" name="Content Placeholder 1"/>
+          <p:cNvPr id="2" name="Title 1"/>
           <p:cNvSpPr>
             <a:spLocks noGrp="1"/>
           </p:cNvSpPr>
           <p:nvPr>
-            <p:ph/>
+            <p:ph type="title"/>
+          </p:nvPr>
+        </p:nvSpPr>
+        <p:spPr/>
+        <p:txBody>
+          <a:bodyPr/>
+          <a:lstStyle/>
+          <a:p>
+            <a:r>
+              <a:rPr lang="en-US" smtClean="0"/>
+              <a:t>Click to edit Master title style</a:t>
+            </a:r>
+            <a:endParaRPr lang="en-US"/>
+          </a:p>
+        </p:txBody>
+      </p:sp>
+      <p:sp>
+        <p:nvSpPr>
+          <p:cNvPr id="3" name="Vertical Text Placeholder 2"/>
+          <p:cNvSpPr>
+            <a:spLocks noGrp="1"/>
+          </p:cNvSpPr>
+          <p:nvPr>
+            <p:ph type="body" orient="vert" idx="1"/>
+          </p:nvPr>
+        </p:nvSpPr>
+        <p:spPr/>
+        <p:txBody>
+          <a:bodyPr vert="eaVert"/>
+          <a:lstStyle/>
+          <a:p>
+            <a:pPr lvl="0"/>
+            <a:r>
+              <a:rPr lang="en-US" smtClean="0"/>
+              <a:t>Click to edit Master text styles</a:t>
+            </a:r>
+            <a:endParaRPr lang="en-US" smtClean="0"/>
+          </a:p>
+          <a:p>
+            <a:pPr lvl="1"/>
+            <a:r>
+              <a:rPr lang="en-US" smtClean="0"/>
+              <a:t>Second level</a:t>
+            </a:r>
+            <a:endParaRPr lang="en-US" smtClean="0"/>
+          </a:p>
+          <a:p>
+            <a:pPr lvl="2"/>
+            <a:r>
+              <a:rPr lang="en-US" smtClean="0"/>
+              <a:t>Third level</a:t>
+            </a:r>
+            <a:endParaRPr lang="en-US" smtClean="0"/>
+          </a:p>
+          <a:p>
+            <a:pPr lvl="3"/>
+            <a:r>
+              <a:rPr lang="en-US" smtClean="0"/>
+              <a:t>Fourth level</a:t>
+            </a:r>
+            <a:endParaRPr lang="en-US" smtClean="0"/>
+          </a:p>
+          <a:p>
+            <a:pPr lvl="4"/>
+            <a:r>
+              <a:rPr lang="en-US" smtClean="0"/>
+              <a:t>Fifth level</a:t>
+            </a:r>
+            <a:endParaRPr lang="en-US"/>
+          </a:p>
+        </p:txBody>
+      </p:sp>
+      <p:sp>
+        <p:nvSpPr>
+          <p:cNvPr id="4" name="Date Placeholder 3"/>
+          <p:cNvSpPr>
+            <a:spLocks noGrp="1"/>
+          </p:cNvSpPr>
+          <p:nvPr>
+            <p:ph type="dt" sz="half" idx="10"/>
+          </p:nvPr>
+        </p:nvSpPr>
+        <p:spPr/>
+        <p:txBody>
+          <a:bodyPr/>
+          <a:lstStyle/>
+          <a:p>
+            <a:pPr lvl="0"/>
+            <a:endParaRPr lang="en-US"/>
+          </a:p>
+        </p:txBody>
+      </p:sp>
+      <p:sp>
+        <p:nvSpPr>
+          <p:cNvPr id="5" name="Footer Placeholder 4"/>
+          <p:cNvSpPr>
+            <a:spLocks noGrp="1"/>
+          </p:cNvSpPr>
+          <p:nvPr>
+            <p:ph type="ftr" sz="quarter" idx="11"/>
+          </p:nvPr>
+        </p:nvSpPr>
+        <p:spPr/>
+        <p:txBody>
+          <a:bodyPr/>
+          <a:lstStyle/>
+          <a:p>
+            <a:pPr lvl="0"/>
+            <a:endParaRPr lang="en-US"/>
+          </a:p>
+        </p:txBody>
+      </p:sp>
+      <p:sp>
+        <p:nvSpPr>
+          <p:cNvPr id="6" name="Slide Number Placeholder 5"/>
+          <p:cNvSpPr>
+            <a:spLocks noGrp="1"/>
+          </p:cNvSpPr>
+          <p:nvPr>
+            <p:ph type="sldNum" sz="quarter" idx="12"/>
+          </p:nvPr>
+        </p:nvSpPr>
+        <p:spPr/>
+        <p:txBody>
+          <a:bodyPr/>
+          <a:lstStyle/>
+          <a:p>
+            <a:pPr lvl="0"/>
+            <a:fld id="{9A0DB2DC-4C9A-4742-B13C-FB6460FD3503}" type="slidenum">
+              <a:rPr lang="en-US"/>
+            </a:fld>
+            <a:endParaRPr lang="en-US"/>
+          </a:p>
+        </p:txBody>
+      </p:sp>
+    </p:spTree>
+  </p:cSld>
+  <p:clrMapOvr>
+    <a:masterClrMapping/>
+  </p:clrMapOvr>
+  <p:hf sldNum="0" hdr="0" ftr="0" dt="0"/>
+</p:sldLayout>
+</file>
+
+<file path=ppt/slideLayouts/slideLayout11.xml><?xml version="1.0" encoding="utf-8"?>
+<p:sldLayout xmlns:a="http://schemas.openxmlformats.org/drawingml/2006/main" xmlns:r="http://schemas.openxmlformats.org/officeDocument/2006/relationships" xmlns:p="http://schemas.openxmlformats.org/presentationml/2006/main" type="vertTitleAndTx" preserve="1">
+  <p:cSld name="Vertical Title and Text">
+    <p:spTree>
+      <p:nvGrpSpPr>
+        <p:cNvPr id="1" name=""/>
+        <p:cNvGrpSpPr/>
+        <p:nvPr/>
+      </p:nvGrpSpPr>
+      <p:grpSpPr>
+        <a:xfrm>
+          <a:off x="0" y="0"/>
+          <a:ext cx="0" cy="0"/>
+          <a:chOff x="0" y="0"/>
+          <a:chExt cx="0" cy="0"/>
+        </a:xfrm>
+      </p:grpSpPr>
+      <p:sp>
+        <p:nvSpPr>
+          <p:cNvPr id="2" name="Vertical Title 1"/>
+          <p:cNvSpPr>
+            <a:spLocks noGrp="1"/>
+          </p:cNvSpPr>
+          <p:nvPr>
+            <p:ph type="title" orient="vert"/>
           </p:nvPr>
         </p:nvSpPr>
         <p:spPr>
           <a:xfrm>
-            <a:off x="838200" y="365125"/>
-            <a:ext cx="10515600" cy="5811838"/>
+            <a:off x="8839200" y="274638"/>
+            <a:ext cx="2743200" cy="5851525"/>
           </a:xfrm>
         </p:spPr>
         <p:txBody>
+          <a:bodyPr vert="eaVert"/>
+          <a:lstStyle/>
+          <a:p>
+            <a:r>
+              <a:rPr lang="en-US" smtClean="0"/>
+              <a:t>Click to edit Master title style</a:t>
+            </a:r>
+            <a:endParaRPr lang="en-US"/>
+          </a:p>
+        </p:txBody>
+      </p:sp>
+      <p:sp>
+        <p:nvSpPr>
+          <p:cNvPr id="3" name="Vertical Text Placeholder 2"/>
+          <p:cNvSpPr>
+            <a:spLocks noGrp="1"/>
+          </p:cNvSpPr>
+          <p:nvPr>
+            <p:ph type="body" orient="vert" idx="1"/>
+          </p:nvPr>
+        </p:nvSpPr>
+        <p:spPr>
+          <a:xfrm>
+            <a:off x="609600" y="274638"/>
+            <a:ext cx="8070573" cy="5851525"/>
+          </a:xfrm>
+        </p:spPr>
+        <p:txBody>
+          <a:bodyPr vert="eaVert"/>
+          <a:lstStyle/>
+          <a:p>
+            <a:pPr lvl="0"/>
+            <a:r>
+              <a:rPr lang="en-US" smtClean="0"/>
+              <a:t>Click to edit Master text styles</a:t>
+            </a:r>
+            <a:endParaRPr lang="en-US" smtClean="0"/>
+          </a:p>
+          <a:p>
+            <a:pPr lvl="1"/>
+            <a:r>
+              <a:rPr lang="en-US" smtClean="0"/>
+              <a:t>Second level</a:t>
+            </a:r>
+            <a:endParaRPr lang="en-US" smtClean="0"/>
+          </a:p>
+          <a:p>
+            <a:pPr lvl="2"/>
+            <a:r>
+              <a:rPr lang="en-US" smtClean="0"/>
+              <a:t>Third level</a:t>
+            </a:r>
+            <a:endParaRPr lang="en-US" smtClean="0"/>
+          </a:p>
+          <a:p>
+            <a:pPr lvl="3"/>
+            <a:r>
+              <a:rPr lang="en-US" smtClean="0"/>
+              <a:t>Fourth level</a:t>
+            </a:r>
+            <a:endParaRPr lang="en-US" smtClean="0"/>
+          </a:p>
+          <a:p>
+            <a:pPr lvl="4"/>
+            <a:r>
+              <a:rPr lang="en-US" smtClean="0"/>
+              <a:t>Fifth level</a:t>
+            </a:r>
+            <a:endParaRPr lang="en-US"/>
+          </a:p>
+        </p:txBody>
+      </p:sp>
+      <p:sp>
+        <p:nvSpPr>
+          <p:cNvPr id="4" name="Date Placeholder 3"/>
+          <p:cNvSpPr>
+            <a:spLocks noGrp="1"/>
+          </p:cNvSpPr>
+          <p:nvPr>
+            <p:ph type="dt" sz="half" idx="10"/>
+          </p:nvPr>
+        </p:nvSpPr>
+        <p:spPr/>
+        <p:txBody>
           <a:bodyPr/>
           <a:lstStyle/>
           <a:p>
-            <a:pPr lvl="0"/>
-            <a:r>
+            <a:fld id="{FDE934FF-F4E1-47C5-9CA5-30A81DDE2BE4}" type="datetimeFigureOut">
               <a:rPr lang="en-US" smtClean="0"/>
-              <a:t>Click to edit Master text styles</a:t>
-            </a:r>
-            <a:endParaRPr lang="en-US" smtClean="0"/>
-          </a:p>
-          <a:p>
-            <a:pPr lvl="1"/>
-            <a:r>
+            </a:fld>
+            <a:endParaRPr lang="en-US"/>
+          </a:p>
+        </p:txBody>
+      </p:sp>
+      <p:sp>
+        <p:nvSpPr>
+          <p:cNvPr id="5" name="Footer Placeholder 4"/>
+          <p:cNvSpPr>
+            <a:spLocks noGrp="1"/>
+          </p:cNvSpPr>
+          <p:nvPr>
+            <p:ph type="ftr" sz="quarter" idx="11"/>
+          </p:nvPr>
+        </p:nvSpPr>
+        <p:spPr/>
+        <p:txBody>
+          <a:bodyPr/>
+          <a:lstStyle/>
+          <a:p>
+            <a:endParaRPr lang="en-US"/>
+          </a:p>
+        </p:txBody>
+      </p:sp>
+      <p:sp>
+        <p:nvSpPr>
+          <p:cNvPr id="6" name="Slide Number Placeholder 5"/>
+          <p:cNvSpPr>
+            <a:spLocks noGrp="1"/>
+          </p:cNvSpPr>
+          <p:nvPr>
+            <p:ph type="sldNum" sz="quarter" idx="12"/>
+          </p:nvPr>
+        </p:nvSpPr>
+        <p:spPr/>
+        <p:txBody>
+          <a:bodyPr/>
+          <a:lstStyle/>
+          <a:p>
+            <a:fld id="{B3561BA9-CDCF-4958-B8AB-66F3BF063E13}" type="slidenum">
               <a:rPr lang="en-US" smtClean="0"/>
-              <a:t>Second level</a:t>
-            </a:r>
-            <a:endParaRPr lang="en-US" smtClean="0"/>
-          </a:p>
-          <a:p>
-            <a:pPr lvl="2"/>
+            </a:fld>
+            <a:endParaRPr lang="en-US"/>
+          </a:p>
+        </p:txBody>
+      </p:sp>
+    </p:spTree>
+  </p:cSld>
+  <p:clrMapOvr>
+    <a:masterClrMapping/>
+  </p:clrMapOvr>
+  <p:hf sldNum="0" hdr="0" ftr="0" dt="0"/>
+</p:sldLayout>
+</file>
+
+<file path=ppt/slideLayouts/slideLayout12.xml><?xml version="1.0" encoding="utf-8"?>
+<p:sldLayout xmlns:a="http://schemas.openxmlformats.org/drawingml/2006/main" xmlns:r="http://schemas.openxmlformats.org/officeDocument/2006/relationships" xmlns:p="http://schemas.openxmlformats.org/presentationml/2006/main" preserve="1" userDrawn="1">
+  <p:cSld name="Custom Layout">
+    <p:spTree>
+      <p:nvGrpSpPr>
+        <p:cNvPr id="1" name=""/>
+        <p:cNvGrpSpPr/>
+        <p:nvPr/>
+      </p:nvGrpSpPr>
+      <p:grpSpPr>
+        <a:xfrm>
+          <a:off x="0" y="0"/>
+          <a:ext cx="0" cy="0"/>
+          <a:chOff x="0" y="0"/>
+          <a:chExt cx="0" cy="0"/>
+        </a:xfrm>
+      </p:grpSpPr>
+      <p:sp>
+        <p:nvSpPr>
+          <p:cNvPr id="2" name="Title 1"/>
+          <p:cNvSpPr>
+            <a:spLocks noGrp="1"/>
+          </p:cNvSpPr>
+          <p:nvPr>
+            <p:ph type="title"/>
+          </p:nvPr>
+        </p:nvSpPr>
+        <p:spPr/>
+        <p:txBody>
+          <a:bodyPr/>
+          <a:lstStyle/>
+          <a:p>
             <a:r>
               <a:rPr lang="en-US" smtClean="0"/>
-              <a:t>Third level</a:t>
-            </a:r>
-            <a:endParaRPr lang="en-US" smtClean="0"/>
-          </a:p>
-          <a:p>
-            <a:pPr lvl="3"/>
-            <a:r>
-              <a:rPr lang="en-US" smtClean="0"/>
-              <a:t>Fourth level</a:t>
-            </a:r>
-            <a:endParaRPr lang="en-US" smtClean="0"/>
-          </a:p>
-          <a:p>
-            <a:pPr lvl="4"/>
-            <a:r>
-              <a:rPr lang="en-US" smtClean="0"/>
-              <a:t>Fifth level</a:t>
+              <a:t>Click to edit Master title style</a:t>
             </a:r>
             <a:endParaRPr lang="en-US"/>
           </a:p>
@@ -440,6 +1150,13 @@
   <p:clrMapOvr>
     <a:masterClrMapping/>
   </p:clrMapOvr>
+  <p:timing>
+    <p:tnLst>
+      <p:par>
+        <p:cTn id="1" dur="indefinite" restart="never" nodeType="tmRoot"/>
+      </p:par>
+    </p:tnLst>
+  </p:timing>
 </p:sldLayout>
 </file>
 
@@ -607,6 +1324,7 @@
   <p:clrMapOvr>
     <a:masterClrMapping/>
   </p:clrMapOvr>
+  <p:hf sldNum="0" hdr="0" ftr="0" dt="0"/>
 </p:sldLayout>
 </file>
 
@@ -639,7 +1357,7 @@
         </p:nvSpPr>
         <p:spPr>
           <a:xfrm>
-            <a:off x="831850" y="1709738"/>
+            <a:off x="831851" y="1709738"/>
             <a:ext cx="10515600" cy="2852737"/>
           </a:xfrm>
         </p:spPr>
@@ -647,7 +1365,7 @@
           <a:bodyPr anchor="b"/>
           <a:lstStyle>
             <a:lvl1pPr>
-              <a:defRPr sz="6000"/>
+              <a:defRPr sz="4500"/>
             </a:lvl1pPr>
           </a:lstStyle>
           <a:p>
@@ -671,7 +1389,7 @@
         </p:nvSpPr>
         <p:spPr>
           <a:xfrm>
-            <a:off x="831850" y="4589463"/>
+            <a:off x="831851" y="4589463"/>
             <a:ext cx="10515600" cy="1500187"/>
           </a:xfrm>
         </p:spPr>
@@ -680,7 +1398,7 @@
           <a:lstStyle>
             <a:lvl1pPr marL="0" indent="0">
               <a:buNone/>
-              <a:defRPr sz="2400">
+              <a:defRPr sz="1800">
                 <a:solidFill>
                   <a:schemeClr val="tx1">
                     <a:tint val="75000"/>
@@ -688,9 +1406,9 @@
                 </a:solidFill>
               </a:defRPr>
             </a:lvl1pPr>
-            <a:lvl2pPr marL="457200" indent="0">
+            <a:lvl2pPr marL="342900" indent="0">
               <a:buNone/>
-              <a:defRPr sz="2000">
+              <a:defRPr sz="1500">
                 <a:solidFill>
                   <a:schemeClr val="tx1">
                     <a:tint val="75000"/>
@@ -698,9 +1416,9 @@
                 </a:solidFill>
               </a:defRPr>
             </a:lvl2pPr>
-            <a:lvl3pPr marL="914400" indent="0">
+            <a:lvl3pPr marL="685800" indent="0">
               <a:buNone/>
-              <a:defRPr sz="1800">
+              <a:defRPr sz="1350">
                 <a:solidFill>
                   <a:schemeClr val="tx1">
                     <a:tint val="75000"/>
@@ -708,9 +1426,9 @@
                 </a:solidFill>
               </a:defRPr>
             </a:lvl3pPr>
-            <a:lvl4pPr marL="1371600" indent="0">
+            <a:lvl4pPr marL="1028700" indent="0">
               <a:buNone/>
-              <a:defRPr sz="1600">
+              <a:defRPr sz="1200">
                 <a:solidFill>
                   <a:schemeClr val="tx1">
                     <a:tint val="75000"/>
@@ -718,9 +1436,9 @@
                 </a:solidFill>
               </a:defRPr>
             </a:lvl4pPr>
-            <a:lvl5pPr marL="1828800" indent="0">
+            <a:lvl5pPr marL="1371600" indent="0">
               <a:buNone/>
-              <a:defRPr sz="1600">
+              <a:defRPr sz="1200">
                 <a:solidFill>
                   <a:schemeClr val="tx1">
                     <a:tint val="75000"/>
@@ -728,9 +1446,9 @@
                 </a:solidFill>
               </a:defRPr>
             </a:lvl5pPr>
-            <a:lvl6pPr marL="2286000" indent="0">
+            <a:lvl6pPr marL="1714500" indent="0">
               <a:buNone/>
-              <a:defRPr sz="1600">
+              <a:defRPr sz="1200">
                 <a:solidFill>
                   <a:schemeClr val="tx1">
                     <a:tint val="75000"/>
@@ -738,9 +1456,9 @@
                 </a:solidFill>
               </a:defRPr>
             </a:lvl6pPr>
-            <a:lvl7pPr marL="2743200" indent="0">
+            <a:lvl7pPr marL="2057400" indent="0">
               <a:buNone/>
-              <a:defRPr sz="1600">
+              <a:defRPr sz="1200">
                 <a:solidFill>
                   <a:schemeClr val="tx1">
                     <a:tint val="75000"/>
@@ -748,9 +1466,9 @@
                 </a:solidFill>
               </a:defRPr>
             </a:lvl7pPr>
-            <a:lvl8pPr marL="3200400" indent="0">
+            <a:lvl8pPr marL="2400300" indent="0">
               <a:buNone/>
-              <a:defRPr sz="1600">
+              <a:defRPr sz="1200">
                 <a:solidFill>
                   <a:schemeClr val="tx1">
                     <a:tint val="75000"/>
@@ -758,9 +1476,9 @@
                 </a:solidFill>
               </a:defRPr>
             </a:lvl8pPr>
-            <a:lvl9pPr marL="3657600" indent="0">
+            <a:lvl9pPr marL="2743200" indent="0">
               <a:buNone/>
-              <a:defRPr sz="1600">
+              <a:defRPr sz="1200">
                 <a:solidFill>
                   <a:schemeClr val="tx1">
                     <a:tint val="75000"/>
@@ -847,6 +1565,7 @@
   <p:clrMapOvr>
     <a:masterClrMapping/>
   </p:clrMapOvr>
+  <p:hf sldNum="0" hdr="0" ftr="0" dt="0"/>
 </p:sldLayout>
 </file>
 
@@ -902,8 +1621,8 @@
         </p:nvSpPr>
         <p:spPr>
           <a:xfrm>
-            <a:off x="838200" y="1825625"/>
-            <a:ext cx="5181600" cy="4351338"/>
+            <a:off x="609600" y="1600200"/>
+            <a:ext cx="5376672" cy="4525963"/>
           </a:xfrm>
         </p:spPr>
         <p:txBody>
@@ -963,8 +1682,8 @@
         </p:nvSpPr>
         <p:spPr>
           <a:xfrm>
-            <a:off x="6172200" y="1825625"/>
-            <a:ext cx="5181600" cy="4351338"/>
+            <a:off x="6205728" y="1600200"/>
+            <a:ext cx="5376672" cy="4525963"/>
           </a:xfrm>
         </p:spPr>
         <p:txBody>
@@ -1080,6 +1799,7 @@
   <p:clrMapOvr>
     <a:masterClrMapping/>
   </p:clrMapOvr>
+  <p:hf sldNum="0" hdr="0" ftr="0" dt="0"/>
 </p:sldLayout>
 </file>
 
@@ -1149,39 +1869,39 @@
           <a:lstStyle>
             <a:lvl1pPr marL="0" indent="0">
               <a:buNone/>
-              <a:defRPr sz="2400" b="1"/>
+              <a:defRPr sz="1800" b="1"/>
             </a:lvl1pPr>
-            <a:lvl2pPr marL="457200" indent="0">
+            <a:lvl2pPr marL="342900" indent="0">
               <a:buNone/>
-              <a:defRPr sz="2000" b="1"/>
+              <a:defRPr sz="1500" b="1"/>
             </a:lvl2pPr>
-            <a:lvl3pPr marL="914400" indent="0">
+            <a:lvl3pPr marL="685800" indent="0">
               <a:buNone/>
-              <a:defRPr sz="1800" b="1"/>
+              <a:defRPr sz="1350" b="1"/>
             </a:lvl3pPr>
-            <a:lvl4pPr marL="1371600" indent="0">
+            <a:lvl4pPr marL="1028700" indent="0">
               <a:buNone/>
-              <a:defRPr sz="1600" b="1"/>
+              <a:defRPr sz="1200" b="1"/>
             </a:lvl4pPr>
-            <a:lvl5pPr marL="1828800" indent="0">
+            <a:lvl5pPr marL="1371600" indent="0">
               <a:buNone/>
-              <a:defRPr sz="1600" b="1"/>
+              <a:defRPr sz="1200" b="1"/>
             </a:lvl5pPr>
-            <a:lvl6pPr marL="2286000" indent="0">
+            <a:lvl6pPr marL="1714500" indent="0">
               <a:buNone/>
-              <a:defRPr sz="1600" b="1"/>
+              <a:defRPr sz="1200" b="1"/>
             </a:lvl6pPr>
-            <a:lvl7pPr marL="2743200" indent="0">
+            <a:lvl7pPr marL="2057400" indent="0">
               <a:buNone/>
-              <a:defRPr sz="1600" b="1"/>
+              <a:defRPr sz="1200" b="1"/>
             </a:lvl7pPr>
-            <a:lvl8pPr marL="3200400" indent="0">
+            <a:lvl8pPr marL="2400300" indent="0">
               <a:buNone/>
-              <a:defRPr sz="1600" b="1"/>
+              <a:defRPr sz="1200" b="1"/>
             </a:lvl8pPr>
-            <a:lvl9pPr marL="3657600" indent="0">
+            <a:lvl9pPr marL="2743200" indent="0">
               <a:buNone/>
-              <a:defRPr sz="1600" b="1"/>
+              <a:defRPr sz="1200" b="1"/>
             </a:lvl9pPr>
           </a:lstStyle>
           <a:p>
@@ -1276,39 +1996,39 @@
           <a:lstStyle>
             <a:lvl1pPr marL="0" indent="0">
               <a:buNone/>
-              <a:defRPr sz="2400" b="1"/>
+              <a:defRPr sz="1800" b="1"/>
             </a:lvl1pPr>
-            <a:lvl2pPr marL="457200" indent="0">
+            <a:lvl2pPr marL="342900" indent="0">
               <a:buNone/>
-              <a:defRPr sz="2000" b="1"/>
+              <a:defRPr sz="1500" b="1"/>
             </a:lvl2pPr>
-            <a:lvl3pPr marL="914400" indent="0">
+            <a:lvl3pPr marL="685800" indent="0">
               <a:buNone/>
-              <a:defRPr sz="1800" b="1"/>
+              <a:defRPr sz="1350" b="1"/>
             </a:lvl3pPr>
-            <a:lvl4pPr marL="1371600" indent="0">
+            <a:lvl4pPr marL="1028700" indent="0">
               <a:buNone/>
-              <a:defRPr sz="1600" b="1"/>
+              <a:defRPr sz="1200" b="1"/>
             </a:lvl4pPr>
-            <a:lvl5pPr marL="1828800" indent="0">
+            <a:lvl5pPr marL="1371600" indent="0">
               <a:buNone/>
-              <a:defRPr sz="1600" b="1"/>
+              <a:defRPr sz="1200" b="1"/>
             </a:lvl5pPr>
-            <a:lvl6pPr marL="2286000" indent="0">
+            <a:lvl6pPr marL="1714500" indent="0">
               <a:buNone/>
-              <a:defRPr sz="1600" b="1"/>
+              <a:defRPr sz="1200" b="1"/>
             </a:lvl6pPr>
-            <a:lvl7pPr marL="2743200" indent="0">
+            <a:lvl7pPr marL="2057400" indent="0">
               <a:buNone/>
-              <a:defRPr sz="1600" b="1"/>
+              <a:defRPr sz="1200" b="1"/>
             </a:lvl7pPr>
-            <a:lvl8pPr marL="3200400" indent="0">
+            <a:lvl8pPr marL="2400300" indent="0">
               <a:buNone/>
-              <a:defRPr sz="1600" b="1"/>
+              <a:defRPr sz="1200" b="1"/>
             </a:lvl8pPr>
-            <a:lvl9pPr marL="3657600" indent="0">
+            <a:lvl9pPr marL="2743200" indent="0">
               <a:buNone/>
-              <a:defRPr sz="1600" b="1"/>
+              <a:defRPr sz="1200" b="1"/>
             </a:lvl9pPr>
           </a:lstStyle>
           <a:p>
@@ -1450,6 +2170,7 @@
   <p:clrMapOvr>
     <a:masterClrMapping/>
   </p:clrMapOvr>
+  <p:hf sldNum="0" hdr="0" ftr="0" dt="0"/>
 </p:sldLayout>
 </file>
 
@@ -1561,6 +2282,7 @@
   <p:clrMapOvr>
     <a:masterClrMapping/>
   </p:clrMapOvr>
+  <p:hf sldNum="0" hdr="0" ftr="0" dt="0"/>
 </p:sldLayout>
 </file>
 
@@ -1649,10 +2371,287 @@
   <p:clrMapOvr>
     <a:masterClrMapping/>
   </p:clrMapOvr>
+  <p:hf sldNum="0" hdr="0" ftr="0" dt="0"/>
 </p:sldLayout>
 </file>
 
 <file path=ppt/slideLayouts/slideLayout8.xml><?xml version="1.0" encoding="utf-8"?>
+<p:sldLayout xmlns:a="http://schemas.openxmlformats.org/drawingml/2006/main" xmlns:r="http://schemas.openxmlformats.org/officeDocument/2006/relationships" xmlns:p="http://schemas.openxmlformats.org/presentationml/2006/main" type="objTx" preserve="1">
+  <p:cSld name="Content with Caption">
+    <p:spTree>
+      <p:nvGrpSpPr>
+        <p:cNvPr id="1" name=""/>
+        <p:cNvGrpSpPr/>
+        <p:nvPr/>
+      </p:nvGrpSpPr>
+      <p:grpSpPr>
+        <a:xfrm>
+          <a:off x="0" y="0"/>
+          <a:ext cx="0" cy="0"/>
+          <a:chOff x="0" y="0"/>
+          <a:chExt cx="0" cy="0"/>
+        </a:xfrm>
+      </p:grpSpPr>
+      <p:sp>
+        <p:nvSpPr>
+          <p:cNvPr id="2" name="Title 1"/>
+          <p:cNvSpPr>
+            <a:spLocks noGrp="1"/>
+          </p:cNvSpPr>
+          <p:nvPr>
+            <p:ph type="title"/>
+          </p:nvPr>
+        </p:nvSpPr>
+        <p:spPr>
+          <a:xfrm>
+            <a:off x="839788" y="457200"/>
+            <a:ext cx="3932237" cy="1600200"/>
+          </a:xfrm>
+        </p:spPr>
+        <p:txBody>
+          <a:bodyPr anchor="b"/>
+          <a:lstStyle>
+            <a:lvl1pPr>
+              <a:defRPr sz="2400"/>
+            </a:lvl1pPr>
+          </a:lstStyle>
+          <a:p>
+            <a:r>
+              <a:rPr lang="en-US" smtClean="0"/>
+              <a:t>Click to edit Master title style</a:t>
+            </a:r>
+            <a:endParaRPr lang="en-US"/>
+          </a:p>
+        </p:txBody>
+      </p:sp>
+      <p:sp>
+        <p:nvSpPr>
+          <p:cNvPr id="3" name="Content Placeholder 2"/>
+          <p:cNvSpPr>
+            <a:spLocks noGrp="1"/>
+          </p:cNvSpPr>
+          <p:nvPr>
+            <p:ph idx="1"/>
+          </p:nvPr>
+        </p:nvSpPr>
+        <p:spPr>
+          <a:xfrm>
+            <a:off x="5183188" y="987425"/>
+            <a:ext cx="6172200" cy="4873625"/>
+          </a:xfrm>
+        </p:spPr>
+        <p:txBody>
+          <a:bodyPr/>
+          <a:lstStyle>
+            <a:lvl1pPr>
+              <a:defRPr sz="2400"/>
+            </a:lvl1pPr>
+            <a:lvl2pPr>
+              <a:defRPr sz="2100"/>
+            </a:lvl2pPr>
+            <a:lvl3pPr>
+              <a:defRPr sz="1800"/>
+            </a:lvl3pPr>
+            <a:lvl4pPr>
+              <a:defRPr sz="1500"/>
+            </a:lvl4pPr>
+            <a:lvl5pPr>
+              <a:defRPr sz="1500"/>
+            </a:lvl5pPr>
+            <a:lvl6pPr>
+              <a:defRPr sz="1500"/>
+            </a:lvl6pPr>
+            <a:lvl7pPr>
+              <a:defRPr sz="1500"/>
+            </a:lvl7pPr>
+            <a:lvl8pPr>
+              <a:defRPr sz="1500"/>
+            </a:lvl8pPr>
+            <a:lvl9pPr>
+              <a:defRPr sz="1500"/>
+            </a:lvl9pPr>
+          </a:lstStyle>
+          <a:p>
+            <a:pPr lvl="0"/>
+            <a:r>
+              <a:rPr lang="en-US" smtClean="0"/>
+              <a:t>Click to edit Master text styles</a:t>
+            </a:r>
+            <a:endParaRPr lang="en-US" smtClean="0"/>
+          </a:p>
+          <a:p>
+            <a:pPr lvl="1"/>
+            <a:r>
+              <a:rPr lang="en-US" smtClean="0"/>
+              <a:t>Second level</a:t>
+            </a:r>
+            <a:endParaRPr lang="en-US" smtClean="0"/>
+          </a:p>
+          <a:p>
+            <a:pPr lvl="2"/>
+            <a:r>
+              <a:rPr lang="en-US" smtClean="0"/>
+              <a:t>Third level</a:t>
+            </a:r>
+            <a:endParaRPr lang="en-US" smtClean="0"/>
+          </a:p>
+          <a:p>
+            <a:pPr lvl="3"/>
+            <a:r>
+              <a:rPr lang="en-US" smtClean="0"/>
+              <a:t>Fourth level</a:t>
+            </a:r>
+            <a:endParaRPr lang="en-US" smtClean="0"/>
+          </a:p>
+          <a:p>
+            <a:pPr lvl="4"/>
+            <a:r>
+              <a:rPr lang="en-US" smtClean="0"/>
+              <a:t>Fifth level</a:t>
+            </a:r>
+            <a:endParaRPr lang="en-US"/>
+          </a:p>
+        </p:txBody>
+      </p:sp>
+      <p:sp>
+        <p:nvSpPr>
+          <p:cNvPr id="4" name="Text Placeholder 3"/>
+          <p:cNvSpPr>
+            <a:spLocks noGrp="1"/>
+          </p:cNvSpPr>
+          <p:nvPr>
+            <p:ph type="body" sz="half" idx="2"/>
+          </p:nvPr>
+        </p:nvSpPr>
+        <p:spPr>
+          <a:xfrm>
+            <a:off x="839788" y="2057400"/>
+            <a:ext cx="3932237" cy="3811588"/>
+          </a:xfrm>
+        </p:spPr>
+        <p:txBody>
+          <a:bodyPr/>
+          <a:lstStyle>
+            <a:lvl1pPr marL="0" indent="0">
+              <a:buNone/>
+              <a:defRPr sz="1200"/>
+            </a:lvl1pPr>
+            <a:lvl2pPr marL="342900" indent="0">
+              <a:buNone/>
+              <a:defRPr sz="1050"/>
+            </a:lvl2pPr>
+            <a:lvl3pPr marL="685800" indent="0">
+              <a:buNone/>
+              <a:defRPr sz="900"/>
+            </a:lvl3pPr>
+            <a:lvl4pPr marL="1028700" indent="0">
+              <a:buNone/>
+              <a:defRPr sz="750"/>
+            </a:lvl4pPr>
+            <a:lvl5pPr marL="1371600" indent="0">
+              <a:buNone/>
+              <a:defRPr sz="750"/>
+            </a:lvl5pPr>
+            <a:lvl6pPr marL="1714500" indent="0">
+              <a:buNone/>
+              <a:defRPr sz="750"/>
+            </a:lvl6pPr>
+            <a:lvl7pPr marL="2057400" indent="0">
+              <a:buNone/>
+              <a:defRPr sz="750"/>
+            </a:lvl7pPr>
+            <a:lvl8pPr marL="2400300" indent="0">
+              <a:buNone/>
+              <a:defRPr sz="750"/>
+            </a:lvl8pPr>
+            <a:lvl9pPr marL="2743200" indent="0">
+              <a:buNone/>
+              <a:defRPr sz="750"/>
+            </a:lvl9pPr>
+          </a:lstStyle>
+          <a:p>
+            <a:pPr lvl="0"/>
+            <a:r>
+              <a:rPr lang="en-US" smtClean="0"/>
+              <a:t>Click to edit Master text styles</a:t>
+            </a:r>
+            <a:endParaRPr lang="en-US" smtClean="0"/>
+          </a:p>
+        </p:txBody>
+      </p:sp>
+      <p:sp>
+        <p:nvSpPr>
+          <p:cNvPr id="5" name="Date Placeholder 4"/>
+          <p:cNvSpPr>
+            <a:spLocks noGrp="1"/>
+          </p:cNvSpPr>
+          <p:nvPr>
+            <p:ph type="dt" sz="half" idx="10"/>
+          </p:nvPr>
+        </p:nvSpPr>
+        <p:spPr/>
+        <p:txBody>
+          <a:bodyPr/>
+          <a:lstStyle/>
+          <a:p>
+            <a:pPr lvl="0"/>
+            <a:endParaRPr lang="en-US"/>
+          </a:p>
+        </p:txBody>
+      </p:sp>
+      <p:sp>
+        <p:nvSpPr>
+          <p:cNvPr id="6" name="Footer Placeholder 5"/>
+          <p:cNvSpPr>
+            <a:spLocks noGrp="1"/>
+          </p:cNvSpPr>
+          <p:nvPr>
+            <p:ph type="ftr" sz="quarter" idx="11"/>
+          </p:nvPr>
+        </p:nvSpPr>
+        <p:spPr/>
+        <p:txBody>
+          <a:bodyPr/>
+          <a:lstStyle/>
+          <a:p>
+            <a:pPr lvl="0"/>
+            <a:endParaRPr lang="en-US"/>
+          </a:p>
+        </p:txBody>
+      </p:sp>
+      <p:sp>
+        <p:nvSpPr>
+          <p:cNvPr id="7" name="Slide Number Placeholder 6"/>
+          <p:cNvSpPr>
+            <a:spLocks noGrp="1"/>
+          </p:cNvSpPr>
+          <p:nvPr>
+            <p:ph type="sldNum" sz="quarter" idx="12"/>
+          </p:nvPr>
+        </p:nvSpPr>
+        <p:spPr/>
+        <p:txBody>
+          <a:bodyPr/>
+          <a:lstStyle/>
+          <a:p>
+            <a:pPr lvl="0"/>
+            <a:fld id="{9A0DB2DC-4C9A-4742-B13C-FB6460FD3503}" type="slidenum">
+              <a:rPr lang="en-US"/>
+            </a:fld>
+            <a:endParaRPr lang="en-US"/>
+          </a:p>
+        </p:txBody>
+      </p:sp>
+    </p:spTree>
+  </p:cSld>
+  <p:clrMapOvr>
+    <a:masterClrMapping/>
+  </p:clrMapOvr>
+  <p:hf sldNum="0" hdr="0" ftr="0" dt="0"/>
+</p:sldLayout>
+</file>
+
+<file path=ppt/slideLayouts/slideLayout9.xml><?xml version="1.0" encoding="utf-8"?>
 <p:sldLayout xmlns:a="http://schemas.openxmlformats.org/drawingml/2006/main" xmlns:r="http://schemas.openxmlformats.org/officeDocument/2006/relationships" xmlns:p="http://schemas.openxmlformats.org/presentationml/2006/main" type="picTx" preserve="1">
   <p:cSld name="Picture with Caption">
     <p:spTree>
@@ -1689,7 +2688,7 @@
           <a:bodyPr anchor="b"/>
           <a:lstStyle>
             <a:lvl1pPr>
-              <a:defRPr sz="3200"/>
+              <a:defRPr sz="2400"/>
             </a:lvl1pPr>
           </a:lstStyle>
           <a:p>
@@ -1722,39 +2721,39 @@
           <a:lstStyle>
             <a:lvl1pPr marL="0" indent="0">
               <a:buNone/>
-              <a:defRPr sz="3200"/>
+              <a:defRPr sz="2400"/>
             </a:lvl1pPr>
-            <a:lvl2pPr marL="457200" indent="0">
+            <a:lvl2pPr marL="342900" indent="0">
               <a:buNone/>
-              <a:defRPr sz="2800"/>
+              <a:defRPr sz="2100"/>
             </a:lvl2pPr>
-            <a:lvl3pPr marL="914400" indent="0">
+            <a:lvl3pPr marL="685800" indent="0">
               <a:buNone/>
-              <a:defRPr sz="2400"/>
+              <a:defRPr sz="1800"/>
             </a:lvl3pPr>
-            <a:lvl4pPr marL="1371600" indent="0">
+            <a:lvl4pPr marL="1028700" indent="0">
               <a:buNone/>
-              <a:defRPr sz="2000"/>
+              <a:defRPr sz="1500"/>
             </a:lvl4pPr>
-            <a:lvl5pPr marL="1828800" indent="0">
+            <a:lvl5pPr marL="1371600" indent="0">
               <a:buNone/>
-              <a:defRPr sz="2000"/>
+              <a:defRPr sz="1500"/>
             </a:lvl5pPr>
-            <a:lvl6pPr marL="2286000" indent="0">
+            <a:lvl6pPr marL="1714500" indent="0">
               <a:buNone/>
-              <a:defRPr sz="2000"/>
+              <a:defRPr sz="1500"/>
             </a:lvl6pPr>
-            <a:lvl7pPr marL="2743200" indent="0">
+            <a:lvl7pPr marL="2057400" indent="0">
               <a:buNone/>
-              <a:defRPr sz="2000"/>
+              <a:defRPr sz="1500"/>
             </a:lvl7pPr>
-            <a:lvl8pPr marL="3200400" indent="0">
+            <a:lvl8pPr marL="2400300" indent="0">
               <a:buNone/>
-              <a:defRPr sz="2000"/>
+              <a:defRPr sz="1500"/>
             </a:lvl8pPr>
-            <a:lvl9pPr marL="3657600" indent="0">
+            <a:lvl9pPr marL="2743200" indent="0">
               <a:buNone/>
-              <a:defRPr sz="2000"/>
+              <a:defRPr sz="1500"/>
             </a:lvl9pPr>
           </a:lstStyle>
           <a:p>
@@ -1783,39 +2782,39 @@
           <a:lstStyle>
             <a:lvl1pPr marL="0" indent="0">
               <a:buNone/>
-              <a:defRPr sz="1600"/>
+              <a:defRPr sz="1200"/>
             </a:lvl1pPr>
-            <a:lvl2pPr marL="457200" indent="0">
+            <a:lvl2pPr marL="342900" indent="0">
               <a:buNone/>
-              <a:defRPr sz="1400"/>
+              <a:defRPr sz="1050"/>
             </a:lvl2pPr>
-            <a:lvl3pPr marL="914400" indent="0">
+            <a:lvl3pPr marL="685800" indent="0">
               <a:buNone/>
-              <a:defRPr sz="1200"/>
+              <a:defRPr sz="900"/>
             </a:lvl3pPr>
-            <a:lvl4pPr marL="1371600" indent="0">
+            <a:lvl4pPr marL="1028700" indent="0">
               <a:buNone/>
-              <a:defRPr sz="1000"/>
+              <a:defRPr sz="750"/>
             </a:lvl4pPr>
-            <a:lvl5pPr marL="1828800" indent="0">
+            <a:lvl5pPr marL="1371600" indent="0">
               <a:buNone/>
-              <a:defRPr sz="1000"/>
+              <a:defRPr sz="750"/>
             </a:lvl5pPr>
-            <a:lvl6pPr marL="2286000" indent="0">
+            <a:lvl6pPr marL="1714500" indent="0">
               <a:buNone/>
-              <a:defRPr sz="1000"/>
+              <a:defRPr sz="750"/>
             </a:lvl6pPr>
-            <a:lvl7pPr marL="2743200" indent="0">
+            <a:lvl7pPr marL="2057400" indent="0">
               <a:buNone/>
-              <a:defRPr sz="1000"/>
+              <a:defRPr sz="750"/>
             </a:lvl7pPr>
-            <a:lvl8pPr marL="3200400" indent="0">
+            <a:lvl8pPr marL="2400300" indent="0">
               <a:buNone/>
-              <a:defRPr sz="1000"/>
+              <a:defRPr sz="750"/>
             </a:lvl8pPr>
-            <a:lvl9pPr marL="3657600" indent="0">
+            <a:lvl9pPr marL="2743200" indent="0">
               <a:buNone/>
-              <a:defRPr sz="1000"/>
+              <a:defRPr sz="750"/>
             </a:lvl9pPr>
           </a:lstStyle>
           <a:p>
@@ -1903,183 +2902,7 @@
       </p:par>
     </p:tnLst>
   </p:timing>
-</p:sldLayout>
-</file>
-
-<file path=ppt/slideLayouts/slideLayout9.xml><?xml version="1.0" encoding="utf-8"?>
-<p:sldLayout xmlns:a="http://schemas.openxmlformats.org/drawingml/2006/main" xmlns:r="http://schemas.openxmlformats.org/officeDocument/2006/relationships" xmlns:p="http://schemas.openxmlformats.org/presentationml/2006/main" type="vertTitleAndTx" preserve="1">
-  <p:cSld name="Vertical Title and Text">
-    <p:spTree>
-      <p:nvGrpSpPr>
-        <p:cNvPr id="1" name=""/>
-        <p:cNvGrpSpPr/>
-        <p:nvPr/>
-      </p:nvGrpSpPr>
-      <p:grpSpPr>
-        <a:xfrm>
-          <a:off x="0" y="0"/>
-          <a:ext cx="0" cy="0"/>
-          <a:chOff x="0" y="0"/>
-          <a:chExt cx="0" cy="0"/>
-        </a:xfrm>
-      </p:grpSpPr>
-      <p:sp>
-        <p:nvSpPr>
-          <p:cNvPr id="2" name="Vertical Title 1"/>
-          <p:cNvSpPr>
-            <a:spLocks noGrp="1"/>
-          </p:cNvSpPr>
-          <p:nvPr>
-            <p:ph type="title" orient="vert"/>
-          </p:nvPr>
-        </p:nvSpPr>
-        <p:spPr>
-          <a:xfrm>
-            <a:off x="8724900" y="365125"/>
-            <a:ext cx="2628900" cy="5811838"/>
-          </a:xfrm>
-        </p:spPr>
-        <p:txBody>
-          <a:bodyPr vert="eaVert"/>
-          <a:lstStyle/>
-          <a:p>
-            <a:r>
-              <a:rPr lang="en-US" smtClean="0"/>
-              <a:t>Click to edit Master title style</a:t>
-            </a:r>
-            <a:endParaRPr lang="en-US"/>
-          </a:p>
-        </p:txBody>
-      </p:sp>
-      <p:sp>
-        <p:nvSpPr>
-          <p:cNvPr id="3" name="Vertical Text Placeholder 2"/>
-          <p:cNvSpPr>
-            <a:spLocks noGrp="1"/>
-          </p:cNvSpPr>
-          <p:nvPr>
-            <p:ph type="body" orient="vert" idx="1"/>
-          </p:nvPr>
-        </p:nvSpPr>
-        <p:spPr>
-          <a:xfrm>
-            <a:off x="838200" y="365125"/>
-            <a:ext cx="7734300" cy="5811838"/>
-          </a:xfrm>
-        </p:spPr>
-        <p:txBody>
-          <a:bodyPr vert="eaVert"/>
-          <a:lstStyle/>
-          <a:p>
-            <a:pPr lvl="0"/>
-            <a:r>
-              <a:rPr lang="en-US" smtClean="0"/>
-              <a:t>Click to edit Master text styles</a:t>
-            </a:r>
-            <a:endParaRPr lang="en-US" smtClean="0"/>
-          </a:p>
-          <a:p>
-            <a:pPr lvl="1"/>
-            <a:r>
-              <a:rPr lang="en-US" smtClean="0"/>
-              <a:t>Second level</a:t>
-            </a:r>
-            <a:endParaRPr lang="en-US" smtClean="0"/>
-          </a:p>
-          <a:p>
-            <a:pPr lvl="2"/>
-            <a:r>
-              <a:rPr lang="en-US" smtClean="0"/>
-              <a:t>Third level</a:t>
-            </a:r>
-            <a:endParaRPr lang="en-US" smtClean="0"/>
-          </a:p>
-          <a:p>
-            <a:pPr lvl="3"/>
-            <a:r>
-              <a:rPr lang="en-US" smtClean="0"/>
-              <a:t>Fourth level</a:t>
-            </a:r>
-            <a:endParaRPr lang="en-US" smtClean="0"/>
-          </a:p>
-          <a:p>
-            <a:pPr lvl="4"/>
-            <a:r>
-              <a:rPr lang="en-US" smtClean="0"/>
-              <a:t>Fifth level</a:t>
-            </a:r>
-            <a:endParaRPr lang="en-US"/>
-          </a:p>
-        </p:txBody>
-      </p:sp>
-      <p:sp>
-        <p:nvSpPr>
-          <p:cNvPr id="4" name="Date Placeholder 3"/>
-          <p:cNvSpPr>
-            <a:spLocks noGrp="1"/>
-          </p:cNvSpPr>
-          <p:nvPr>
-            <p:ph type="dt" sz="half" idx="10"/>
-          </p:nvPr>
-        </p:nvSpPr>
-        <p:spPr/>
-        <p:txBody>
-          <a:bodyPr/>
-          <a:lstStyle/>
-          <a:p>
-            <a:fld id="{FDE934FF-F4E1-47C5-9CA5-30A81DDE2BE4}" type="datetimeFigureOut">
-              <a:rPr lang="en-US" smtClean="0"/>
-            </a:fld>
-            <a:endParaRPr lang="en-US"/>
-          </a:p>
-        </p:txBody>
-      </p:sp>
-      <p:sp>
-        <p:nvSpPr>
-          <p:cNvPr id="5" name="Footer Placeholder 4"/>
-          <p:cNvSpPr>
-            <a:spLocks noGrp="1"/>
-          </p:cNvSpPr>
-          <p:nvPr>
-            <p:ph type="ftr" sz="quarter" idx="11"/>
-          </p:nvPr>
-        </p:nvSpPr>
-        <p:spPr/>
-        <p:txBody>
-          <a:bodyPr/>
-          <a:lstStyle/>
-          <a:p>
-            <a:endParaRPr lang="en-US"/>
-          </a:p>
-        </p:txBody>
-      </p:sp>
-      <p:sp>
-        <p:nvSpPr>
-          <p:cNvPr id="6" name="Slide Number Placeholder 5"/>
-          <p:cNvSpPr>
-            <a:spLocks noGrp="1"/>
-          </p:cNvSpPr>
-          <p:nvPr>
-            <p:ph type="sldNum" sz="quarter" idx="12"/>
-          </p:nvPr>
-        </p:nvSpPr>
-        <p:spPr/>
-        <p:txBody>
-          <a:bodyPr/>
-          <a:lstStyle/>
-          <a:p>
-            <a:fld id="{B3561BA9-CDCF-4958-B8AB-66F3BF063E13}" type="slidenum">
-              <a:rPr lang="en-US" smtClean="0"/>
-            </a:fld>
-            <a:endParaRPr lang="en-US"/>
-          </a:p>
-        </p:txBody>
-      </p:sp>
-    </p:spTree>
-  </p:cSld>
-  <p:clrMapOvr>
-    <a:masterClrMapping/>
-  </p:clrMapOvr>
+  <p:hf sldNum="0" hdr="0" ftr="0" dt="0"/>
 </p:sldLayout>
 </file>
 
@@ -2087,9 +2910,14 @@
 <p:sldMaster xmlns:a="http://schemas.openxmlformats.org/drawingml/2006/main" xmlns:r="http://schemas.openxmlformats.org/officeDocument/2006/relationships" xmlns:p="http://schemas.openxmlformats.org/presentationml/2006/main">
   <p:cSld>
     <p:bg>
-      <p:bgRef idx="1001">
-        <a:schemeClr val="bg1"/>
-      </p:bgRef>
+      <p:bgPr>
+        <a:solidFill>
+          <a:schemeClr val="bg1">
+            <a:alpha val="100000"/>
+          </a:schemeClr>
+        </a:solidFill>
+        <a:effectLst/>
+      </p:bgPr>
     </p:bg>
     <p:spTree>
       <p:nvGrpSpPr>
@@ -2097,143 +2925,119 @@
         <p:cNvGrpSpPr/>
         <p:nvPr/>
       </p:nvGrpSpPr>
-      <p:grpSpPr>
-        <a:xfrm>
-          <a:off x="0" y="0"/>
-          <a:ext cx="0" cy="0"/>
-          <a:chOff x="0" y="0"/>
-          <a:chExt cx="0" cy="0"/>
-        </a:xfrm>
-      </p:grpSpPr>
+      <p:grpSpPr/>
       <p:sp>
         <p:nvSpPr>
-          <p:cNvPr id="2" name="Title Placeholder 1"/>
-          <p:cNvSpPr>
-            <a:spLocks noGrp="1"/>
-          </p:cNvSpPr>
+          <p:cNvPr id="1026" name="Title 1025"/>
+          <p:cNvSpPr/>
           <p:nvPr>
             <p:ph type="title"/>
           </p:nvPr>
         </p:nvSpPr>
         <p:spPr>
           <a:xfrm>
-            <a:off x="838200" y="365125"/>
-            <a:ext cx="10515600" cy="1325563"/>
+            <a:off x="609600" y="274638"/>
+            <a:ext cx="10972800" cy="1143000"/>
           </a:xfrm>
           <a:prstGeom prst="rect">
             <a:avLst/>
           </a:prstGeom>
+          <a:noFill/>
+          <a:ln w="9525">
+            <a:noFill/>
+          </a:ln>
         </p:spPr>
         <p:txBody>
-          <a:bodyPr vert="horz" lIns="91440" tIns="45720" rIns="91440" bIns="45720" rtlCol="0" anchor="ctr">
-            <a:normAutofit/>
-          </a:bodyPr>
-          <a:lstStyle/>
-          <a:p>
-            <a:r>
-              <a:rPr lang="en-US" smtClean="0"/>
+          <a:bodyPr anchor="ctr"/>
+          <a:p>
+            <a:pPr lvl="0"/>
+            <a:r>
               <a:t>Click to edit Master title style</a:t>
             </a:r>
-            <a:endParaRPr lang="en-US"/>
           </a:p>
         </p:txBody>
       </p:sp>
       <p:sp>
         <p:nvSpPr>
-          <p:cNvPr id="3" name="Text Placeholder 2"/>
-          <p:cNvSpPr>
-            <a:spLocks noGrp="1"/>
-          </p:cNvSpPr>
+          <p:cNvPr id="1027" name="Text Placeholder 1026"/>
+          <p:cNvSpPr/>
           <p:nvPr>
             <p:ph type="body" idx="1"/>
           </p:nvPr>
         </p:nvSpPr>
         <p:spPr>
           <a:xfrm>
-            <a:off x="838200" y="1825625"/>
-            <a:ext cx="10515600" cy="4351338"/>
+            <a:off x="609600" y="1600200"/>
+            <a:ext cx="10972800" cy="4525963"/>
           </a:xfrm>
           <a:prstGeom prst="rect">
             <a:avLst/>
           </a:prstGeom>
+          <a:noFill/>
+          <a:ln w="9525">
+            <a:noFill/>
+          </a:ln>
         </p:spPr>
         <p:txBody>
-          <a:bodyPr vert="horz" lIns="91440" tIns="45720" rIns="91440" bIns="45720" rtlCol="0">
-            <a:normAutofit/>
-          </a:bodyPr>
-          <a:lstStyle/>
+          <a:bodyPr/>
           <a:p>
             <a:pPr lvl="0"/>
             <a:r>
-              <a:rPr lang="en-US" smtClean="0"/>
               <a:t>Click to edit Master text styles</a:t>
             </a:r>
-            <a:endParaRPr lang="en-US" smtClean="0"/>
           </a:p>
           <a:p>
             <a:pPr lvl="1"/>
             <a:r>
-              <a:rPr lang="en-US" smtClean="0"/>
               <a:t>Second level</a:t>
             </a:r>
-            <a:endParaRPr lang="en-US" smtClean="0"/>
           </a:p>
           <a:p>
             <a:pPr lvl="2"/>
             <a:r>
-              <a:rPr lang="en-US" smtClean="0"/>
               <a:t>Third level</a:t>
             </a:r>
-            <a:endParaRPr lang="en-US" smtClean="0"/>
           </a:p>
           <a:p>
             <a:pPr lvl="3"/>
             <a:r>
-              <a:rPr lang="en-US" smtClean="0"/>
               <a:t>Fourth level</a:t>
             </a:r>
-            <a:endParaRPr lang="en-US" smtClean="0"/>
           </a:p>
           <a:p>
             <a:pPr lvl="4"/>
             <a:r>
-              <a:rPr lang="en-US" smtClean="0"/>
               <a:t>Fifth level</a:t>
             </a:r>
-            <a:endParaRPr lang="en-US"/>
           </a:p>
         </p:txBody>
       </p:sp>
       <p:sp>
         <p:nvSpPr>
-          <p:cNvPr id="4" name="Date Placeholder 3"/>
-          <p:cNvSpPr>
-            <a:spLocks noGrp="1"/>
-          </p:cNvSpPr>
+          <p:cNvPr id="1028" name="Date Placeholder 1027"/>
+          <p:cNvSpPr/>
           <p:nvPr>
             <p:ph type="dt" sz="half" idx="2"/>
           </p:nvPr>
         </p:nvSpPr>
         <p:spPr>
           <a:xfrm>
-            <a:off x="838200" y="6356350"/>
-            <a:ext cx="2743200" cy="365125"/>
+            <a:off x="609600" y="6245225"/>
+            <a:ext cx="2844800" cy="476250"/>
           </a:xfrm>
           <a:prstGeom prst="rect">
             <a:avLst/>
           </a:prstGeom>
+          <a:noFill/>
+          <a:ln w="9525">
+            <a:noFill/>
+          </a:ln>
         </p:spPr>
         <p:txBody>
-          <a:bodyPr vert="horz" lIns="91440" tIns="45720" rIns="91440" bIns="45720" rtlCol="0" anchor="ctr"/>
+          <a:bodyPr/>
           <a:lstStyle>
-            <a:lvl1pPr algn="l">
-              <a:defRPr sz="1200">
-                <a:solidFill>
-                  <a:schemeClr val="tx1">
-                    <a:tint val="75000"/>
-                  </a:schemeClr>
-                </a:solidFill>
-              </a:defRPr>
+            <a:lvl1pPr>
+              <a:defRPr sz="1400"/>
             </a:lvl1pPr>
           </a:lstStyle>
           <a:p>
@@ -2246,34 +3050,30 @@
       </p:sp>
       <p:sp>
         <p:nvSpPr>
-          <p:cNvPr id="5" name="Footer Placeholder 4"/>
-          <p:cNvSpPr>
-            <a:spLocks noGrp="1"/>
-          </p:cNvSpPr>
+          <p:cNvPr id="1029" name="Footer Placeholder 1028"/>
+          <p:cNvSpPr/>
           <p:nvPr>
             <p:ph type="ftr" sz="quarter" idx="3"/>
           </p:nvPr>
         </p:nvSpPr>
         <p:spPr>
           <a:xfrm>
-            <a:off x="4038600" y="6356350"/>
-            <a:ext cx="4114800" cy="365125"/>
+            <a:off x="4165600" y="6245225"/>
+            <a:ext cx="3860800" cy="476250"/>
           </a:xfrm>
           <a:prstGeom prst="rect">
             <a:avLst/>
           </a:prstGeom>
+          <a:noFill/>
+          <a:ln w="9525">
+            <a:noFill/>
+          </a:ln>
         </p:spPr>
         <p:txBody>
-          <a:bodyPr vert="horz" lIns="91440" tIns="45720" rIns="91440" bIns="45720" rtlCol="0" anchor="ctr"/>
+          <a:bodyPr/>
           <a:lstStyle>
             <a:lvl1pPr algn="ctr">
-              <a:defRPr sz="1200">
-                <a:solidFill>
-                  <a:schemeClr val="tx1">
-                    <a:tint val="75000"/>
-                  </a:schemeClr>
-                </a:solidFill>
-              </a:defRPr>
+              <a:defRPr sz="1400"/>
             </a:lvl1pPr>
           </a:lstStyle>
           <a:p>
@@ -2283,34 +3083,30 @@
       </p:sp>
       <p:sp>
         <p:nvSpPr>
-          <p:cNvPr id="6" name="Slide Number Placeholder 5"/>
-          <p:cNvSpPr>
-            <a:spLocks noGrp="1"/>
-          </p:cNvSpPr>
+          <p:cNvPr id="1030" name="Slide Number Placeholder 1029"/>
+          <p:cNvSpPr/>
           <p:nvPr>
             <p:ph type="sldNum" sz="quarter" idx="4"/>
           </p:nvPr>
         </p:nvSpPr>
         <p:spPr>
           <a:xfrm>
-            <a:off x="8610600" y="6356350"/>
-            <a:ext cx="2743200" cy="365125"/>
+            <a:off x="8737600" y="6245225"/>
+            <a:ext cx="2844800" cy="476250"/>
           </a:xfrm>
           <a:prstGeom prst="rect">
             <a:avLst/>
           </a:prstGeom>
+          <a:noFill/>
+          <a:ln w="9525">
+            <a:noFill/>
+          </a:ln>
         </p:spPr>
         <p:txBody>
-          <a:bodyPr vert="horz" lIns="91440" tIns="45720" rIns="91440" bIns="45720" rtlCol="0" anchor="ctr"/>
+          <a:bodyPr/>
           <a:lstStyle>
             <a:lvl1pPr algn="r">
-              <a:defRPr sz="1200">
-                <a:solidFill>
-                  <a:schemeClr val="tx1">
-                    <a:tint val="75000"/>
-                  </a:schemeClr>
-                </a:solidFill>
-              </a:defRPr>
+              <a:defRPr sz="1400"/>
             </a:lvl1pPr>
           </a:lstStyle>
           <a:p>
@@ -2335,20 +3131,26 @@
     <p:sldLayoutId id="2147483656" r:id="rId8"/>
     <p:sldLayoutId id="2147483657" r:id="rId9"/>
     <p:sldLayoutId id="2147483658" r:id="rId10"/>
+    <p:sldLayoutId id="2147483659" r:id="rId11"/>
+    <p:sldLayoutId id="2147483660" r:id="rId12"/>
   </p:sldLayoutIdLst>
+  <p:hf sldNum="0" hdr="0" ftr="0" dt="0"/>
   <p:txStyles>
     <p:titleStyle>
-      <a:lvl1pPr algn="l" defTabSz="914400" rtl="0" eaLnBrk="1" latinLnBrk="0" hangingPunct="1">
+      <a:lvl1pPr marL="0" lvl="0" indent="0" algn="ctr" defTabSz="914400" eaLnBrk="1" fontAlgn="base" latinLnBrk="0" hangingPunct="1">
         <a:lnSpc>
-          <a:spcPct val="90000"/>
+          <a:spcPct val="100000"/>
         </a:lnSpc>
         <a:spcBef>
           <a:spcPct val="0"/>
         </a:spcBef>
+        <a:spcAft>
+          <a:spcPct val="0"/>
+        </a:spcAft>
         <a:buNone/>
-        <a:defRPr sz="4400" kern="1200">
+        <a:defRPr sz="4400" b="0" i="0" u="none" kern="1200" baseline="0">
           <a:solidFill>
-            <a:schemeClr val="tx1"/>
+            <a:schemeClr val="tx2"/>
           </a:solidFill>
           <a:latin typeface="+mj-lt"/>
           <a:ea typeface="+mj-ea"/>
@@ -2357,16 +3159,18 @@
       </a:lvl1pPr>
     </p:titleStyle>
     <p:bodyStyle>
-      <a:lvl1pPr marL="228600" indent="-228600" algn="l" defTabSz="914400" rtl="0" eaLnBrk="1" latinLnBrk="0" hangingPunct="1">
+      <a:lvl1pPr marL="342900" lvl="0" indent="-342900" algn="l" defTabSz="914400" eaLnBrk="1" fontAlgn="base" latinLnBrk="0" hangingPunct="1">
         <a:lnSpc>
-          <a:spcPct val="90000"/>
+          <a:spcPct val="100000"/>
         </a:lnSpc>
         <a:spcBef>
-          <a:spcPts val="1000"/>
+          <a:spcPct val="20000"/>
         </a:spcBef>
-        <a:buFont typeface="Arial" panose="020B0604020202020204" pitchFamily="34" charset="0"/>
+        <a:spcAft>
+          <a:spcPct val="0"/>
+        </a:spcAft>
         <a:buChar char="•"/>
-        <a:defRPr sz="2800" kern="1200">
+        <a:defRPr sz="3200" b="0" i="0" u="none" kern="1200" baseline="0">
           <a:solidFill>
             <a:schemeClr val="tx1"/>
           </a:solidFill>
@@ -2375,16 +3179,18 @@
           <a:cs typeface="+mn-cs"/>
         </a:defRPr>
       </a:lvl1pPr>
-      <a:lvl2pPr marL="685800" indent="-228600" algn="l" defTabSz="914400" rtl="0" eaLnBrk="1" latinLnBrk="0" hangingPunct="1">
+      <a:lvl2pPr marL="742950" lvl="1" indent="-285750" algn="l" defTabSz="914400" eaLnBrk="1" fontAlgn="base" latinLnBrk="0" hangingPunct="1">
         <a:lnSpc>
-          <a:spcPct val="90000"/>
+          <a:spcPct val="100000"/>
         </a:lnSpc>
         <a:spcBef>
-          <a:spcPts val="500"/>
+          <a:spcPct val="20000"/>
         </a:spcBef>
-        <a:buFont typeface="Arial" panose="020B0604020202020204" pitchFamily="34" charset="0"/>
-        <a:buChar char="•"/>
-        <a:defRPr sz="2400" kern="1200">
+        <a:spcAft>
+          <a:spcPct val="0"/>
+        </a:spcAft>
+        <a:buChar char="–"/>
+        <a:defRPr sz="2800" b="0" i="0" u="none" kern="1200" baseline="0">
           <a:solidFill>
             <a:schemeClr val="tx1"/>
           </a:solidFill>
@@ -2393,16 +3199,18 @@
           <a:cs typeface="+mn-cs"/>
         </a:defRPr>
       </a:lvl2pPr>
-      <a:lvl3pPr marL="1143000" indent="-228600" algn="l" defTabSz="914400" rtl="0" eaLnBrk="1" latinLnBrk="0" hangingPunct="1">
+      <a:lvl3pPr marL="1143000" lvl="2" indent="-228600" algn="l" defTabSz="914400" eaLnBrk="1" fontAlgn="base" latinLnBrk="0" hangingPunct="1">
         <a:lnSpc>
-          <a:spcPct val="90000"/>
+          <a:spcPct val="100000"/>
         </a:lnSpc>
         <a:spcBef>
-          <a:spcPts val="500"/>
+          <a:spcPct val="20000"/>
         </a:spcBef>
-        <a:buFont typeface="Arial" panose="020B0604020202020204" pitchFamily="34" charset="0"/>
+        <a:spcAft>
+          <a:spcPct val="0"/>
+        </a:spcAft>
         <a:buChar char="•"/>
-        <a:defRPr sz="2000" kern="1200">
+        <a:defRPr sz="2400" b="0" i="0" u="none" kern="1200" baseline="0">
           <a:solidFill>
             <a:schemeClr val="tx1"/>
           </a:solidFill>
@@ -2411,16 +3219,18 @@
           <a:cs typeface="+mn-cs"/>
         </a:defRPr>
       </a:lvl3pPr>
-      <a:lvl4pPr marL="1600200" indent="-228600" algn="l" defTabSz="914400" rtl="0" eaLnBrk="1" latinLnBrk="0" hangingPunct="1">
+      <a:lvl4pPr marL="1600200" lvl="3" indent="-228600" algn="l" defTabSz="914400" eaLnBrk="1" fontAlgn="base" latinLnBrk="0" hangingPunct="1">
         <a:lnSpc>
-          <a:spcPct val="90000"/>
+          <a:spcPct val="100000"/>
         </a:lnSpc>
         <a:spcBef>
-          <a:spcPts val="500"/>
+          <a:spcPct val="20000"/>
         </a:spcBef>
-        <a:buFont typeface="Arial" panose="020B0604020202020204" pitchFamily="34" charset="0"/>
-        <a:buChar char="•"/>
-        <a:defRPr sz="1800" kern="1200">
+        <a:spcAft>
+          <a:spcPct val="0"/>
+        </a:spcAft>
+        <a:buChar char="–"/>
+        <a:defRPr sz="2000" b="0" i="0" u="none" kern="1200" baseline="0">
           <a:solidFill>
             <a:schemeClr val="tx1"/>
           </a:solidFill>
@@ -2429,16 +3239,18 @@
           <a:cs typeface="+mn-cs"/>
         </a:defRPr>
       </a:lvl4pPr>
-      <a:lvl5pPr marL="2057400" indent="-228600" algn="l" defTabSz="914400" rtl="0" eaLnBrk="1" latinLnBrk="0" hangingPunct="1">
+      <a:lvl5pPr marL="2057400" lvl="4" indent="-228600" algn="l" defTabSz="914400" eaLnBrk="1" fontAlgn="base" latinLnBrk="0" hangingPunct="1">
         <a:lnSpc>
-          <a:spcPct val="90000"/>
+          <a:spcPct val="100000"/>
         </a:lnSpc>
         <a:spcBef>
-          <a:spcPts val="500"/>
+          <a:spcPct val="20000"/>
         </a:spcBef>
-        <a:buFont typeface="Arial" panose="020B0604020202020204" pitchFamily="34" charset="0"/>
-        <a:buChar char="•"/>
-        <a:defRPr sz="1800" kern="1200">
+        <a:spcAft>
+          <a:spcPct val="0"/>
+        </a:spcAft>
+        <a:buChar char="»"/>
+        <a:defRPr sz="2000" b="0" i="0" u="none" kern="1200" baseline="0">
           <a:solidFill>
             <a:schemeClr val="tx1"/>
           </a:solidFill>
@@ -2447,16 +3259,18 @@
           <a:cs typeface="+mn-cs"/>
         </a:defRPr>
       </a:lvl5pPr>
-      <a:lvl6pPr marL="2514600" indent="-228600" algn="l" defTabSz="914400" rtl="0" eaLnBrk="1" latinLnBrk="0" hangingPunct="1">
+      <a:lvl6pPr marL="2514600" lvl="5" indent="-228600" algn="l" defTabSz="914400" eaLnBrk="1" fontAlgn="base" latinLnBrk="0" hangingPunct="1">
         <a:lnSpc>
-          <a:spcPct val="90000"/>
+          <a:spcPct val="100000"/>
         </a:lnSpc>
         <a:spcBef>
-          <a:spcPts val="500"/>
+          <a:spcPct val="20000"/>
         </a:spcBef>
-        <a:buFont typeface="Arial" panose="020B0604020202020204" pitchFamily="34" charset="0"/>
-        <a:buChar char="•"/>
-        <a:defRPr sz="1800" kern="1200">
+        <a:spcAft>
+          <a:spcPct val="0"/>
+        </a:spcAft>
+        <a:buChar char="»"/>
+        <a:defRPr sz="2000" b="0" i="0" u="none" kern="1200" baseline="0">
           <a:solidFill>
             <a:schemeClr val="tx1"/>
           </a:solidFill>
@@ -2465,16 +3279,18 @@
           <a:cs typeface="+mn-cs"/>
         </a:defRPr>
       </a:lvl6pPr>
-      <a:lvl7pPr marL="2971800" indent="-228600" algn="l" defTabSz="914400" rtl="0" eaLnBrk="1" latinLnBrk="0" hangingPunct="1">
+      <a:lvl7pPr marL="2971800" lvl="6" indent="-228600" algn="l" defTabSz="914400" eaLnBrk="1" fontAlgn="base" latinLnBrk="0" hangingPunct="1">
         <a:lnSpc>
-          <a:spcPct val="90000"/>
+          <a:spcPct val="100000"/>
         </a:lnSpc>
         <a:spcBef>
-          <a:spcPts val="500"/>
+          <a:spcPct val="20000"/>
         </a:spcBef>
-        <a:buFont typeface="Arial" panose="020B0604020202020204" pitchFamily="34" charset="0"/>
-        <a:buChar char="•"/>
-        <a:defRPr sz="1800" kern="1200">
+        <a:spcAft>
+          <a:spcPct val="0"/>
+        </a:spcAft>
+        <a:buChar char="»"/>
+        <a:defRPr sz="2000" b="0" i="0" u="none" kern="1200" baseline="0">
           <a:solidFill>
             <a:schemeClr val="tx1"/>
           </a:solidFill>
@@ -2483,16 +3299,18 @@
           <a:cs typeface="+mn-cs"/>
         </a:defRPr>
       </a:lvl7pPr>
-      <a:lvl8pPr marL="3429000" indent="-228600" algn="l" defTabSz="914400" rtl="0" eaLnBrk="1" latinLnBrk="0" hangingPunct="1">
+      <a:lvl8pPr marL="3429000" lvl="7" indent="-228600" algn="l" defTabSz="914400" eaLnBrk="1" fontAlgn="base" latinLnBrk="0" hangingPunct="1">
         <a:lnSpc>
-          <a:spcPct val="90000"/>
+          <a:spcPct val="100000"/>
         </a:lnSpc>
         <a:spcBef>
-          <a:spcPts val="500"/>
+          <a:spcPct val="20000"/>
         </a:spcBef>
-        <a:buFont typeface="Arial" panose="020B0604020202020204" pitchFamily="34" charset="0"/>
-        <a:buChar char="•"/>
-        <a:defRPr sz="1800" kern="1200">
+        <a:spcAft>
+          <a:spcPct val="0"/>
+        </a:spcAft>
+        <a:buChar char="»"/>
+        <a:defRPr sz="2000" b="0" i="0" u="none" kern="1200" baseline="0">
           <a:solidFill>
             <a:schemeClr val="tx1"/>
           </a:solidFill>
@@ -2501,16 +3319,18 @@
           <a:cs typeface="+mn-cs"/>
         </a:defRPr>
       </a:lvl8pPr>
-      <a:lvl9pPr marL="3886200" indent="-228600" algn="l" defTabSz="914400" rtl="0" eaLnBrk="1" latinLnBrk="0" hangingPunct="1">
+      <a:lvl9pPr marL="3886200" lvl="8" indent="-228600" algn="l" defTabSz="914400" eaLnBrk="1" fontAlgn="base" latinLnBrk="0" hangingPunct="1">
         <a:lnSpc>
-          <a:spcPct val="90000"/>
+          <a:spcPct val="100000"/>
         </a:lnSpc>
         <a:spcBef>
-          <a:spcPts val="500"/>
+          <a:spcPct val="20000"/>
         </a:spcBef>
-        <a:buFont typeface="Arial" panose="020B0604020202020204" pitchFamily="34" charset="0"/>
-        <a:buChar char="•"/>
-        <a:defRPr sz="1800" kern="1200">
+        <a:spcAft>
+          <a:spcPct val="0"/>
+        </a:spcAft>
+        <a:buChar char="»"/>
+        <a:defRPr sz="2000" b="0" i="0" u="none" kern="1200" baseline="0">
           <a:solidFill>
             <a:schemeClr val="tx1"/>
           </a:solidFill>
@@ -2521,11 +3341,19 @@
       </a:lvl9pPr>
     </p:bodyStyle>
     <p:otherStyle>
-      <a:defPPr>
-        <a:defRPr lang="en-US"/>
-      </a:defPPr>
-      <a:lvl1pPr marL="0" algn="l" defTabSz="914400" rtl="0" eaLnBrk="1" latinLnBrk="0" hangingPunct="1">
-        <a:defRPr sz="1800" kern="1200">
+      <a:lvl1pPr marL="0" lvl="0" indent="0" algn="l" defTabSz="914400" eaLnBrk="1" fontAlgn="base" latinLnBrk="0" hangingPunct="1">
+        <a:lnSpc>
+          <a:spcPct val="100000"/>
+        </a:lnSpc>
+        <a:spcBef>
+          <a:spcPct val="0"/>
+        </a:spcBef>
+        <a:spcAft>
+          <a:spcPct val="0"/>
+        </a:spcAft>
+        <a:buFont typeface="Arial" panose="020B0604020202020204" pitchFamily="34" charset="0"/>
+        <a:buNone/>
+        <a:defRPr sz="1800" b="0" i="0" u="none" kern="1200" baseline="0">
           <a:solidFill>
             <a:schemeClr val="tx1"/>
           </a:solidFill>
@@ -2534,83 +3362,171 @@
           <a:cs typeface="+mn-cs"/>
         </a:defRPr>
       </a:lvl1pPr>
-      <a:lvl2pPr marL="457200" algn="l" defTabSz="914400" rtl="0" eaLnBrk="1" latinLnBrk="0" hangingPunct="1">
-        <a:defRPr sz="1800" kern="1200">
+      <a:lvl2pPr marL="457200" lvl="1" indent="0" algn="l" defTabSz="914400" eaLnBrk="1" fontAlgn="base" latinLnBrk="0" hangingPunct="1">
+        <a:lnSpc>
+          <a:spcPct val="100000"/>
+        </a:lnSpc>
+        <a:spcBef>
+          <a:spcPct val="0"/>
+        </a:spcBef>
+        <a:spcAft>
+          <a:spcPct val="0"/>
+        </a:spcAft>
+        <a:buFont typeface="Arial" panose="020B0604020202020204" pitchFamily="34" charset="0"/>
+        <a:buNone/>
+        <a:defRPr b="0" i="0" u="none" kern="1200" baseline="0">
           <a:solidFill>
             <a:schemeClr val="tx1"/>
           </a:solidFill>
-          <a:latin typeface="+mn-lt"/>
-          <a:ea typeface="+mn-ea"/>
+          <a:latin typeface="Arial" panose="020B0604020202020204" pitchFamily="34" charset="0"/>
+          <a:ea typeface="Arial" panose="020B0604020202020204" pitchFamily="34" charset="0"/>
           <a:cs typeface="+mn-cs"/>
         </a:defRPr>
       </a:lvl2pPr>
-      <a:lvl3pPr marL="914400" algn="l" defTabSz="914400" rtl="0" eaLnBrk="1" latinLnBrk="0" hangingPunct="1">
-        <a:defRPr sz="1800" kern="1200">
+      <a:lvl3pPr marL="914400" lvl="2" indent="0" algn="l" defTabSz="914400" eaLnBrk="1" fontAlgn="base" latinLnBrk="0" hangingPunct="1">
+        <a:lnSpc>
+          <a:spcPct val="100000"/>
+        </a:lnSpc>
+        <a:spcBef>
+          <a:spcPct val="0"/>
+        </a:spcBef>
+        <a:spcAft>
+          <a:spcPct val="0"/>
+        </a:spcAft>
+        <a:buFont typeface="Arial" panose="020B0604020202020204" pitchFamily="34" charset="0"/>
+        <a:buNone/>
+        <a:defRPr b="0" i="0" u="none" kern="1200" baseline="0">
           <a:solidFill>
             <a:schemeClr val="tx1"/>
           </a:solidFill>
-          <a:latin typeface="+mn-lt"/>
-          <a:ea typeface="+mn-ea"/>
+          <a:latin typeface="Arial" panose="020B0604020202020204" pitchFamily="34" charset="0"/>
+          <a:ea typeface="Arial" panose="020B0604020202020204" pitchFamily="34" charset="0"/>
           <a:cs typeface="+mn-cs"/>
         </a:defRPr>
       </a:lvl3pPr>
-      <a:lvl4pPr marL="1371600" algn="l" defTabSz="914400" rtl="0" eaLnBrk="1" latinLnBrk="0" hangingPunct="1">
-        <a:defRPr sz="1800" kern="1200">
+      <a:lvl4pPr marL="1371600" lvl="3" indent="0" algn="l" defTabSz="914400" eaLnBrk="1" fontAlgn="base" latinLnBrk="0" hangingPunct="1">
+        <a:lnSpc>
+          <a:spcPct val="100000"/>
+        </a:lnSpc>
+        <a:spcBef>
+          <a:spcPct val="0"/>
+        </a:spcBef>
+        <a:spcAft>
+          <a:spcPct val="0"/>
+        </a:spcAft>
+        <a:buFont typeface="Arial" panose="020B0604020202020204" pitchFamily="34" charset="0"/>
+        <a:buNone/>
+        <a:defRPr b="0" i="0" u="none" kern="1200" baseline="0">
           <a:solidFill>
             <a:schemeClr val="tx1"/>
           </a:solidFill>
-          <a:latin typeface="+mn-lt"/>
-          <a:ea typeface="+mn-ea"/>
+          <a:latin typeface="Arial" panose="020B0604020202020204" pitchFamily="34" charset="0"/>
+          <a:ea typeface="Arial" panose="020B0604020202020204" pitchFamily="34" charset="0"/>
           <a:cs typeface="+mn-cs"/>
         </a:defRPr>
       </a:lvl4pPr>
-      <a:lvl5pPr marL="1828800" algn="l" defTabSz="914400" rtl="0" eaLnBrk="1" latinLnBrk="0" hangingPunct="1">
-        <a:defRPr sz="1800" kern="1200">
+      <a:lvl5pPr marL="1828800" lvl="4" indent="0" algn="l" defTabSz="914400" eaLnBrk="1" fontAlgn="base" latinLnBrk="0" hangingPunct="1">
+        <a:lnSpc>
+          <a:spcPct val="100000"/>
+        </a:lnSpc>
+        <a:spcBef>
+          <a:spcPct val="0"/>
+        </a:spcBef>
+        <a:spcAft>
+          <a:spcPct val="0"/>
+        </a:spcAft>
+        <a:buFont typeface="Arial" panose="020B0604020202020204" pitchFamily="34" charset="0"/>
+        <a:buNone/>
+        <a:defRPr b="0" i="0" u="none" kern="1200" baseline="0">
           <a:solidFill>
             <a:schemeClr val="tx1"/>
           </a:solidFill>
-          <a:latin typeface="+mn-lt"/>
-          <a:ea typeface="+mn-ea"/>
+          <a:latin typeface="Arial" panose="020B0604020202020204" pitchFamily="34" charset="0"/>
+          <a:ea typeface="Arial" panose="020B0604020202020204" pitchFamily="34" charset="0"/>
           <a:cs typeface="+mn-cs"/>
         </a:defRPr>
       </a:lvl5pPr>
-      <a:lvl6pPr marL="2286000" algn="l" defTabSz="914400" rtl="0" eaLnBrk="1" latinLnBrk="0" hangingPunct="1">
-        <a:defRPr sz="1800" kern="1200">
+      <a:lvl6pPr marL="2286000" lvl="5" indent="0" algn="l" defTabSz="914400" eaLnBrk="1" fontAlgn="base" latinLnBrk="0" hangingPunct="1">
+        <a:lnSpc>
+          <a:spcPct val="100000"/>
+        </a:lnSpc>
+        <a:spcBef>
+          <a:spcPct val="0"/>
+        </a:spcBef>
+        <a:spcAft>
+          <a:spcPct val="0"/>
+        </a:spcAft>
+        <a:buFont typeface="Arial" panose="020B0604020202020204" pitchFamily="34" charset="0"/>
+        <a:buNone/>
+        <a:defRPr b="0" i="0" u="none" kern="1200" baseline="0">
           <a:solidFill>
             <a:schemeClr val="tx1"/>
           </a:solidFill>
-          <a:latin typeface="+mn-lt"/>
-          <a:ea typeface="+mn-ea"/>
+          <a:latin typeface="Arial" panose="020B0604020202020204" pitchFamily="34" charset="0"/>
+          <a:ea typeface="Arial" panose="020B0604020202020204" pitchFamily="34" charset="0"/>
           <a:cs typeface="+mn-cs"/>
         </a:defRPr>
       </a:lvl6pPr>
-      <a:lvl7pPr marL="2743200" algn="l" defTabSz="914400" rtl="0" eaLnBrk="1" latinLnBrk="0" hangingPunct="1">
-        <a:defRPr sz="1800" kern="1200">
+      <a:lvl7pPr marL="2743200" lvl="6" indent="0" algn="l" defTabSz="914400" eaLnBrk="1" fontAlgn="base" latinLnBrk="0" hangingPunct="1">
+        <a:lnSpc>
+          <a:spcPct val="100000"/>
+        </a:lnSpc>
+        <a:spcBef>
+          <a:spcPct val="0"/>
+        </a:spcBef>
+        <a:spcAft>
+          <a:spcPct val="0"/>
+        </a:spcAft>
+        <a:buFont typeface="Arial" panose="020B0604020202020204" pitchFamily="34" charset="0"/>
+        <a:buNone/>
+        <a:defRPr b="0" i="0" u="none" kern="1200" baseline="0">
           <a:solidFill>
             <a:schemeClr val="tx1"/>
           </a:solidFill>
-          <a:latin typeface="+mn-lt"/>
-          <a:ea typeface="+mn-ea"/>
+          <a:latin typeface="Arial" panose="020B0604020202020204" pitchFamily="34" charset="0"/>
+          <a:ea typeface="Arial" panose="020B0604020202020204" pitchFamily="34" charset="0"/>
           <a:cs typeface="+mn-cs"/>
         </a:defRPr>
       </a:lvl7pPr>
-      <a:lvl8pPr marL="3200400" algn="l" defTabSz="914400" rtl="0" eaLnBrk="1" latinLnBrk="0" hangingPunct="1">
-        <a:defRPr sz="1800" kern="1200">
+      <a:lvl8pPr marL="3200400" lvl="7" indent="0" algn="l" defTabSz="914400" eaLnBrk="1" fontAlgn="base" latinLnBrk="0" hangingPunct="1">
+        <a:lnSpc>
+          <a:spcPct val="100000"/>
+        </a:lnSpc>
+        <a:spcBef>
+          <a:spcPct val="0"/>
+        </a:spcBef>
+        <a:spcAft>
+          <a:spcPct val="0"/>
+        </a:spcAft>
+        <a:buFont typeface="Arial" panose="020B0604020202020204" pitchFamily="34" charset="0"/>
+        <a:buNone/>
+        <a:defRPr b="0" i="0" u="none" kern="1200" baseline="0">
           <a:solidFill>
             <a:schemeClr val="tx1"/>
           </a:solidFill>
-          <a:latin typeface="+mn-lt"/>
-          <a:ea typeface="+mn-ea"/>
+          <a:latin typeface="Arial" panose="020B0604020202020204" pitchFamily="34" charset="0"/>
+          <a:ea typeface="Arial" panose="020B0604020202020204" pitchFamily="34" charset="0"/>
           <a:cs typeface="+mn-cs"/>
         </a:defRPr>
       </a:lvl8pPr>
-      <a:lvl9pPr marL="3657600" algn="l" defTabSz="914400" rtl="0" eaLnBrk="1" latinLnBrk="0" hangingPunct="1">
-        <a:defRPr sz="1800" kern="1200">
+      <a:lvl9pPr marL="3657600" lvl="8" indent="0" algn="l" defTabSz="914400" eaLnBrk="1" fontAlgn="base" latinLnBrk="0" hangingPunct="1">
+        <a:lnSpc>
+          <a:spcPct val="100000"/>
+        </a:lnSpc>
+        <a:spcBef>
+          <a:spcPct val="0"/>
+        </a:spcBef>
+        <a:spcAft>
+          <a:spcPct val="0"/>
+        </a:spcAft>
+        <a:buFont typeface="Arial" panose="020B0604020202020204" pitchFamily="34" charset="0"/>
+        <a:buNone/>
+        <a:defRPr b="0" i="0" u="none" kern="1200" baseline="0">
           <a:solidFill>
             <a:schemeClr val="tx1"/>
           </a:solidFill>
-          <a:latin typeface="+mn-lt"/>
-          <a:ea typeface="+mn-ea"/>
+          <a:latin typeface="Arial" panose="020B0604020202020204" pitchFamily="34" charset="0"/>
+          <a:ea typeface="Arial" panose="020B0604020202020204" pitchFamily="34" charset="0"/>
           <a:cs typeface="+mn-cs"/>
         </a:defRPr>
       </a:lvl9pPr>
@@ -2879,10 +3795,7 @@
               <a:avLst/>
             </a:prstGeom>
             <a:solidFill>
-              <a:schemeClr val="accent2">
-                <a:lumMod val="60000"/>
-                <a:lumOff val="40000"/>
-              </a:schemeClr>
+              <a:schemeClr val="accent2"/>
             </a:solidFill>
             <a:ln>
               <a:noFill/>
@@ -3044,7 +3957,11 @@
           <a:bodyPr rtlCol="0" anchor="ctr"/>
           <a:p>
             <a:pPr algn="ctr"/>
-            <a:endParaRPr lang="en-US"/>
+            <a:endParaRPr lang="en-US">
+              <a:solidFill>
+                <a:schemeClr val="accent2"/>
+              </a:solidFill>
+            </a:endParaRPr>
           </a:p>
         </p:txBody>
       </p:sp>
@@ -3116,7 +4033,6 @@
           <a:p>
             <a:r>
               <a:rPr lang="en-US" sz="4000">
-                <a:ln/>
                 <a:solidFill>
                   <a:schemeClr val="accent1"/>
                 </a:solidFill>
@@ -3131,7 +4047,6 @@
               <a:t>2012</a:t>
             </a:r>
             <a:endParaRPr lang="en-US" sz="4000">
-              <a:ln/>
               <a:solidFill>
                 <a:schemeClr val="accent1"/>
               </a:solidFill>
@@ -3216,35 +4131,21 @@
             <a:p>
               <a:r>
                 <a:rPr lang="en-US" sz="1600">
-                  <a:ln/>
-                  <a:gradFill>
-                    <a:gsLst>
-                      <a:gs pos="21000">
-                        <a:srgbClr val="53575C"/>
-                      </a:gs>
-                      <a:gs pos="88000">
-                        <a:srgbClr val="C5C7CA"/>
-                      </a:gs>
-                    </a:gsLst>
-                    <a:lin ang="5400000"/>
-                  </a:gradFill>
+                  <a:solidFill>
+                    <a:schemeClr val="bg1">
+                      <a:lumMod val="50000"/>
+                    </a:schemeClr>
+                  </a:solidFill>
                   <a:effectLst/>
                 </a:rPr>
                 <a:t>Detail     </a:t>
               </a:r>
               <a:endParaRPr lang="en-US" sz="1600">
-                <a:ln/>
-                <a:gradFill>
-                  <a:gsLst>
-                    <a:gs pos="21000">
-                      <a:srgbClr val="53575C"/>
-                    </a:gs>
-                    <a:gs pos="88000">
-                      <a:srgbClr val="C5C7CA"/>
-                    </a:gs>
-                  </a:gsLst>
-                  <a:lin ang="5400000"/>
-                </a:gradFill>
+                <a:solidFill>
+                  <a:schemeClr val="bg1">
+                    <a:lumMod val="50000"/>
+                  </a:schemeClr>
+                </a:solidFill>
                 <a:effectLst/>
               </a:endParaRPr>
             </a:p>
@@ -3300,31 +4201,20 @@
         <p:txBody>
           <a:bodyPr wrap="none" rtlCol="0">
             <a:spAutoFit/>
-            <a:scene3d>
-              <a:camera prst="orthographicFront"/>
-              <a:lightRig rig="soft" dir="t">
-                <a:rot lat="0" lon="0" rev="15600000"/>
-              </a:lightRig>
-            </a:scene3d>
-            <a:sp3d extrusionH="57150" prstMaterial="softEdge">
-              <a:bevelT w="25400" h="38100"/>
-            </a:sp3d>
           </a:bodyPr>
           <a:p>
             <a:r>
               <a:rPr lang="en-US" sz="4000">
-                <a:ln/>
                 <a:solidFill>
-                  <a:schemeClr val="accent4"/>
+                  <a:schemeClr val="accent2"/>
                 </a:solidFill>
                 <a:effectLst/>
               </a:rPr>
               <a:t>2012</a:t>
             </a:r>
             <a:endParaRPr lang="en-US" sz="4000">
-              <a:ln/>
               <a:solidFill>
-                <a:schemeClr val="accent4"/>
+                <a:schemeClr val="accent2"/>
               </a:solidFill>
               <a:effectLst/>
             </a:endParaRPr>
@@ -3401,33 +4291,21 @@
             <a:p>
               <a:r>
                 <a:rPr lang="en-US" sz="1600">
-                  <a:gradFill>
-                    <a:gsLst>
-                      <a:gs pos="21000">
-                        <a:srgbClr val="53575C"/>
-                      </a:gs>
-                      <a:gs pos="88000">
-                        <a:srgbClr val="C5C7CA"/>
-                      </a:gs>
-                    </a:gsLst>
-                    <a:lin ang="5400000"/>
-                  </a:gradFill>
+                  <a:solidFill>
+                    <a:schemeClr val="bg1">
+                      <a:lumMod val="50000"/>
+                    </a:schemeClr>
+                  </a:solidFill>
                   <a:effectLst/>
                 </a:rPr>
                 <a:t>Detail     </a:t>
               </a:r>
               <a:endParaRPr lang="en-US" sz="1600">
-                <a:gradFill>
-                  <a:gsLst>
-                    <a:gs pos="21000">
-                      <a:srgbClr val="53575C"/>
-                    </a:gs>
-                    <a:gs pos="88000">
-                      <a:srgbClr val="C5C7CA"/>
-                    </a:gs>
-                  </a:gsLst>
-                  <a:lin ang="5400000"/>
-                </a:gradFill>
+                <a:solidFill>
+                  <a:schemeClr val="bg1">
+                    <a:lumMod val="50000"/>
+                  </a:schemeClr>
+                </a:solidFill>
                 <a:effectLst/>
               </a:endParaRPr>
             </a:p>
@@ -4404,6 +5282,175 @@
       <p:bldP spid="14" grpId="0" bldLvl="0" animBg="1"/>
     </p:bldLst>
   </p:timing>
+</p:sld>
+</file>
+
+<file path=ppt/slides/slide10.xml><?xml version="1.0" encoding="utf-8"?>
+<p:sld xmlns:a="http://schemas.openxmlformats.org/drawingml/2006/main" xmlns:r="http://schemas.openxmlformats.org/officeDocument/2006/relationships" xmlns:p="http://schemas.openxmlformats.org/presentationml/2006/main">
+  <p:cSld>
+    <p:spTree>
+      <p:nvGrpSpPr>
+        <p:cNvPr id="1" name=""/>
+        <p:cNvGrpSpPr/>
+        <p:nvPr/>
+      </p:nvGrpSpPr>
+      <p:grpSpPr/>
+      <p:sp>
+        <p:nvSpPr>
+          <p:cNvPr id="4" name="Text Box 3"/>
+          <p:cNvSpPr txBox="1"/>
+          <p:nvPr/>
+        </p:nvSpPr>
+        <p:spPr>
+          <a:xfrm>
+            <a:off x="1558608" y="2105978"/>
+            <a:ext cx="9074785" cy="2646045"/>
+          </a:xfrm>
+          <a:prstGeom prst="rect">
+            <a:avLst/>
+          </a:prstGeom>
+          <a:noFill/>
+        </p:spPr>
+        <p:txBody>
+          <a:bodyPr wrap="none" rtlCol="0">
+            <a:spAutoFit/>
+          </a:bodyPr>
+          <a:p>
+            <a:pPr algn="ctr"/>
+            <a:r>
+              <a:rPr lang="en-US" sz="16600"/>
+              <a:t>TEXT INFO</a:t>
+            </a:r>
+            <a:endParaRPr lang="en-US" sz="16600"/>
+          </a:p>
+        </p:txBody>
+      </p:sp>
+      <p:sp>
+        <p:nvSpPr>
+          <p:cNvPr id="7" name="Rounded Rectangle 6"/>
+          <p:cNvSpPr/>
+          <p:nvPr/>
+        </p:nvSpPr>
+        <p:spPr>
+          <a:xfrm>
+            <a:off x="3126105" y="1235075"/>
+            <a:ext cx="3284220" cy="2217420"/>
+          </a:xfrm>
+          <a:prstGeom prst="roundRect">
+            <a:avLst/>
+          </a:prstGeom>
+          <a:ln>
+            <a:noFill/>
+          </a:ln>
+        </p:spPr>
+        <p:style>
+          <a:lnRef idx="2">
+            <a:schemeClr val="accent1">
+              <a:shade val="50000"/>
+            </a:schemeClr>
+          </a:lnRef>
+          <a:fillRef idx="1">
+            <a:schemeClr val="accent1"/>
+          </a:fillRef>
+          <a:effectRef idx="0">
+            <a:schemeClr val="accent1"/>
+          </a:effectRef>
+          <a:fontRef idx="minor">
+            <a:schemeClr val="lt1"/>
+          </a:fontRef>
+        </p:style>
+        <p:txBody>
+          <a:bodyPr rtlCol="0" anchor="ctr"/>
+          <a:p>
+            <a:pPr algn="ctr"/>
+            <a:endParaRPr lang="en-US"/>
+          </a:p>
+        </p:txBody>
+      </p:sp>
+      <p:sp>
+        <p:nvSpPr>
+          <p:cNvPr id="12" name="Oval 11"/>
+          <p:cNvSpPr/>
+          <p:nvPr/>
+        </p:nvSpPr>
+        <p:spPr>
+          <a:xfrm>
+            <a:off x="5198745" y="749935"/>
+            <a:ext cx="2059940" cy="1527175"/>
+          </a:xfrm>
+          <a:prstGeom prst="ellipse">
+            <a:avLst/>
+          </a:prstGeom>
+          <a:solidFill>
+            <a:schemeClr val="accent2">
+              <a:lumMod val="60000"/>
+              <a:lumOff val="40000"/>
+            </a:schemeClr>
+          </a:solidFill>
+          <a:ln>
+            <a:noFill/>
+          </a:ln>
+        </p:spPr>
+        <p:style>
+          <a:lnRef idx="2">
+            <a:schemeClr val="accent1">
+              <a:shade val="50000"/>
+            </a:schemeClr>
+          </a:lnRef>
+          <a:fillRef idx="1">
+            <a:schemeClr val="accent1"/>
+          </a:fillRef>
+          <a:effectRef idx="0">
+            <a:schemeClr val="accent1"/>
+          </a:effectRef>
+          <a:fontRef idx="minor">
+            <a:schemeClr val="lt1"/>
+          </a:fontRef>
+        </p:style>
+        <p:txBody>
+          <a:bodyPr rtlCol="0" anchor="ctr"/>
+          <a:p>
+            <a:pPr algn="ctr"/>
+            <a:endParaRPr lang="en-US"/>
+          </a:p>
+        </p:txBody>
+      </p:sp>
+      <p:cxnSp>
+        <p:nvCxnSpPr>
+          <p:cNvPr id="14" name="Straight Connector 13"/>
+          <p:cNvCxnSpPr/>
+          <p:nvPr/>
+        </p:nvCxnSpPr>
+        <p:spPr>
+          <a:xfrm>
+            <a:off x="3934460" y="5742305"/>
+            <a:ext cx="1491615" cy="0"/>
+          </a:xfrm>
+          <a:prstGeom prst="line">
+            <a:avLst/>
+          </a:prstGeom>
+          <a:ln w="152400" cap="rnd"/>
+        </p:spPr>
+        <p:style>
+          <a:lnRef idx="1">
+            <a:schemeClr val="accent1"/>
+          </a:lnRef>
+          <a:fillRef idx="0">
+            <a:schemeClr val="accent1"/>
+          </a:fillRef>
+          <a:effectRef idx="0">
+            <a:schemeClr val="accent1"/>
+          </a:effectRef>
+          <a:fontRef idx="minor">
+            <a:schemeClr val="tx1"/>
+          </a:fontRef>
+        </p:style>
+      </p:cxnSp>
+    </p:spTree>
+  </p:cSld>
+  <p:clrMapOvr>
+    <a:masterClrMapping/>
+  </p:clrMapOvr>
 </p:sld>
 </file>
 
@@ -5375,7 +6422,6 @@
             <a:p>
               <a:r>
                 <a:rPr lang="en-US">
-                  <a:ln/>
                   <a:solidFill>
                     <a:schemeClr val="accent1"/>
                   </a:solidFill>
@@ -5390,7 +6436,6 @@
                 <a:t>HEADING</a:t>
               </a:r>
               <a:endParaRPr lang="en-US">
-                <a:ln/>
                 <a:solidFill>
                   <a:schemeClr val="accent1"/>
                 </a:solidFill>
@@ -5499,7 +6544,6 @@
             <a:p>
               <a:r>
                 <a:rPr lang="en-US">
-                  <a:ln/>
                   <a:solidFill>
                     <a:schemeClr val="accent2"/>
                   </a:solidFill>
@@ -5508,7 +6552,6 @@
                 <a:t>HEADING</a:t>
               </a:r>
               <a:endParaRPr lang="en-US">
-                <a:ln/>
                 <a:solidFill>
                   <a:schemeClr val="accent2"/>
                 </a:solidFill>
@@ -5973,7 +7016,9 @@
   <p:clrMapOvr>
     <a:masterClrMapping/>
   </p:clrMapOvr>
-  <p:transition/>
+  <p:transition>
+    <p:push/>
+  </p:transition>
   <p:timing>
     <p:tnLst>
       <p:par>
@@ -10058,7 +11103,5782 @@
 </p:sld>
 </file>
 
+<file path=ppt/slides/slide4.xml><?xml version="1.0" encoding="utf-8"?>
+<p:sld xmlns:a="http://schemas.openxmlformats.org/drawingml/2006/main" xmlns:r="http://schemas.openxmlformats.org/officeDocument/2006/relationships" xmlns:p="http://schemas.openxmlformats.org/presentationml/2006/main">
+  <p:cSld>
+    <p:spTree>
+      <p:nvGrpSpPr>
+        <p:cNvPr id="1" name=""/>
+        <p:cNvGrpSpPr/>
+        <p:nvPr/>
+      </p:nvGrpSpPr>
+      <p:grpSpPr/>
+      <p:sp>
+        <p:nvSpPr>
+          <p:cNvPr id="14" name="Title 13"/>
+          <p:cNvSpPr>
+            <a:spLocks noGrp="1"/>
+          </p:cNvSpPr>
+          <p:nvPr>
+            <p:ph type="title"/>
+          </p:nvPr>
+        </p:nvSpPr>
+        <p:spPr/>
+        <p:txBody>
+          <a:bodyPr/>
+          <a:p>
+            <a:pPr algn="l"/>
+            <a:r>
+              <a:rPr lang="en-US"/>
+              <a:t>Shape Fill Picture</a:t>
+            </a:r>
+            <a:endParaRPr lang="en-US"/>
+          </a:p>
+        </p:txBody>
+      </p:sp>
+      <p:grpSp>
+        <p:nvGrpSpPr>
+          <p:cNvPr id="17" name="Group 16"/>
+          <p:cNvGrpSpPr/>
+          <p:nvPr/>
+        </p:nvGrpSpPr>
+        <p:grpSpPr>
+          <a:xfrm>
+            <a:off x="8500110" y="-474345"/>
+            <a:ext cx="3716020" cy="6438265"/>
+            <a:chOff x="8306" y="-598"/>
+            <a:chExt cx="5852" cy="10139"/>
+          </a:xfrm>
+          <a:blipFill rotWithShape="0">
+            <a:blip r:embed="rId1"/>
+            <a:stretch>
+              <a:fillRect/>
+            </a:stretch>
+          </a:blipFill>
+        </p:grpSpPr>
+        <p:sp>
+          <p:nvSpPr>
+            <p:cNvPr id="3" name="Isosceles Triangle 2"/>
+            <p:cNvSpPr/>
+            <p:nvPr/>
+          </p:nvSpPr>
+          <p:spPr>
+            <a:xfrm rot="17760000">
+              <a:off x="8306" y="2248"/>
+              <a:ext cx="3089" cy="3089"/>
+            </a:xfrm>
+            <a:prstGeom prst="triangle">
+              <a:avLst/>
+            </a:prstGeom>
+            <a:grpFill/>
+            <a:ln>
+              <a:noFill/>
+            </a:ln>
+          </p:spPr>
+          <p:style>
+            <a:lnRef idx="2">
+              <a:schemeClr val="accent1">
+                <a:shade val="50000"/>
+              </a:schemeClr>
+            </a:lnRef>
+            <a:fillRef idx="1">
+              <a:schemeClr val="accent1"/>
+            </a:fillRef>
+            <a:effectRef idx="0">
+              <a:schemeClr val="accent1"/>
+            </a:effectRef>
+            <a:fontRef idx="minor">
+              <a:schemeClr val="lt1"/>
+            </a:fontRef>
+          </p:style>
+          <p:txBody>
+            <a:bodyPr rtlCol="0" anchor="ctr"/>
+            <a:p>
+              <a:pPr algn="ctr"/>
+              <a:endParaRPr lang="en-US"/>
+            </a:p>
+          </p:txBody>
+        </p:sp>
+        <p:sp>
+          <p:nvSpPr>
+            <p:cNvPr id="5" name="Isosceles Triangle 4"/>
+            <p:cNvSpPr/>
+            <p:nvPr/>
+          </p:nvSpPr>
+          <p:spPr>
+            <a:xfrm rot="17760000">
+              <a:off x="9640" y="-598"/>
+              <a:ext cx="3089" cy="3089"/>
+            </a:xfrm>
+            <a:prstGeom prst="triangle">
+              <a:avLst/>
+            </a:prstGeom>
+            <a:grpFill/>
+            <a:ln>
+              <a:noFill/>
+            </a:ln>
+          </p:spPr>
+          <p:style>
+            <a:lnRef idx="2">
+              <a:schemeClr val="accent1">
+                <a:shade val="50000"/>
+              </a:schemeClr>
+            </a:lnRef>
+            <a:fillRef idx="1">
+              <a:schemeClr val="accent1"/>
+            </a:fillRef>
+            <a:effectRef idx="0">
+              <a:schemeClr val="accent1"/>
+            </a:effectRef>
+            <a:fontRef idx="minor">
+              <a:schemeClr val="lt1"/>
+            </a:fontRef>
+          </p:style>
+          <p:txBody>
+            <a:bodyPr rtlCol="0" anchor="ctr"/>
+            <a:p>
+              <a:pPr algn="ctr"/>
+              <a:endParaRPr lang="en-US"/>
+            </a:p>
+          </p:txBody>
+        </p:sp>
+        <p:grpSp>
+          <p:nvGrpSpPr>
+            <p:cNvPr id="16" name="Group 15"/>
+            <p:cNvGrpSpPr/>
+            <p:nvPr/>
+          </p:nvGrpSpPr>
+          <p:grpSpPr>
+            <a:xfrm>
+              <a:off x="8998" y="849"/>
+              <a:ext cx="5161" cy="8692"/>
+              <a:chOff x="8998" y="849"/>
+              <a:chExt cx="5161" cy="8692"/>
+            </a:xfrm>
+            <a:grpFill/>
+          </p:grpSpPr>
+          <p:sp>
+            <p:nvSpPr>
+              <p:cNvPr id="4" name="Isosceles Triangle 3"/>
+              <p:cNvSpPr/>
+              <p:nvPr/>
+            </p:nvSpPr>
+            <p:spPr>
+              <a:xfrm rot="17760000" flipV="1">
+                <a:off x="8998" y="849"/>
+                <a:ext cx="3089" cy="3089"/>
+              </a:xfrm>
+              <a:prstGeom prst="triangle">
+                <a:avLst/>
+              </a:prstGeom>
+              <a:grpFill/>
+              <a:ln>
+                <a:noFill/>
+              </a:ln>
+            </p:spPr>
+            <p:style>
+              <a:lnRef idx="2">
+                <a:schemeClr val="accent1">
+                  <a:shade val="50000"/>
+                </a:schemeClr>
+              </a:lnRef>
+              <a:fillRef idx="1">
+                <a:schemeClr val="accent1"/>
+              </a:fillRef>
+              <a:effectRef idx="0">
+                <a:schemeClr val="accent1"/>
+              </a:effectRef>
+              <a:fontRef idx="minor">
+                <a:schemeClr val="lt1"/>
+              </a:fontRef>
+            </p:style>
+            <p:txBody>
+              <a:bodyPr rtlCol="0" anchor="ctr"/>
+              <a:p>
+                <a:pPr algn="ctr"/>
+                <a:endParaRPr lang="en-US"/>
+              </a:p>
+            </p:txBody>
+          </p:sp>
+          <p:sp>
+            <p:nvSpPr>
+              <p:cNvPr id="6" name="Isosceles Triangle 5"/>
+              <p:cNvSpPr/>
+              <p:nvPr/>
+            </p:nvSpPr>
+            <p:spPr>
+              <a:xfrm rot="17760000" flipV="1">
+                <a:off x="9696" y="6453"/>
+                <a:ext cx="3089" cy="3089"/>
+              </a:xfrm>
+              <a:prstGeom prst="triangle">
+                <a:avLst/>
+              </a:prstGeom>
+              <a:grpFill/>
+              <a:ln>
+                <a:noFill/>
+              </a:ln>
+            </p:spPr>
+            <p:style>
+              <a:lnRef idx="2">
+                <a:schemeClr val="accent1">
+                  <a:shade val="50000"/>
+                </a:schemeClr>
+              </a:lnRef>
+              <a:fillRef idx="1">
+                <a:schemeClr val="accent1"/>
+              </a:fillRef>
+              <a:effectRef idx="0">
+                <a:schemeClr val="accent1"/>
+              </a:effectRef>
+              <a:fontRef idx="minor">
+                <a:schemeClr val="lt1"/>
+              </a:fontRef>
+            </p:style>
+            <p:txBody>
+              <a:bodyPr rtlCol="0" anchor="ctr"/>
+              <a:p>
+                <a:pPr algn="ctr"/>
+                <a:endParaRPr lang="en-US"/>
+              </a:p>
+            </p:txBody>
+          </p:sp>
+          <p:sp>
+            <p:nvSpPr>
+              <p:cNvPr id="7" name="Isosceles Triangle 6"/>
+              <p:cNvSpPr/>
+              <p:nvPr/>
+            </p:nvSpPr>
+            <p:spPr>
+              <a:xfrm rot="17760000">
+                <a:off x="10358" y="5024"/>
+                <a:ext cx="3089" cy="3089"/>
+              </a:xfrm>
+              <a:prstGeom prst="triangle">
+                <a:avLst/>
+              </a:prstGeom>
+              <a:grpFill/>
+              <a:ln>
+                <a:noFill/>
+              </a:ln>
+            </p:spPr>
+            <p:style>
+              <a:lnRef idx="2">
+                <a:schemeClr val="accent1">
+                  <a:shade val="50000"/>
+                </a:schemeClr>
+              </a:lnRef>
+              <a:fillRef idx="1">
+                <a:schemeClr val="accent1"/>
+              </a:fillRef>
+              <a:effectRef idx="0">
+                <a:schemeClr val="accent1"/>
+              </a:effectRef>
+              <a:fontRef idx="minor">
+                <a:schemeClr val="lt1"/>
+              </a:fontRef>
+            </p:style>
+            <p:txBody>
+              <a:bodyPr rtlCol="0" anchor="ctr"/>
+              <a:p>
+                <a:pPr algn="ctr"/>
+                <a:endParaRPr lang="en-US"/>
+              </a:p>
+            </p:txBody>
+          </p:sp>
+          <p:sp>
+            <p:nvSpPr>
+              <p:cNvPr id="8" name="Isosceles Triangle 7"/>
+              <p:cNvSpPr/>
+              <p:nvPr/>
+            </p:nvSpPr>
+            <p:spPr>
+              <a:xfrm rot="17760000" flipV="1">
+                <a:off x="11071" y="3648"/>
+                <a:ext cx="3089" cy="3089"/>
+              </a:xfrm>
+              <a:prstGeom prst="triangle">
+                <a:avLst/>
+              </a:prstGeom>
+              <a:grpFill/>
+              <a:ln>
+                <a:noFill/>
+              </a:ln>
+            </p:spPr>
+            <p:style>
+              <a:lnRef idx="2">
+                <a:schemeClr val="accent1">
+                  <a:shade val="50000"/>
+                </a:schemeClr>
+              </a:lnRef>
+              <a:fillRef idx="1">
+                <a:schemeClr val="accent1"/>
+              </a:fillRef>
+              <a:effectRef idx="0">
+                <a:schemeClr val="accent1"/>
+              </a:effectRef>
+              <a:fontRef idx="minor">
+                <a:schemeClr val="lt1"/>
+              </a:fontRef>
+            </p:style>
+            <p:txBody>
+              <a:bodyPr rtlCol="0" anchor="ctr"/>
+              <a:p>
+                <a:pPr algn="ctr"/>
+                <a:endParaRPr lang="en-US"/>
+              </a:p>
+            </p:txBody>
+          </p:sp>
+        </p:grpSp>
+      </p:grpSp>
+    </p:spTree>
+  </p:cSld>
+  <p:clrMapOvr>
+    <a:masterClrMapping/>
+  </p:clrMapOvr>
+  <p:transition>
+    <p:push/>
+  </p:transition>
+</p:sld>
+</file>
+
+<file path=ppt/slides/slide5.xml><?xml version="1.0" encoding="utf-8"?>
+<p:sld xmlns:a="http://schemas.openxmlformats.org/drawingml/2006/main" xmlns:r="http://schemas.openxmlformats.org/officeDocument/2006/relationships" xmlns:p="http://schemas.openxmlformats.org/presentationml/2006/main">
+  <p:cSld>
+    <p:spTree>
+      <p:nvGrpSpPr>
+        <p:cNvPr id="1" name=""/>
+        <p:cNvGrpSpPr/>
+        <p:nvPr/>
+      </p:nvGrpSpPr>
+      <p:grpSpPr/>
+      <p:sp>
+        <p:nvSpPr>
+          <p:cNvPr id="2" name="Title 1"/>
+          <p:cNvSpPr>
+            <a:spLocks noGrp="1"/>
+          </p:cNvSpPr>
+          <p:nvPr>
+            <p:ph type="title"/>
+          </p:nvPr>
+        </p:nvSpPr>
+        <p:spPr>
+          <a:xfrm>
+            <a:off x="609600" y="5007928"/>
+            <a:ext cx="10972800" cy="1143000"/>
+          </a:xfrm>
+          <a:noFill/>
+          <a:extLst>
+            <a:ext uri="{909E8E84-426E-40DD-AFC4-6F175D3DCCD1}">
+              <a14:hiddenFill xmlns:a14="http://schemas.microsoft.com/office/drawing/2010/main">
+                <a:solidFill>
+                  <a:schemeClr val="accent2"/>
+                </a:solidFill>
+              </a14:hiddenFill>
+            </a:ext>
+          </a:extLst>
+        </p:spPr>
+        <p:txBody>
+          <a:bodyPr/>
+          <a:p>
+            <a:pPr algn="l"/>
+            <a:r>
+              <a:rPr lang="en-US"/>
+              <a:t>Shape Picture No Rotate with shape</a:t>
+            </a:r>
+            <a:endParaRPr lang="en-US"/>
+          </a:p>
+        </p:txBody>
+      </p:sp>
+      <p:grpSp>
+        <p:nvGrpSpPr>
+          <p:cNvPr id="50" name="Group 49"/>
+          <p:cNvGrpSpPr/>
+          <p:nvPr/>
+        </p:nvGrpSpPr>
+        <p:grpSpPr>
+          <a:xfrm rot="19440000">
+            <a:off x="9019540" y="-1350645"/>
+            <a:ext cx="3709035" cy="5550535"/>
+            <a:chOff x="8870" y="-1683"/>
+            <a:chExt cx="5841" cy="8741"/>
+          </a:xfrm>
+          <a:blipFill rotWithShape="0">
+            <a:blip r:embed="rId1"/>
+            <a:stretch>
+              <a:fillRect t="29000" r="24000"/>
+            </a:stretch>
+          </a:blipFill>
+        </p:grpSpPr>
+        <p:sp>
+          <p:nvSpPr>
+            <p:cNvPr id="4" name="Rectangle 3"/>
+            <p:cNvSpPr/>
+            <p:nvPr/>
+          </p:nvSpPr>
+          <p:spPr>
+            <a:xfrm>
+              <a:off x="8871" y="-1682"/>
+              <a:ext cx="1443" cy="1443"/>
+            </a:xfrm>
+            <a:prstGeom prst="rect">
+              <a:avLst/>
+            </a:prstGeom>
+            <a:grpFill/>
+            <a:ln>
+              <a:noFill/>
+            </a:ln>
+          </p:spPr>
+          <p:style>
+            <a:lnRef idx="2">
+              <a:schemeClr val="accent1">
+                <a:shade val="50000"/>
+              </a:schemeClr>
+            </a:lnRef>
+            <a:fillRef idx="1">
+              <a:schemeClr val="accent1"/>
+            </a:fillRef>
+            <a:effectRef idx="0">
+              <a:schemeClr val="accent1"/>
+            </a:effectRef>
+            <a:fontRef idx="minor">
+              <a:schemeClr val="lt1"/>
+            </a:fontRef>
+          </p:style>
+          <p:txBody>
+            <a:bodyPr rtlCol="0" anchor="ctr"/>
+            <a:p>
+              <a:pPr algn="ctr"/>
+              <a:endParaRPr lang="en-US"/>
+            </a:p>
+          </p:txBody>
+        </p:sp>
+        <p:sp>
+          <p:nvSpPr>
+            <p:cNvPr id="5" name="Rectangle 4"/>
+            <p:cNvSpPr/>
+            <p:nvPr/>
+          </p:nvSpPr>
+          <p:spPr>
+            <a:xfrm>
+              <a:off x="8871" y="-224"/>
+              <a:ext cx="1443" cy="1443"/>
+            </a:xfrm>
+            <a:prstGeom prst="rect">
+              <a:avLst/>
+            </a:prstGeom>
+            <a:grpFill/>
+            <a:ln>
+              <a:noFill/>
+            </a:ln>
+          </p:spPr>
+          <p:style>
+            <a:lnRef idx="2">
+              <a:schemeClr val="accent1">
+                <a:shade val="50000"/>
+              </a:schemeClr>
+            </a:lnRef>
+            <a:fillRef idx="1">
+              <a:schemeClr val="accent1"/>
+            </a:fillRef>
+            <a:effectRef idx="0">
+              <a:schemeClr val="accent1"/>
+            </a:effectRef>
+            <a:fontRef idx="minor">
+              <a:schemeClr val="lt1"/>
+            </a:fontRef>
+          </p:style>
+          <p:txBody>
+            <a:bodyPr rtlCol="0" anchor="ctr"/>
+            <a:p>
+              <a:pPr algn="ctr"/>
+              <a:endParaRPr lang="en-US"/>
+            </a:p>
+          </p:txBody>
+        </p:sp>
+        <p:sp>
+          <p:nvSpPr>
+            <p:cNvPr id="8" name="Rectangle 7"/>
+            <p:cNvSpPr/>
+            <p:nvPr/>
+          </p:nvSpPr>
+          <p:spPr>
+            <a:xfrm>
+              <a:off x="10337" y="-1682"/>
+              <a:ext cx="1443" cy="1443"/>
+            </a:xfrm>
+            <a:prstGeom prst="rect">
+              <a:avLst/>
+            </a:prstGeom>
+            <a:grpFill/>
+            <a:ln>
+              <a:noFill/>
+            </a:ln>
+          </p:spPr>
+          <p:style>
+            <a:lnRef idx="2">
+              <a:schemeClr val="accent1">
+                <a:shade val="50000"/>
+              </a:schemeClr>
+            </a:lnRef>
+            <a:fillRef idx="1">
+              <a:schemeClr val="accent1"/>
+            </a:fillRef>
+            <a:effectRef idx="0">
+              <a:schemeClr val="accent1"/>
+            </a:effectRef>
+            <a:fontRef idx="minor">
+              <a:schemeClr val="lt1"/>
+            </a:fontRef>
+          </p:style>
+          <p:txBody>
+            <a:bodyPr rtlCol="0" anchor="ctr"/>
+            <a:p>
+              <a:pPr algn="ctr"/>
+              <a:endParaRPr lang="en-US"/>
+            </a:p>
+          </p:txBody>
+        </p:sp>
+        <p:sp>
+          <p:nvSpPr>
+            <p:cNvPr id="9" name="Rectangle 8"/>
+            <p:cNvSpPr/>
+            <p:nvPr/>
+          </p:nvSpPr>
+          <p:spPr>
+            <a:xfrm>
+              <a:off x="10333" y="-228"/>
+              <a:ext cx="1443" cy="1443"/>
+            </a:xfrm>
+            <a:prstGeom prst="rect">
+              <a:avLst/>
+            </a:prstGeom>
+            <a:grpFill/>
+            <a:ln>
+              <a:noFill/>
+            </a:ln>
+          </p:spPr>
+          <p:style>
+            <a:lnRef idx="2">
+              <a:schemeClr val="accent1">
+                <a:shade val="50000"/>
+              </a:schemeClr>
+            </a:lnRef>
+            <a:fillRef idx="1">
+              <a:schemeClr val="accent1"/>
+            </a:fillRef>
+            <a:effectRef idx="0">
+              <a:schemeClr val="accent1"/>
+            </a:effectRef>
+            <a:fontRef idx="minor">
+              <a:schemeClr val="lt1"/>
+            </a:fontRef>
+          </p:style>
+          <p:txBody>
+            <a:bodyPr rtlCol="0" anchor="ctr"/>
+            <a:p>
+              <a:pPr algn="ctr"/>
+              <a:endParaRPr lang="en-US"/>
+            </a:p>
+          </p:txBody>
+        </p:sp>
+        <p:sp>
+          <p:nvSpPr>
+            <p:cNvPr id="12" name="Rectangle 11"/>
+            <p:cNvSpPr/>
+            <p:nvPr/>
+          </p:nvSpPr>
+          <p:spPr>
+            <a:xfrm>
+              <a:off x="11803" y="-1683"/>
+              <a:ext cx="1443" cy="1443"/>
+            </a:xfrm>
+            <a:prstGeom prst="rect">
+              <a:avLst/>
+            </a:prstGeom>
+            <a:grpFill/>
+            <a:ln>
+              <a:noFill/>
+            </a:ln>
+          </p:spPr>
+          <p:style>
+            <a:lnRef idx="2">
+              <a:schemeClr val="accent1">
+                <a:shade val="50000"/>
+              </a:schemeClr>
+            </a:lnRef>
+            <a:fillRef idx="1">
+              <a:schemeClr val="accent1"/>
+            </a:fillRef>
+            <a:effectRef idx="0">
+              <a:schemeClr val="accent1"/>
+            </a:effectRef>
+            <a:fontRef idx="minor">
+              <a:schemeClr val="lt1"/>
+            </a:fontRef>
+          </p:style>
+          <p:txBody>
+            <a:bodyPr rtlCol="0" anchor="ctr"/>
+            <a:p>
+              <a:pPr algn="ctr"/>
+              <a:endParaRPr lang="en-US"/>
+            </a:p>
+          </p:txBody>
+        </p:sp>
+        <p:sp>
+          <p:nvSpPr>
+            <p:cNvPr id="13" name="Rectangle 12"/>
+            <p:cNvSpPr/>
+            <p:nvPr/>
+          </p:nvSpPr>
+          <p:spPr>
+            <a:xfrm>
+              <a:off x="11795" y="-228"/>
+              <a:ext cx="1443" cy="1443"/>
+            </a:xfrm>
+            <a:prstGeom prst="rect">
+              <a:avLst/>
+            </a:prstGeom>
+            <a:grpFill/>
+            <a:ln>
+              <a:noFill/>
+            </a:ln>
+          </p:spPr>
+          <p:style>
+            <a:lnRef idx="2">
+              <a:schemeClr val="accent1">
+                <a:shade val="50000"/>
+              </a:schemeClr>
+            </a:lnRef>
+            <a:fillRef idx="1">
+              <a:schemeClr val="accent1"/>
+            </a:fillRef>
+            <a:effectRef idx="0">
+              <a:schemeClr val="accent1"/>
+            </a:effectRef>
+            <a:fontRef idx="minor">
+              <a:schemeClr val="lt1"/>
+            </a:fontRef>
+          </p:style>
+          <p:txBody>
+            <a:bodyPr rtlCol="0" anchor="ctr"/>
+            <a:p>
+              <a:pPr algn="ctr"/>
+              <a:endParaRPr lang="en-US"/>
+            </a:p>
+          </p:txBody>
+        </p:sp>
+        <p:sp>
+          <p:nvSpPr>
+            <p:cNvPr id="16" name="Rectangle 15"/>
+            <p:cNvSpPr/>
+            <p:nvPr/>
+          </p:nvSpPr>
+          <p:spPr>
+            <a:xfrm>
+              <a:off x="13269" y="-1683"/>
+              <a:ext cx="1443" cy="1443"/>
+            </a:xfrm>
+            <a:prstGeom prst="rect">
+              <a:avLst/>
+            </a:prstGeom>
+            <a:grpFill/>
+            <a:ln>
+              <a:noFill/>
+            </a:ln>
+          </p:spPr>
+          <p:style>
+            <a:lnRef idx="2">
+              <a:schemeClr val="accent1">
+                <a:shade val="50000"/>
+              </a:schemeClr>
+            </a:lnRef>
+            <a:fillRef idx="1">
+              <a:schemeClr val="accent1"/>
+            </a:fillRef>
+            <a:effectRef idx="0">
+              <a:schemeClr val="accent1"/>
+            </a:effectRef>
+            <a:fontRef idx="minor">
+              <a:schemeClr val="lt1"/>
+            </a:fontRef>
+          </p:style>
+          <p:txBody>
+            <a:bodyPr rtlCol="0" anchor="ctr"/>
+            <a:p>
+              <a:pPr algn="ctr"/>
+              <a:endParaRPr lang="en-US"/>
+            </a:p>
+          </p:txBody>
+        </p:sp>
+        <p:sp>
+          <p:nvSpPr>
+            <p:cNvPr id="17" name="Rectangle 16"/>
+            <p:cNvSpPr/>
+            <p:nvPr/>
+          </p:nvSpPr>
+          <p:spPr>
+            <a:xfrm>
+              <a:off x="13257" y="-229"/>
+              <a:ext cx="1443" cy="1443"/>
+            </a:xfrm>
+            <a:prstGeom prst="rect">
+              <a:avLst/>
+            </a:prstGeom>
+            <a:grpFill/>
+            <a:ln>
+              <a:noFill/>
+            </a:ln>
+          </p:spPr>
+          <p:style>
+            <a:lnRef idx="2">
+              <a:schemeClr val="accent1">
+                <a:shade val="50000"/>
+              </a:schemeClr>
+            </a:lnRef>
+            <a:fillRef idx="1">
+              <a:schemeClr val="accent1"/>
+            </a:fillRef>
+            <a:effectRef idx="0">
+              <a:schemeClr val="accent1"/>
+            </a:effectRef>
+            <a:fontRef idx="minor">
+              <a:schemeClr val="lt1"/>
+            </a:fontRef>
+          </p:style>
+          <p:txBody>
+            <a:bodyPr rtlCol="0" anchor="ctr"/>
+            <a:p>
+              <a:pPr algn="ctr"/>
+              <a:endParaRPr lang="en-US"/>
+            </a:p>
+          </p:txBody>
+        </p:sp>
+        <p:sp>
+          <p:nvSpPr>
+            <p:cNvPr id="34" name="Rectangle 33"/>
+            <p:cNvSpPr/>
+            <p:nvPr/>
+          </p:nvSpPr>
+          <p:spPr>
+            <a:xfrm>
+              <a:off x="8870" y="1234"/>
+              <a:ext cx="1443" cy="1443"/>
+            </a:xfrm>
+            <a:prstGeom prst="rect">
+              <a:avLst/>
+            </a:prstGeom>
+            <a:grpFill/>
+            <a:ln>
+              <a:noFill/>
+            </a:ln>
+          </p:spPr>
+          <p:style>
+            <a:lnRef idx="2">
+              <a:schemeClr val="accent1">
+                <a:shade val="50000"/>
+              </a:schemeClr>
+            </a:lnRef>
+            <a:fillRef idx="1">
+              <a:schemeClr val="accent1"/>
+            </a:fillRef>
+            <a:effectRef idx="0">
+              <a:schemeClr val="accent1"/>
+            </a:effectRef>
+            <a:fontRef idx="minor">
+              <a:schemeClr val="lt1"/>
+            </a:fontRef>
+          </p:style>
+          <p:txBody>
+            <a:bodyPr rtlCol="0" anchor="ctr"/>
+            <a:p>
+              <a:pPr algn="ctr"/>
+              <a:endParaRPr lang="en-US"/>
+            </a:p>
+          </p:txBody>
+        </p:sp>
+        <p:sp>
+          <p:nvSpPr>
+            <p:cNvPr id="35" name="Rectangle 34"/>
+            <p:cNvSpPr/>
+            <p:nvPr/>
+          </p:nvSpPr>
+          <p:spPr>
+            <a:xfrm>
+              <a:off x="8871" y="2692"/>
+              <a:ext cx="1443" cy="1443"/>
+            </a:xfrm>
+            <a:prstGeom prst="rect">
+              <a:avLst/>
+            </a:prstGeom>
+            <a:grpFill/>
+            <a:ln>
+              <a:noFill/>
+            </a:ln>
+          </p:spPr>
+          <p:style>
+            <a:lnRef idx="2">
+              <a:schemeClr val="accent1">
+                <a:shade val="50000"/>
+              </a:schemeClr>
+            </a:lnRef>
+            <a:fillRef idx="1">
+              <a:schemeClr val="accent1"/>
+            </a:fillRef>
+            <a:effectRef idx="0">
+              <a:schemeClr val="accent1"/>
+            </a:effectRef>
+            <a:fontRef idx="minor">
+              <a:schemeClr val="lt1"/>
+            </a:fontRef>
+          </p:style>
+          <p:txBody>
+            <a:bodyPr rtlCol="0" anchor="ctr"/>
+            <a:p>
+              <a:pPr algn="ctr"/>
+              <a:endParaRPr lang="en-US"/>
+            </a:p>
+          </p:txBody>
+        </p:sp>
+        <p:sp>
+          <p:nvSpPr>
+            <p:cNvPr id="36" name="Rectangle 35"/>
+            <p:cNvSpPr/>
+            <p:nvPr/>
+          </p:nvSpPr>
+          <p:spPr>
+            <a:xfrm>
+              <a:off x="10336" y="1239"/>
+              <a:ext cx="1443" cy="1443"/>
+            </a:xfrm>
+            <a:prstGeom prst="rect">
+              <a:avLst/>
+            </a:prstGeom>
+            <a:grpFill/>
+            <a:ln>
+              <a:noFill/>
+            </a:ln>
+          </p:spPr>
+          <p:style>
+            <a:lnRef idx="2">
+              <a:schemeClr val="accent1">
+                <a:shade val="50000"/>
+              </a:schemeClr>
+            </a:lnRef>
+            <a:fillRef idx="1">
+              <a:schemeClr val="accent1"/>
+            </a:fillRef>
+            <a:effectRef idx="0">
+              <a:schemeClr val="accent1"/>
+            </a:effectRef>
+            <a:fontRef idx="minor">
+              <a:schemeClr val="lt1"/>
+            </a:fontRef>
+          </p:style>
+          <p:txBody>
+            <a:bodyPr rtlCol="0" anchor="ctr"/>
+            <a:p>
+              <a:pPr algn="ctr"/>
+              <a:endParaRPr lang="en-US"/>
+            </a:p>
+          </p:txBody>
+        </p:sp>
+        <p:sp>
+          <p:nvSpPr>
+            <p:cNvPr id="37" name="Rectangle 36"/>
+            <p:cNvSpPr/>
+            <p:nvPr/>
+          </p:nvSpPr>
+          <p:spPr>
+            <a:xfrm>
+              <a:off x="10333" y="2694"/>
+              <a:ext cx="1443" cy="1443"/>
+            </a:xfrm>
+            <a:prstGeom prst="rect">
+              <a:avLst/>
+            </a:prstGeom>
+            <a:grpFill/>
+            <a:ln>
+              <a:noFill/>
+            </a:ln>
+          </p:spPr>
+          <p:style>
+            <a:lnRef idx="2">
+              <a:schemeClr val="accent1">
+                <a:shade val="50000"/>
+              </a:schemeClr>
+            </a:lnRef>
+            <a:fillRef idx="1">
+              <a:schemeClr val="accent1"/>
+            </a:fillRef>
+            <a:effectRef idx="0">
+              <a:schemeClr val="accent1"/>
+            </a:effectRef>
+            <a:fontRef idx="minor">
+              <a:schemeClr val="lt1"/>
+            </a:fontRef>
+          </p:style>
+          <p:txBody>
+            <a:bodyPr rtlCol="0" anchor="ctr"/>
+            <a:p>
+              <a:pPr algn="ctr"/>
+              <a:endParaRPr lang="en-US"/>
+            </a:p>
+          </p:txBody>
+        </p:sp>
+        <p:sp>
+          <p:nvSpPr>
+            <p:cNvPr id="38" name="Rectangle 37"/>
+            <p:cNvSpPr/>
+            <p:nvPr/>
+          </p:nvSpPr>
+          <p:spPr>
+            <a:xfrm>
+              <a:off x="11802" y="1239"/>
+              <a:ext cx="1443" cy="1443"/>
+            </a:xfrm>
+            <a:prstGeom prst="rect">
+              <a:avLst/>
+            </a:prstGeom>
+            <a:grpFill/>
+            <a:ln>
+              <a:noFill/>
+            </a:ln>
+          </p:spPr>
+          <p:style>
+            <a:lnRef idx="2">
+              <a:schemeClr val="accent1">
+                <a:shade val="50000"/>
+              </a:schemeClr>
+            </a:lnRef>
+            <a:fillRef idx="1">
+              <a:schemeClr val="accent1"/>
+            </a:fillRef>
+            <a:effectRef idx="0">
+              <a:schemeClr val="accent1"/>
+            </a:effectRef>
+            <a:fontRef idx="minor">
+              <a:schemeClr val="lt1"/>
+            </a:fontRef>
+          </p:style>
+          <p:txBody>
+            <a:bodyPr rtlCol="0" anchor="ctr"/>
+            <a:p>
+              <a:pPr algn="ctr"/>
+              <a:endParaRPr lang="en-US"/>
+            </a:p>
+          </p:txBody>
+        </p:sp>
+        <p:sp>
+          <p:nvSpPr>
+            <p:cNvPr id="39" name="Rectangle 38"/>
+            <p:cNvSpPr/>
+            <p:nvPr/>
+          </p:nvSpPr>
+          <p:spPr>
+            <a:xfrm>
+              <a:off x="11794" y="2694"/>
+              <a:ext cx="1443" cy="1443"/>
+            </a:xfrm>
+            <a:prstGeom prst="rect">
+              <a:avLst/>
+            </a:prstGeom>
+            <a:grpFill/>
+            <a:ln>
+              <a:noFill/>
+            </a:ln>
+          </p:spPr>
+          <p:style>
+            <a:lnRef idx="2">
+              <a:schemeClr val="accent1">
+                <a:shade val="50000"/>
+              </a:schemeClr>
+            </a:lnRef>
+            <a:fillRef idx="1">
+              <a:schemeClr val="accent1"/>
+            </a:fillRef>
+            <a:effectRef idx="0">
+              <a:schemeClr val="accent1"/>
+            </a:effectRef>
+            <a:fontRef idx="minor">
+              <a:schemeClr val="lt1"/>
+            </a:fontRef>
+          </p:style>
+          <p:txBody>
+            <a:bodyPr rtlCol="0" anchor="ctr"/>
+            <a:p>
+              <a:pPr algn="ctr"/>
+              <a:endParaRPr lang="en-US"/>
+            </a:p>
+          </p:txBody>
+        </p:sp>
+        <p:sp>
+          <p:nvSpPr>
+            <p:cNvPr id="40" name="Rectangle 39"/>
+            <p:cNvSpPr/>
+            <p:nvPr/>
+          </p:nvSpPr>
+          <p:spPr>
+            <a:xfrm>
+              <a:off x="13268" y="1239"/>
+              <a:ext cx="1443" cy="1443"/>
+            </a:xfrm>
+            <a:prstGeom prst="rect">
+              <a:avLst/>
+            </a:prstGeom>
+            <a:grpFill/>
+            <a:ln>
+              <a:noFill/>
+            </a:ln>
+          </p:spPr>
+          <p:style>
+            <a:lnRef idx="2">
+              <a:schemeClr val="accent1">
+                <a:shade val="50000"/>
+              </a:schemeClr>
+            </a:lnRef>
+            <a:fillRef idx="1">
+              <a:schemeClr val="accent1"/>
+            </a:fillRef>
+            <a:effectRef idx="0">
+              <a:schemeClr val="accent1"/>
+            </a:effectRef>
+            <a:fontRef idx="minor">
+              <a:schemeClr val="lt1"/>
+            </a:fontRef>
+          </p:style>
+          <p:txBody>
+            <a:bodyPr rtlCol="0" anchor="ctr"/>
+            <a:p>
+              <a:pPr algn="ctr"/>
+              <a:endParaRPr lang="en-US"/>
+            </a:p>
+          </p:txBody>
+        </p:sp>
+        <p:sp>
+          <p:nvSpPr>
+            <p:cNvPr id="41" name="Rectangle 40"/>
+            <p:cNvSpPr/>
+            <p:nvPr/>
+          </p:nvSpPr>
+          <p:spPr>
+            <a:xfrm>
+              <a:off x="13257" y="2693"/>
+              <a:ext cx="1443" cy="1443"/>
+            </a:xfrm>
+            <a:prstGeom prst="rect">
+              <a:avLst/>
+            </a:prstGeom>
+            <a:grpFill/>
+            <a:ln>
+              <a:noFill/>
+            </a:ln>
+          </p:spPr>
+          <p:style>
+            <a:lnRef idx="2">
+              <a:schemeClr val="accent1">
+                <a:shade val="50000"/>
+              </a:schemeClr>
+            </a:lnRef>
+            <a:fillRef idx="1">
+              <a:schemeClr val="accent1"/>
+            </a:fillRef>
+            <a:effectRef idx="0">
+              <a:schemeClr val="accent1"/>
+            </a:effectRef>
+            <a:fontRef idx="minor">
+              <a:schemeClr val="lt1"/>
+            </a:fontRef>
+          </p:style>
+          <p:txBody>
+            <a:bodyPr rtlCol="0" anchor="ctr"/>
+            <a:p>
+              <a:pPr algn="ctr"/>
+              <a:endParaRPr lang="en-US"/>
+            </a:p>
+          </p:txBody>
+        </p:sp>
+        <p:sp>
+          <p:nvSpPr>
+            <p:cNvPr id="42" name="Rectangle 41"/>
+            <p:cNvSpPr/>
+            <p:nvPr/>
+          </p:nvSpPr>
+          <p:spPr>
+            <a:xfrm>
+              <a:off x="10336" y="4161"/>
+              <a:ext cx="1443" cy="1443"/>
+            </a:xfrm>
+            <a:prstGeom prst="rect">
+              <a:avLst/>
+            </a:prstGeom>
+            <a:grpFill/>
+            <a:ln>
+              <a:noFill/>
+            </a:ln>
+          </p:spPr>
+          <p:style>
+            <a:lnRef idx="2">
+              <a:schemeClr val="accent1">
+                <a:shade val="50000"/>
+              </a:schemeClr>
+            </a:lnRef>
+            <a:fillRef idx="1">
+              <a:schemeClr val="accent1"/>
+            </a:fillRef>
+            <a:effectRef idx="0">
+              <a:schemeClr val="accent1"/>
+            </a:effectRef>
+            <a:fontRef idx="minor">
+              <a:schemeClr val="lt1"/>
+            </a:fontRef>
+          </p:style>
+          <p:txBody>
+            <a:bodyPr rtlCol="0" anchor="ctr"/>
+            <a:p>
+              <a:pPr algn="ctr"/>
+              <a:endParaRPr lang="en-US"/>
+            </a:p>
+          </p:txBody>
+        </p:sp>
+        <p:sp>
+          <p:nvSpPr>
+            <p:cNvPr id="43" name="Rectangle 42"/>
+            <p:cNvSpPr/>
+            <p:nvPr/>
+          </p:nvSpPr>
+          <p:spPr>
+            <a:xfrm>
+              <a:off x="10332" y="5616"/>
+              <a:ext cx="1443" cy="1443"/>
+            </a:xfrm>
+            <a:prstGeom prst="rect">
+              <a:avLst/>
+            </a:prstGeom>
+            <a:grpFill/>
+            <a:ln>
+              <a:noFill/>
+            </a:ln>
+          </p:spPr>
+          <p:style>
+            <a:lnRef idx="2">
+              <a:schemeClr val="accent1">
+                <a:shade val="50000"/>
+              </a:schemeClr>
+            </a:lnRef>
+            <a:fillRef idx="1">
+              <a:schemeClr val="accent1"/>
+            </a:fillRef>
+            <a:effectRef idx="0">
+              <a:schemeClr val="accent1"/>
+            </a:effectRef>
+            <a:fontRef idx="minor">
+              <a:schemeClr val="lt1"/>
+            </a:fontRef>
+          </p:style>
+          <p:txBody>
+            <a:bodyPr rtlCol="0" anchor="ctr"/>
+            <a:p>
+              <a:pPr algn="ctr"/>
+              <a:endParaRPr lang="en-US"/>
+            </a:p>
+          </p:txBody>
+        </p:sp>
+        <p:sp>
+          <p:nvSpPr>
+            <p:cNvPr id="44" name="Rectangle 43"/>
+            <p:cNvSpPr/>
+            <p:nvPr/>
+          </p:nvSpPr>
+          <p:spPr>
+            <a:xfrm>
+              <a:off x="11801" y="4161"/>
+              <a:ext cx="1443" cy="1443"/>
+            </a:xfrm>
+            <a:prstGeom prst="rect">
+              <a:avLst/>
+            </a:prstGeom>
+            <a:grpFill/>
+            <a:ln>
+              <a:noFill/>
+            </a:ln>
+          </p:spPr>
+          <p:style>
+            <a:lnRef idx="2">
+              <a:schemeClr val="accent1">
+                <a:shade val="50000"/>
+              </a:schemeClr>
+            </a:lnRef>
+            <a:fillRef idx="1">
+              <a:schemeClr val="accent1"/>
+            </a:fillRef>
+            <a:effectRef idx="0">
+              <a:schemeClr val="accent1"/>
+            </a:effectRef>
+            <a:fontRef idx="minor">
+              <a:schemeClr val="lt1"/>
+            </a:fontRef>
+          </p:style>
+          <p:txBody>
+            <a:bodyPr rtlCol="0" anchor="ctr"/>
+            <a:p>
+              <a:pPr algn="ctr"/>
+              <a:endParaRPr lang="en-US"/>
+            </a:p>
+          </p:txBody>
+        </p:sp>
+        <p:sp>
+          <p:nvSpPr>
+            <p:cNvPr id="45" name="Rectangle 44"/>
+            <p:cNvSpPr/>
+            <p:nvPr/>
+          </p:nvSpPr>
+          <p:spPr>
+            <a:xfrm>
+              <a:off x="11794" y="5615"/>
+              <a:ext cx="1443" cy="1443"/>
+            </a:xfrm>
+            <a:prstGeom prst="rect">
+              <a:avLst/>
+            </a:prstGeom>
+            <a:grpFill/>
+            <a:ln>
+              <a:noFill/>
+            </a:ln>
+          </p:spPr>
+          <p:style>
+            <a:lnRef idx="2">
+              <a:schemeClr val="accent1">
+                <a:shade val="50000"/>
+              </a:schemeClr>
+            </a:lnRef>
+            <a:fillRef idx="1">
+              <a:schemeClr val="accent1"/>
+            </a:fillRef>
+            <a:effectRef idx="0">
+              <a:schemeClr val="accent1"/>
+            </a:effectRef>
+            <a:fontRef idx="minor">
+              <a:schemeClr val="lt1"/>
+            </a:fontRef>
+          </p:style>
+          <p:txBody>
+            <a:bodyPr rtlCol="0" anchor="ctr"/>
+            <a:p>
+              <a:pPr algn="ctr"/>
+              <a:endParaRPr lang="en-US"/>
+            </a:p>
+          </p:txBody>
+        </p:sp>
+        <p:sp>
+          <p:nvSpPr>
+            <p:cNvPr id="46" name="Rectangle 45"/>
+            <p:cNvSpPr/>
+            <p:nvPr/>
+          </p:nvSpPr>
+          <p:spPr>
+            <a:xfrm>
+              <a:off x="13268" y="4161"/>
+              <a:ext cx="1443" cy="1443"/>
+            </a:xfrm>
+            <a:prstGeom prst="rect">
+              <a:avLst/>
+            </a:prstGeom>
+            <a:grpFill/>
+            <a:ln>
+              <a:noFill/>
+            </a:ln>
+          </p:spPr>
+          <p:style>
+            <a:lnRef idx="2">
+              <a:schemeClr val="accent1">
+                <a:shade val="50000"/>
+              </a:schemeClr>
+            </a:lnRef>
+            <a:fillRef idx="1">
+              <a:schemeClr val="accent1"/>
+            </a:fillRef>
+            <a:effectRef idx="0">
+              <a:schemeClr val="accent1"/>
+            </a:effectRef>
+            <a:fontRef idx="minor">
+              <a:schemeClr val="lt1"/>
+            </a:fontRef>
+          </p:style>
+          <p:txBody>
+            <a:bodyPr rtlCol="0" anchor="ctr"/>
+            <a:p>
+              <a:pPr algn="ctr"/>
+              <a:endParaRPr lang="en-US"/>
+            </a:p>
+          </p:txBody>
+        </p:sp>
+        <p:sp>
+          <p:nvSpPr>
+            <p:cNvPr id="47" name="Rectangle 46"/>
+            <p:cNvSpPr/>
+            <p:nvPr/>
+          </p:nvSpPr>
+          <p:spPr>
+            <a:xfrm>
+              <a:off x="13256" y="5615"/>
+              <a:ext cx="1443" cy="1443"/>
+            </a:xfrm>
+            <a:prstGeom prst="rect">
+              <a:avLst/>
+            </a:prstGeom>
+            <a:grpFill/>
+            <a:ln>
+              <a:noFill/>
+            </a:ln>
+          </p:spPr>
+          <p:style>
+            <a:lnRef idx="2">
+              <a:schemeClr val="accent1">
+                <a:shade val="50000"/>
+              </a:schemeClr>
+            </a:lnRef>
+            <a:fillRef idx="1">
+              <a:schemeClr val="accent1"/>
+            </a:fillRef>
+            <a:effectRef idx="0">
+              <a:schemeClr val="accent1"/>
+            </a:effectRef>
+            <a:fontRef idx="minor">
+              <a:schemeClr val="lt1"/>
+            </a:fontRef>
+          </p:style>
+          <p:txBody>
+            <a:bodyPr rtlCol="0" anchor="ctr"/>
+            <a:p>
+              <a:pPr algn="ctr"/>
+              <a:endParaRPr lang="en-US"/>
+            </a:p>
+          </p:txBody>
+        </p:sp>
+      </p:grpSp>
+    </p:spTree>
+  </p:cSld>
+  <p:clrMapOvr>
+    <a:masterClrMapping/>
+  </p:clrMapOvr>
+  <p:transition>
+    <p:push/>
+  </p:transition>
+</p:sld>
+</file>
+
+<file path=ppt/slides/slide6.xml><?xml version="1.0" encoding="utf-8"?>
+<p:sld xmlns:a="http://schemas.openxmlformats.org/drawingml/2006/main" xmlns:r="http://schemas.openxmlformats.org/officeDocument/2006/relationships" xmlns:p="http://schemas.openxmlformats.org/presentationml/2006/main">
+  <p:cSld>
+    <p:spTree>
+      <p:nvGrpSpPr>
+        <p:cNvPr id="1" name=""/>
+        <p:cNvGrpSpPr/>
+        <p:nvPr/>
+      </p:nvGrpSpPr>
+      <p:grpSpPr/>
+      <p:sp>
+        <p:nvSpPr>
+          <p:cNvPr id="12" name="Title 11"/>
+          <p:cNvSpPr>
+            <a:spLocks noGrp="1"/>
+          </p:cNvSpPr>
+          <p:nvPr>
+            <p:ph type="title"/>
+          </p:nvPr>
+        </p:nvSpPr>
+        <p:spPr/>
+        <p:txBody>
+          <a:bodyPr/>
+          <a:p>
+            <a:r>
+              <a:rPr lang="en-US"/>
+              <a:t> Clock Needle Animation Effect</a:t>
+            </a:r>
+            <a:endParaRPr lang="en-US"/>
+          </a:p>
+        </p:txBody>
+      </p:sp>
+      <p:grpSp>
+        <p:nvGrpSpPr>
+          <p:cNvPr id="8" name="Group 7"/>
+          <p:cNvGrpSpPr/>
+          <p:nvPr/>
+        </p:nvGrpSpPr>
+        <p:grpSpPr>
+          <a:xfrm rot="2580000">
+            <a:off x="-229235" y="895985"/>
+            <a:ext cx="594360" cy="5982970"/>
+            <a:chOff x="2066" y="931"/>
+            <a:chExt cx="936" cy="9422"/>
+          </a:xfrm>
+        </p:grpSpPr>
+        <p:grpSp>
+          <p:nvGrpSpPr>
+            <p:cNvPr id="6" name="Group 5"/>
+            <p:cNvGrpSpPr/>
+            <p:nvPr/>
+          </p:nvGrpSpPr>
+          <p:grpSpPr>
+            <a:xfrm>
+              <a:off x="2355" y="931"/>
+              <a:ext cx="368" cy="9422"/>
+              <a:chOff x="1802" y="1722"/>
+              <a:chExt cx="368" cy="9422"/>
+            </a:xfrm>
+          </p:grpSpPr>
+          <p:sp>
+            <p:nvSpPr>
+              <p:cNvPr id="4" name="Isosceles Triangle 3"/>
+              <p:cNvSpPr/>
+              <p:nvPr/>
+            </p:nvSpPr>
+            <p:spPr>
+              <a:xfrm>
+                <a:off x="1802" y="1722"/>
+                <a:ext cx="360" cy="4710"/>
+              </a:xfrm>
+              <a:prstGeom prst="triangle">
+                <a:avLst/>
+              </a:prstGeom>
+              <a:ln>
+                <a:noFill/>
+              </a:ln>
+            </p:spPr>
+            <p:style>
+              <a:lnRef idx="2">
+                <a:schemeClr val="accent1">
+                  <a:shade val="50000"/>
+                </a:schemeClr>
+              </a:lnRef>
+              <a:fillRef idx="1">
+                <a:schemeClr val="accent1"/>
+              </a:fillRef>
+              <a:effectRef idx="0">
+                <a:schemeClr val="accent1"/>
+              </a:effectRef>
+              <a:fontRef idx="minor">
+                <a:schemeClr val="lt1"/>
+              </a:fontRef>
+            </p:style>
+            <p:txBody>
+              <a:bodyPr rtlCol="0" anchor="ctr"/>
+              <a:p>
+                <a:pPr algn="ctr"/>
+                <a:endParaRPr lang="en-US"/>
+              </a:p>
+            </p:txBody>
+          </p:sp>
+          <p:sp>
+            <p:nvSpPr>
+              <p:cNvPr id="5" name="Isosceles Triangle 4"/>
+              <p:cNvSpPr/>
+              <p:nvPr/>
+            </p:nvSpPr>
+            <p:spPr>
+              <a:xfrm flipV="1">
+                <a:off x="1810" y="6434"/>
+                <a:ext cx="360" cy="4710"/>
+              </a:xfrm>
+              <a:prstGeom prst="triangle">
+                <a:avLst/>
+              </a:prstGeom>
+              <a:noFill/>
+              <a:ln>
+                <a:noFill/>
+              </a:ln>
+              <a:extLst>
+                <a:ext uri="{909E8E84-426E-40DD-AFC4-6F175D3DCCD1}">
+                  <a14:hiddenFill xmlns:a14="http://schemas.microsoft.com/office/drawing/2010/main">
+                    <a:solidFill>
+                      <a:schemeClr val="accent1"/>
+                    </a:solidFill>
+                  </a14:hiddenFill>
+                </a:ext>
+              </a:extLst>
+            </p:spPr>
+            <p:style>
+              <a:lnRef idx="2">
+                <a:schemeClr val="accent1">
+                  <a:shade val="50000"/>
+                </a:schemeClr>
+              </a:lnRef>
+              <a:fillRef idx="1">
+                <a:schemeClr val="accent1"/>
+              </a:fillRef>
+              <a:effectRef idx="0">
+                <a:schemeClr val="accent1"/>
+              </a:effectRef>
+              <a:fontRef idx="minor">
+                <a:schemeClr val="lt1"/>
+              </a:fontRef>
+            </p:style>
+            <p:txBody>
+              <a:bodyPr rtlCol="0" anchor="ctr"/>
+              <a:p>
+                <a:pPr algn="ctr"/>
+                <a:endParaRPr lang="en-US"/>
+              </a:p>
+            </p:txBody>
+          </p:sp>
+        </p:grpSp>
+        <p:sp>
+          <p:nvSpPr>
+            <p:cNvPr id="7" name="Oval 6"/>
+            <p:cNvSpPr/>
+            <p:nvPr/>
+          </p:nvSpPr>
+          <p:spPr>
+            <a:xfrm>
+              <a:off x="2066" y="5185"/>
+              <a:ext cx="937" cy="937"/>
+            </a:xfrm>
+            <a:prstGeom prst="ellipse">
+              <a:avLst/>
+            </a:prstGeom>
+            <a:solidFill>
+              <a:schemeClr val="bg1">
+                <a:lumMod val="50000"/>
+              </a:schemeClr>
+            </a:solidFill>
+            <a:ln>
+              <a:noFill/>
+            </a:ln>
+          </p:spPr>
+          <p:style>
+            <a:lnRef idx="2">
+              <a:schemeClr val="accent1">
+                <a:shade val="50000"/>
+              </a:schemeClr>
+            </a:lnRef>
+            <a:fillRef idx="1">
+              <a:schemeClr val="accent1"/>
+            </a:fillRef>
+            <a:effectRef idx="0">
+              <a:schemeClr val="accent1"/>
+            </a:effectRef>
+            <a:fontRef idx="minor">
+              <a:schemeClr val="lt1"/>
+            </a:fontRef>
+          </p:style>
+          <p:txBody>
+            <a:bodyPr rtlCol="0" anchor="ctr"/>
+            <a:p>
+              <a:pPr algn="ctr"/>
+              <a:endParaRPr lang="en-US"/>
+            </a:p>
+          </p:txBody>
+        </p:sp>
+      </p:grpSp>
+      <p:sp>
+        <p:nvSpPr>
+          <p:cNvPr id="13" name="Arc 12"/>
+          <p:cNvSpPr/>
+          <p:nvPr/>
+        </p:nvSpPr>
+        <p:spPr>
+          <a:xfrm>
+            <a:off x="-3529965" y="522605"/>
+            <a:ext cx="7185025" cy="6741160"/>
+          </a:xfrm>
+          <a:prstGeom prst="arc">
+            <a:avLst>
+              <a:gd name="adj1" fmla="val 16200000"/>
+              <a:gd name="adj2" fmla="val 5310499"/>
+            </a:avLst>
+          </a:prstGeom>
+          <a:noFill/>
+          <a:ln w="38100">
+            <a:solidFill>
+              <a:schemeClr val="accent1"/>
+            </a:solidFill>
+          </a:ln>
+          <a:extLst>
+            <a:ext uri="{909E8E84-426E-40DD-AFC4-6F175D3DCCD1}">
+              <a14:hiddenFill xmlns:a14="http://schemas.microsoft.com/office/drawing/2010/main">
+                <a:solidFill>
+                  <a:schemeClr val="accent1"/>
+                </a:solidFill>
+              </a14:hiddenFill>
+            </a:ext>
+          </a:extLst>
+        </p:spPr>
+        <p:style>
+          <a:lnRef idx="1">
+            <a:schemeClr val="accent1"/>
+          </a:lnRef>
+          <a:fillRef idx="0">
+            <a:schemeClr val="accent1"/>
+          </a:fillRef>
+          <a:effectRef idx="0">
+            <a:schemeClr val="accent1"/>
+          </a:effectRef>
+          <a:fontRef idx="minor">
+            <a:schemeClr val="tx1"/>
+          </a:fontRef>
+        </p:style>
+        <p:txBody>
+          <a:bodyPr rtlCol="0" anchor="ctr"/>
+          <a:p>
+            <a:pPr algn="ctr"/>
+            <a:endParaRPr lang="en-US"/>
+          </a:p>
+        </p:txBody>
+      </p:sp>
+      <p:sp>
+        <p:nvSpPr>
+          <p:cNvPr id="14" name="Oval 13"/>
+          <p:cNvSpPr/>
+          <p:nvPr/>
+        </p:nvSpPr>
+        <p:spPr>
+          <a:xfrm>
+            <a:off x="2054860" y="935990"/>
+            <a:ext cx="686435" cy="686435"/>
+          </a:xfrm>
+          <a:prstGeom prst="ellipse">
+            <a:avLst/>
+          </a:prstGeom>
+          <a:effectLst/>
+        </p:spPr>
+        <p:style>
+          <a:lnRef idx="2">
+            <a:schemeClr val="accent1">
+              <a:shade val="50000"/>
+            </a:schemeClr>
+          </a:lnRef>
+          <a:fillRef idx="1">
+            <a:schemeClr val="accent1"/>
+          </a:fillRef>
+          <a:effectRef idx="0">
+            <a:schemeClr val="accent1"/>
+          </a:effectRef>
+          <a:fontRef idx="minor">
+            <a:schemeClr val="lt1"/>
+          </a:fontRef>
+        </p:style>
+        <p:txBody>
+          <a:bodyPr rtlCol="0" anchor="ctr"/>
+          <a:p>
+            <a:pPr algn="ctr"/>
+            <a:r>
+              <a:rPr lang="en-US"/>
+              <a:t>1</a:t>
+            </a:r>
+            <a:endParaRPr lang="en-US"/>
+          </a:p>
+        </p:txBody>
+      </p:sp>
+      <p:sp>
+        <p:nvSpPr>
+          <p:cNvPr id="15" name="Text Box 14"/>
+          <p:cNvSpPr txBox="1"/>
+          <p:nvPr/>
+        </p:nvSpPr>
+        <p:spPr>
+          <a:xfrm>
+            <a:off x="4966335" y="6470650"/>
+            <a:ext cx="5326380" cy="1198880"/>
+          </a:xfrm>
+          <a:prstGeom prst="rect">
+            <a:avLst/>
+          </a:prstGeom>
+          <a:noFill/>
+        </p:spPr>
+        <p:txBody>
+          <a:bodyPr wrap="none" rtlCol="0">
+            <a:spAutoFit/>
+          </a:bodyPr>
+          <a:p>
+            <a:r>
+              <a:rPr lang="en-US"/>
+              <a:t>1.  </a:t>
+            </a:r>
+            <a:r>
+              <a:rPr lang="zh-CN" altLang="en-US"/>
+              <a:t>记住指针 </a:t>
+            </a:r>
+            <a:r>
+              <a:rPr lang="en-US" altLang="zh-CN"/>
+              <a:t>Rotation</a:t>
+            </a:r>
+            <a:r>
+              <a:rPr lang="zh-CN" altLang="en-US">
+                <a:ea typeface="宋体" panose="02010600030101010101" pitchFamily="2" charset="-122"/>
+              </a:rPr>
+              <a:t>，旋转</a:t>
+            </a:r>
+            <a:r>
+              <a:rPr lang="en-US" altLang="zh-CN">
+                <a:ea typeface="宋体" panose="02010600030101010101" pitchFamily="2" charset="-122"/>
+              </a:rPr>
+              <a:t>30</a:t>
+            </a:r>
+            <a:r>
+              <a:rPr lang="zh-CN" altLang="en-US">
+                <a:ea typeface="宋体" panose="02010600030101010101" pitchFamily="2" charset="-122"/>
+              </a:rPr>
+              <a:t>度，确定圆点位置。</a:t>
+            </a:r>
+            <a:endParaRPr lang="zh-CN" altLang="en-US">
+              <a:ea typeface="宋体" panose="02010600030101010101" pitchFamily="2" charset="-122"/>
+            </a:endParaRPr>
+          </a:p>
+          <a:p>
+            <a:r>
+              <a:rPr lang="en-US" altLang="zh-CN">
+                <a:ea typeface="宋体" panose="02010600030101010101" pitchFamily="2" charset="-122"/>
+              </a:rPr>
+              <a:t>2. Spin </a:t>
+            </a:r>
+            <a:r>
+              <a:rPr lang="zh-CN" altLang="en-US">
+                <a:ea typeface="宋体" panose="02010600030101010101" pitchFamily="2" charset="-122"/>
+              </a:rPr>
+              <a:t>指针确定的角度</a:t>
+            </a:r>
+            <a:endParaRPr lang="zh-CN" altLang="en-US">
+              <a:ea typeface="宋体" panose="02010600030101010101" pitchFamily="2" charset="-122"/>
+            </a:endParaRPr>
+          </a:p>
+          <a:p>
+            <a:r>
+              <a:rPr lang="en-US" altLang="zh-CN">
+                <a:ea typeface="宋体" panose="02010600030101010101" pitchFamily="2" charset="-122"/>
+              </a:rPr>
+              <a:t>3. Zoom </a:t>
+            </a:r>
+            <a:r>
+              <a:rPr lang="zh-CN" altLang="en-US">
+                <a:ea typeface="宋体" panose="02010600030101010101" pitchFamily="2" charset="-122"/>
+              </a:rPr>
+              <a:t>圆点</a:t>
+            </a:r>
+            <a:endParaRPr lang="zh-CN" altLang="en-US">
+              <a:ea typeface="宋体" panose="02010600030101010101" pitchFamily="2" charset="-122"/>
+            </a:endParaRPr>
+          </a:p>
+          <a:p>
+            <a:r>
+              <a:rPr lang="en-US" altLang="zh-CN">
+                <a:ea typeface="宋体" panose="02010600030101010101" pitchFamily="2" charset="-122"/>
+              </a:rPr>
+              <a:t>4. Swipe </a:t>
+            </a:r>
+            <a:r>
+              <a:rPr lang="zh-CN" altLang="en-US">
+                <a:ea typeface="宋体" panose="02010600030101010101" pitchFamily="2" charset="-122"/>
+              </a:rPr>
+              <a:t>字体</a:t>
+            </a:r>
+            <a:r>
+              <a:rPr lang="en-US" altLang="zh-CN">
+                <a:ea typeface="宋体" panose="02010600030101010101" pitchFamily="2" charset="-122"/>
+              </a:rPr>
+              <a:t>From Left</a:t>
+            </a:r>
+            <a:endParaRPr lang="en-US" altLang="zh-CN">
+              <a:ea typeface="宋体" panose="02010600030101010101" pitchFamily="2" charset="-122"/>
+            </a:endParaRPr>
+          </a:p>
+        </p:txBody>
+      </p:sp>
+      <p:sp>
+        <p:nvSpPr>
+          <p:cNvPr id="16" name="Text Box 15"/>
+          <p:cNvSpPr txBox="1"/>
+          <p:nvPr/>
+        </p:nvSpPr>
+        <p:spPr>
+          <a:xfrm>
+            <a:off x="2761615" y="956945"/>
+            <a:ext cx="1325880" cy="645160"/>
+          </a:xfrm>
+          <a:prstGeom prst="rect">
+            <a:avLst/>
+          </a:prstGeom>
+          <a:noFill/>
+        </p:spPr>
+        <p:txBody>
+          <a:bodyPr wrap="none" rtlCol="0">
+            <a:spAutoFit/>
+          </a:bodyPr>
+          <a:p>
+            <a:pPr algn="l"/>
+            <a:r>
+              <a:rPr lang="en-US" altLang="zh-CN">
+                <a:ea typeface="宋体" panose="02010600030101010101" pitchFamily="2" charset="-122"/>
+                <a:sym typeface="+mn-ea"/>
+              </a:rPr>
+              <a:t>Swipe </a:t>
+            </a:r>
+            <a:r>
+              <a:rPr lang="zh-CN" altLang="en-US">
+                <a:ea typeface="宋体" panose="02010600030101010101" pitchFamily="2" charset="-122"/>
+                <a:sym typeface="+mn-ea"/>
+              </a:rPr>
+              <a:t>字体</a:t>
+            </a:r>
+            <a:endParaRPr lang="zh-CN" altLang="en-US">
+              <a:ea typeface="宋体" panose="02010600030101010101" pitchFamily="2" charset="-122"/>
+            </a:endParaRPr>
+          </a:p>
+          <a:p>
+            <a:endParaRPr lang="en-US"/>
+          </a:p>
+        </p:txBody>
+      </p:sp>
+      <p:sp>
+        <p:nvSpPr>
+          <p:cNvPr id="19" name="Oval 18"/>
+          <p:cNvSpPr/>
+          <p:nvPr/>
+        </p:nvSpPr>
+        <p:spPr>
+          <a:xfrm>
+            <a:off x="3081655" y="2446020"/>
+            <a:ext cx="686435" cy="686435"/>
+          </a:xfrm>
+          <a:prstGeom prst="ellipse">
+            <a:avLst/>
+          </a:prstGeom>
+          <a:effectLst/>
+        </p:spPr>
+        <p:style>
+          <a:lnRef idx="2">
+            <a:schemeClr val="accent1">
+              <a:shade val="50000"/>
+            </a:schemeClr>
+          </a:lnRef>
+          <a:fillRef idx="1">
+            <a:schemeClr val="accent1"/>
+          </a:fillRef>
+          <a:effectRef idx="0">
+            <a:schemeClr val="accent1"/>
+          </a:effectRef>
+          <a:fontRef idx="minor">
+            <a:schemeClr val="lt1"/>
+          </a:fontRef>
+        </p:style>
+        <p:txBody>
+          <a:bodyPr vertOverflow="overflow" horzOverflow="overflow" vert="horz" wrap="square" numCol="1" spcCol="0" rtlCol="0" fromWordArt="0" anchor="ctr" anchorCtr="0" forceAA="0" compatLnSpc="1">
+            <a:noAutofit/>
+          </a:bodyPr>
+          <a:p>
+            <a:pPr lvl="0" algn="ctr"/>
+            <a:r>
+              <a:rPr lang="en-US">
+                <a:sym typeface="+mn-ea"/>
+              </a:rPr>
+              <a:t>2</a:t>
+            </a:r>
+            <a:endParaRPr lang="en-US">
+              <a:sym typeface="+mn-ea"/>
+            </a:endParaRPr>
+          </a:p>
+        </p:txBody>
+      </p:sp>
+      <p:sp>
+        <p:nvSpPr>
+          <p:cNvPr id="20" name="Oval 19"/>
+          <p:cNvSpPr/>
+          <p:nvPr/>
+        </p:nvSpPr>
+        <p:spPr>
+          <a:xfrm>
+            <a:off x="3189605" y="4260215"/>
+            <a:ext cx="686435" cy="686435"/>
+          </a:xfrm>
+          <a:prstGeom prst="ellipse">
+            <a:avLst/>
+          </a:prstGeom>
+          <a:effectLst/>
+        </p:spPr>
+        <p:style>
+          <a:lnRef idx="2">
+            <a:schemeClr val="accent1">
+              <a:shade val="50000"/>
+            </a:schemeClr>
+          </a:lnRef>
+          <a:fillRef idx="1">
+            <a:schemeClr val="accent1"/>
+          </a:fillRef>
+          <a:effectRef idx="0">
+            <a:schemeClr val="accent1"/>
+          </a:effectRef>
+          <a:fontRef idx="minor">
+            <a:schemeClr val="lt1"/>
+          </a:fontRef>
+        </p:style>
+        <p:txBody>
+          <a:bodyPr rtlCol="0" anchor="ctr"/>
+          <a:p>
+            <a:pPr algn="ctr"/>
+            <a:r>
+              <a:rPr lang="en-US"/>
+              <a:t>3</a:t>
+            </a:r>
+            <a:endParaRPr lang="en-US"/>
+          </a:p>
+        </p:txBody>
+      </p:sp>
+      <p:sp>
+        <p:nvSpPr>
+          <p:cNvPr id="21" name="Text Box 20"/>
+          <p:cNvSpPr txBox="1"/>
+          <p:nvPr/>
+        </p:nvSpPr>
+        <p:spPr>
+          <a:xfrm>
+            <a:off x="3768090" y="2466340"/>
+            <a:ext cx="1325880" cy="645160"/>
+          </a:xfrm>
+          <a:prstGeom prst="rect">
+            <a:avLst/>
+          </a:prstGeom>
+          <a:noFill/>
+        </p:spPr>
+        <p:txBody>
+          <a:bodyPr wrap="none" rtlCol="0">
+            <a:spAutoFit/>
+          </a:bodyPr>
+          <a:p>
+            <a:pPr algn="l"/>
+            <a:r>
+              <a:rPr lang="en-US" altLang="zh-CN">
+                <a:ea typeface="宋体" panose="02010600030101010101" pitchFamily="2" charset="-122"/>
+                <a:sym typeface="+mn-ea"/>
+              </a:rPr>
+              <a:t>Swipe </a:t>
+            </a:r>
+            <a:r>
+              <a:rPr lang="zh-CN" altLang="en-US">
+                <a:ea typeface="宋体" panose="02010600030101010101" pitchFamily="2" charset="-122"/>
+                <a:sym typeface="+mn-ea"/>
+              </a:rPr>
+              <a:t>字体</a:t>
+            </a:r>
+            <a:endParaRPr lang="zh-CN" altLang="en-US">
+              <a:ea typeface="宋体" panose="02010600030101010101" pitchFamily="2" charset="-122"/>
+            </a:endParaRPr>
+          </a:p>
+          <a:p>
+            <a:endParaRPr lang="en-US"/>
+          </a:p>
+        </p:txBody>
+      </p:sp>
+      <p:sp>
+        <p:nvSpPr>
+          <p:cNvPr id="22" name="Text Box 21"/>
+          <p:cNvSpPr txBox="1"/>
+          <p:nvPr/>
+        </p:nvSpPr>
+        <p:spPr>
+          <a:xfrm>
+            <a:off x="3876040" y="4260215"/>
+            <a:ext cx="1325880" cy="645160"/>
+          </a:xfrm>
+          <a:prstGeom prst="rect">
+            <a:avLst/>
+          </a:prstGeom>
+          <a:noFill/>
+        </p:spPr>
+        <p:txBody>
+          <a:bodyPr wrap="none" rtlCol="0">
+            <a:spAutoFit/>
+          </a:bodyPr>
+          <a:p>
+            <a:pPr algn="l"/>
+            <a:r>
+              <a:rPr lang="en-US" altLang="zh-CN">
+                <a:ea typeface="宋体" panose="02010600030101010101" pitchFamily="2" charset="-122"/>
+                <a:sym typeface="+mn-ea"/>
+              </a:rPr>
+              <a:t>Swipe </a:t>
+            </a:r>
+            <a:r>
+              <a:rPr lang="zh-CN" altLang="en-US">
+                <a:ea typeface="宋体" panose="02010600030101010101" pitchFamily="2" charset="-122"/>
+                <a:sym typeface="+mn-ea"/>
+              </a:rPr>
+              <a:t>字体</a:t>
+            </a:r>
+            <a:endParaRPr lang="zh-CN" altLang="en-US">
+              <a:ea typeface="宋体" panose="02010600030101010101" pitchFamily="2" charset="-122"/>
+            </a:endParaRPr>
+          </a:p>
+          <a:p>
+            <a:endParaRPr lang="en-US"/>
+          </a:p>
+        </p:txBody>
+      </p:sp>
+    </p:spTree>
+  </p:cSld>
+  <p:clrMapOvr>
+    <a:masterClrMapping/>
+  </p:clrMapOvr>
+  <p:transition>
+    <p:push/>
+  </p:transition>
+  <p:timing>
+    <p:tnLst>
+      <p:par>
+        <p:cTn id="1" dur="indefinite" restart="never" nodeType="tmRoot">
+          <p:childTnLst>
+            <p:seq concurrent="1" nextAc="seek">
+              <p:cTn id="2" dur="indefinite" nodeType="mainSeq">
+                <p:childTnLst>
+                  <p:par>
+                    <p:cTn id="3" fill="hold">
+                      <p:stCondLst>
+                        <p:cond delay="indefinite"/>
+                      </p:stCondLst>
+                      <p:childTnLst>
+                        <p:par>
+                          <p:cTn id="4" fill="hold">
+                            <p:stCondLst>
+                              <p:cond delay="0"/>
+                            </p:stCondLst>
+                            <p:childTnLst>
+                              <p:par>
+                                <p:cTn id="5" presetID="22" presetClass="entr" presetSubtype="8" fill="hold" nodeType="clickEffect">
+                                  <p:stCondLst>
+                                    <p:cond delay="0"/>
+                                  </p:stCondLst>
+                                  <p:childTnLst>
+                                    <p:set>
+                                      <p:cBhvr>
+                                        <p:cTn id="6" dur="1" fill="hold">
+                                          <p:stCondLst>
+                                            <p:cond delay="0"/>
+                                          </p:stCondLst>
+                                        </p:cTn>
+                                        <p:tgtEl>
+                                          <p:spTgt spid="8"/>
+                                        </p:tgtEl>
+                                        <p:attrNameLst>
+                                          <p:attrName>style.visibility</p:attrName>
+                                        </p:attrNameLst>
+                                      </p:cBhvr>
+                                      <p:to>
+                                        <p:strVal val="visible"/>
+                                      </p:to>
+                                    </p:set>
+                                    <p:animEffect transition="in" filter="wipe(left)">
+                                      <p:cBhvr>
+                                        <p:cTn id="7" dur="300"/>
+                                        <p:tgtEl>
+                                          <p:spTgt spid="8"/>
+                                        </p:tgtEl>
+                                      </p:cBhvr>
+                                    </p:animEffect>
+                                  </p:childTnLst>
+                                </p:cTn>
+                              </p:par>
+                            </p:childTnLst>
+                          </p:cTn>
+                        </p:par>
+                        <p:par>
+                          <p:cTn id="8" fill="hold">
+                            <p:stCondLst>
+                              <p:cond delay="500"/>
+                            </p:stCondLst>
+                            <p:childTnLst>
+                              <p:par>
+                                <p:cTn id="9" presetID="23" presetClass="entr" presetSubtype="16" fill="hold" grpId="0" nodeType="afterEffect">
+                                  <p:stCondLst>
+                                    <p:cond delay="0"/>
+                                  </p:stCondLst>
+                                  <p:childTnLst>
+                                    <p:set>
+                                      <p:cBhvr>
+                                        <p:cTn id="10" dur="1" fill="hold">
+                                          <p:stCondLst>
+                                            <p:cond delay="0"/>
+                                          </p:stCondLst>
+                                        </p:cTn>
+                                        <p:tgtEl>
+                                          <p:spTgt spid="14"/>
+                                        </p:tgtEl>
+                                        <p:attrNameLst>
+                                          <p:attrName>style.visibility</p:attrName>
+                                        </p:attrNameLst>
+                                      </p:cBhvr>
+                                      <p:to>
+                                        <p:strVal val="visible"/>
+                                      </p:to>
+                                    </p:set>
+                                    <p:anim calcmode="lin" valueType="num">
+                                      <p:cBhvr>
+                                        <p:cTn id="11" dur="300" fill="hold"/>
+                                        <p:tgtEl>
+                                          <p:spTgt spid="14"/>
+                                        </p:tgtEl>
+                                        <p:attrNameLst>
+                                          <p:attrName>ppt_w</p:attrName>
+                                        </p:attrNameLst>
+                                      </p:cBhvr>
+                                      <p:tavLst>
+                                        <p:tav tm="0">
+                                          <p:val>
+                                            <p:fltVal val="0"/>
+                                          </p:val>
+                                        </p:tav>
+                                        <p:tav tm="100000">
+                                          <p:val>
+                                            <p:strVal val="#ppt_w"/>
+                                          </p:val>
+                                        </p:tav>
+                                      </p:tavLst>
+                                    </p:anim>
+                                    <p:anim calcmode="lin" valueType="num">
+                                      <p:cBhvr>
+                                        <p:cTn id="12" dur="300" fill="hold"/>
+                                        <p:tgtEl>
+                                          <p:spTgt spid="14"/>
+                                        </p:tgtEl>
+                                        <p:attrNameLst>
+                                          <p:attrName>ppt_h</p:attrName>
+                                        </p:attrNameLst>
+                                      </p:cBhvr>
+                                      <p:tavLst>
+                                        <p:tav tm="0">
+                                          <p:val>
+                                            <p:fltVal val="0"/>
+                                          </p:val>
+                                        </p:tav>
+                                        <p:tav tm="100000">
+                                          <p:val>
+                                            <p:strVal val="#ppt_h"/>
+                                          </p:val>
+                                        </p:tav>
+                                      </p:tavLst>
+                                    </p:anim>
+                                  </p:childTnLst>
+                                </p:cTn>
+                              </p:par>
+                            </p:childTnLst>
+                          </p:cTn>
+                        </p:par>
+                        <p:par>
+                          <p:cTn id="13" fill="hold">
+                            <p:stCondLst>
+                              <p:cond delay="1000"/>
+                            </p:stCondLst>
+                            <p:childTnLst>
+                              <p:par>
+                                <p:cTn id="14" presetID="22" presetClass="entr" presetSubtype="4" fill="hold" grpId="0" nodeType="afterEffect">
+                                  <p:stCondLst>
+                                    <p:cond delay="0"/>
+                                  </p:stCondLst>
+                                  <p:childTnLst>
+                                    <p:set>
+                                      <p:cBhvr>
+                                        <p:cTn id="15" dur="1" fill="hold">
+                                          <p:stCondLst>
+                                            <p:cond delay="0"/>
+                                          </p:stCondLst>
+                                        </p:cTn>
+                                        <p:tgtEl>
+                                          <p:spTgt spid="16"/>
+                                        </p:tgtEl>
+                                        <p:attrNameLst>
+                                          <p:attrName>style.visibility</p:attrName>
+                                        </p:attrNameLst>
+                                      </p:cBhvr>
+                                      <p:to>
+                                        <p:strVal val="visible"/>
+                                      </p:to>
+                                    </p:set>
+                                    <p:animEffect transition="in" filter="wipe(down)">
+                                      <p:cBhvr>
+                                        <p:cTn id="16" dur="300"/>
+                                        <p:tgtEl>
+                                          <p:spTgt spid="16"/>
+                                        </p:tgtEl>
+                                      </p:cBhvr>
+                                    </p:animEffect>
+                                  </p:childTnLst>
+                                </p:cTn>
+                              </p:par>
+                            </p:childTnLst>
+                          </p:cTn>
+                        </p:par>
+                      </p:childTnLst>
+                    </p:cTn>
+                  </p:par>
+                  <p:par>
+                    <p:cTn id="17" fill="hold">
+                      <p:stCondLst>
+                        <p:cond delay="indefinite"/>
+                      </p:stCondLst>
+                      <p:childTnLst>
+                        <p:par>
+                          <p:cTn id="18" fill="hold">
+                            <p:stCondLst>
+                              <p:cond delay="0"/>
+                            </p:stCondLst>
+                            <p:childTnLst>
+                              <p:par>
+                                <p:cTn id="19" presetID="8" presetClass="emph" presetSubtype="0" fill="hold" nodeType="clickEffect">
+                                  <p:stCondLst>
+                                    <p:cond delay="0"/>
+                                  </p:stCondLst>
+                                  <p:childTnLst>
+                                    <p:animRot by="1800000">
+                                      <p:cBhvr>
+                                        <p:cTn id="20" dur="300" fill="hold"/>
+                                        <p:tgtEl>
+                                          <p:spTgt spid="8"/>
+                                        </p:tgtEl>
+                                        <p:attrNameLst>
+                                          <p:attrName>r</p:attrName>
+                                        </p:attrNameLst>
+                                      </p:cBhvr>
+                                    </p:animRot>
+                                  </p:childTnLst>
+                                </p:cTn>
+                              </p:par>
+                            </p:childTnLst>
+                          </p:cTn>
+                        </p:par>
+                        <p:par>
+                          <p:cTn id="21" fill="hold">
+                            <p:stCondLst>
+                              <p:cond delay="500"/>
+                            </p:stCondLst>
+                            <p:childTnLst>
+                              <p:par>
+                                <p:cTn id="22" presetID="23" presetClass="entr" presetSubtype="16" fill="hold" grpId="0" nodeType="afterEffect">
+                                  <p:stCondLst>
+                                    <p:cond delay="0"/>
+                                  </p:stCondLst>
+                                  <p:childTnLst>
+                                    <p:set>
+                                      <p:cBhvr>
+                                        <p:cTn id="23" dur="1" fill="hold">
+                                          <p:stCondLst>
+                                            <p:cond delay="0"/>
+                                          </p:stCondLst>
+                                        </p:cTn>
+                                        <p:tgtEl>
+                                          <p:spTgt spid="19"/>
+                                        </p:tgtEl>
+                                        <p:attrNameLst>
+                                          <p:attrName>style.visibility</p:attrName>
+                                        </p:attrNameLst>
+                                      </p:cBhvr>
+                                      <p:to>
+                                        <p:strVal val="visible"/>
+                                      </p:to>
+                                    </p:set>
+                                    <p:anim calcmode="lin" valueType="num">
+                                      <p:cBhvr>
+                                        <p:cTn id="24" dur="300" fill="hold"/>
+                                        <p:tgtEl>
+                                          <p:spTgt spid="19"/>
+                                        </p:tgtEl>
+                                        <p:attrNameLst>
+                                          <p:attrName>ppt_w</p:attrName>
+                                        </p:attrNameLst>
+                                      </p:cBhvr>
+                                      <p:tavLst>
+                                        <p:tav tm="0">
+                                          <p:val>
+                                            <p:fltVal val="0"/>
+                                          </p:val>
+                                        </p:tav>
+                                        <p:tav tm="100000">
+                                          <p:val>
+                                            <p:strVal val="#ppt_w"/>
+                                          </p:val>
+                                        </p:tav>
+                                      </p:tavLst>
+                                    </p:anim>
+                                    <p:anim calcmode="lin" valueType="num">
+                                      <p:cBhvr>
+                                        <p:cTn id="25" dur="300" fill="hold"/>
+                                        <p:tgtEl>
+                                          <p:spTgt spid="19"/>
+                                        </p:tgtEl>
+                                        <p:attrNameLst>
+                                          <p:attrName>ppt_h</p:attrName>
+                                        </p:attrNameLst>
+                                      </p:cBhvr>
+                                      <p:tavLst>
+                                        <p:tav tm="0">
+                                          <p:val>
+                                            <p:fltVal val="0"/>
+                                          </p:val>
+                                        </p:tav>
+                                        <p:tav tm="100000">
+                                          <p:val>
+                                            <p:strVal val="#ppt_h"/>
+                                          </p:val>
+                                        </p:tav>
+                                      </p:tavLst>
+                                    </p:anim>
+                                  </p:childTnLst>
+                                </p:cTn>
+                              </p:par>
+                            </p:childTnLst>
+                          </p:cTn>
+                        </p:par>
+                        <p:par>
+                          <p:cTn id="26" fill="hold">
+                            <p:stCondLst>
+                              <p:cond delay="1000"/>
+                            </p:stCondLst>
+                            <p:childTnLst>
+                              <p:par>
+                                <p:cTn id="27" presetID="22" presetClass="entr" presetSubtype="8" fill="hold" grpId="0" nodeType="afterEffect">
+                                  <p:stCondLst>
+                                    <p:cond delay="0"/>
+                                  </p:stCondLst>
+                                  <p:childTnLst>
+                                    <p:set>
+                                      <p:cBhvr>
+                                        <p:cTn id="28" dur="1" fill="hold">
+                                          <p:stCondLst>
+                                            <p:cond delay="0"/>
+                                          </p:stCondLst>
+                                        </p:cTn>
+                                        <p:tgtEl>
+                                          <p:spTgt spid="21"/>
+                                        </p:tgtEl>
+                                        <p:attrNameLst>
+                                          <p:attrName>style.visibility</p:attrName>
+                                        </p:attrNameLst>
+                                      </p:cBhvr>
+                                      <p:to>
+                                        <p:strVal val="visible"/>
+                                      </p:to>
+                                    </p:set>
+                                    <p:animEffect transition="in" filter="wipe(left)">
+                                      <p:cBhvr>
+                                        <p:cTn id="29" dur="300"/>
+                                        <p:tgtEl>
+                                          <p:spTgt spid="21"/>
+                                        </p:tgtEl>
+                                      </p:cBhvr>
+                                    </p:animEffect>
+                                  </p:childTnLst>
+                                </p:cTn>
+                              </p:par>
+                            </p:childTnLst>
+                          </p:cTn>
+                        </p:par>
+                      </p:childTnLst>
+                    </p:cTn>
+                  </p:par>
+                  <p:par>
+                    <p:cTn id="30" fill="hold">
+                      <p:stCondLst>
+                        <p:cond delay="indefinite"/>
+                      </p:stCondLst>
+                      <p:childTnLst>
+                        <p:par>
+                          <p:cTn id="31" fill="hold">
+                            <p:stCondLst>
+                              <p:cond delay="0"/>
+                            </p:stCondLst>
+                            <p:childTnLst>
+                              <p:par>
+                                <p:cTn id="32" presetID="8" presetClass="emph" presetSubtype="0" fill="hold" nodeType="clickEffect">
+                                  <p:stCondLst>
+                                    <p:cond delay="0"/>
+                                  </p:stCondLst>
+                                  <p:childTnLst>
+                                    <p:animRot by="1800000">
+                                      <p:cBhvr>
+                                        <p:cTn id="33" dur="300" fill="hold"/>
+                                        <p:tgtEl>
+                                          <p:spTgt spid="8"/>
+                                        </p:tgtEl>
+                                        <p:attrNameLst>
+                                          <p:attrName>r</p:attrName>
+                                        </p:attrNameLst>
+                                      </p:cBhvr>
+                                    </p:animRot>
+                                  </p:childTnLst>
+                                </p:cTn>
+                              </p:par>
+                            </p:childTnLst>
+                          </p:cTn>
+                        </p:par>
+                        <p:par>
+                          <p:cTn id="34" fill="hold">
+                            <p:stCondLst>
+                              <p:cond delay="500"/>
+                            </p:stCondLst>
+                            <p:childTnLst>
+                              <p:par>
+                                <p:cTn id="35" presetID="23" presetClass="entr" presetSubtype="16" fill="hold" grpId="0" nodeType="afterEffect">
+                                  <p:stCondLst>
+                                    <p:cond delay="0"/>
+                                  </p:stCondLst>
+                                  <p:childTnLst>
+                                    <p:set>
+                                      <p:cBhvr>
+                                        <p:cTn id="36" dur="1" fill="hold">
+                                          <p:stCondLst>
+                                            <p:cond delay="0"/>
+                                          </p:stCondLst>
+                                        </p:cTn>
+                                        <p:tgtEl>
+                                          <p:spTgt spid="20"/>
+                                        </p:tgtEl>
+                                        <p:attrNameLst>
+                                          <p:attrName>style.visibility</p:attrName>
+                                        </p:attrNameLst>
+                                      </p:cBhvr>
+                                      <p:to>
+                                        <p:strVal val="visible"/>
+                                      </p:to>
+                                    </p:set>
+                                    <p:anim calcmode="lin" valueType="num">
+                                      <p:cBhvr>
+                                        <p:cTn id="37" dur="300" fill="hold"/>
+                                        <p:tgtEl>
+                                          <p:spTgt spid="20"/>
+                                        </p:tgtEl>
+                                        <p:attrNameLst>
+                                          <p:attrName>ppt_w</p:attrName>
+                                        </p:attrNameLst>
+                                      </p:cBhvr>
+                                      <p:tavLst>
+                                        <p:tav tm="0">
+                                          <p:val>
+                                            <p:fltVal val="0"/>
+                                          </p:val>
+                                        </p:tav>
+                                        <p:tav tm="100000">
+                                          <p:val>
+                                            <p:strVal val="#ppt_w"/>
+                                          </p:val>
+                                        </p:tav>
+                                      </p:tavLst>
+                                    </p:anim>
+                                    <p:anim calcmode="lin" valueType="num">
+                                      <p:cBhvr>
+                                        <p:cTn id="38" dur="300" fill="hold"/>
+                                        <p:tgtEl>
+                                          <p:spTgt spid="20"/>
+                                        </p:tgtEl>
+                                        <p:attrNameLst>
+                                          <p:attrName>ppt_h</p:attrName>
+                                        </p:attrNameLst>
+                                      </p:cBhvr>
+                                      <p:tavLst>
+                                        <p:tav tm="0">
+                                          <p:val>
+                                            <p:fltVal val="0"/>
+                                          </p:val>
+                                        </p:tav>
+                                        <p:tav tm="100000">
+                                          <p:val>
+                                            <p:strVal val="#ppt_h"/>
+                                          </p:val>
+                                        </p:tav>
+                                      </p:tavLst>
+                                    </p:anim>
+                                  </p:childTnLst>
+                                </p:cTn>
+                              </p:par>
+                            </p:childTnLst>
+                          </p:cTn>
+                        </p:par>
+                        <p:par>
+                          <p:cTn id="39" fill="hold">
+                            <p:stCondLst>
+                              <p:cond delay="1000"/>
+                            </p:stCondLst>
+                            <p:childTnLst>
+                              <p:par>
+                                <p:cTn id="40" presetID="22" presetClass="entr" presetSubtype="8" fill="hold" grpId="0" nodeType="afterEffect">
+                                  <p:stCondLst>
+                                    <p:cond delay="0"/>
+                                  </p:stCondLst>
+                                  <p:childTnLst>
+                                    <p:set>
+                                      <p:cBhvr>
+                                        <p:cTn id="41" dur="1" fill="hold">
+                                          <p:stCondLst>
+                                            <p:cond delay="0"/>
+                                          </p:stCondLst>
+                                        </p:cTn>
+                                        <p:tgtEl>
+                                          <p:spTgt spid="22"/>
+                                        </p:tgtEl>
+                                        <p:attrNameLst>
+                                          <p:attrName>style.visibility</p:attrName>
+                                        </p:attrNameLst>
+                                      </p:cBhvr>
+                                      <p:to>
+                                        <p:strVal val="visible"/>
+                                      </p:to>
+                                    </p:set>
+                                    <p:animEffect transition="in" filter="wipe(left)">
+                                      <p:cBhvr>
+                                        <p:cTn id="42" dur="500"/>
+                                        <p:tgtEl>
+                                          <p:spTgt spid="22"/>
+                                        </p:tgtEl>
+                                      </p:cBhvr>
+                                    </p:animEffect>
+                                  </p:childTnLst>
+                                </p:cTn>
+                              </p:par>
+                            </p:childTnLst>
+                          </p:cTn>
+                        </p:par>
+                      </p:childTnLst>
+                    </p:cTn>
+                  </p:par>
+                </p:childTnLst>
+              </p:cTn>
+              <p:prevCondLst>
+                <p:cond evt="onPrev" delay="0">
+                  <p:tgtEl>
+                    <p:sldTgt/>
+                  </p:tgtEl>
+                </p:cond>
+              </p:prevCondLst>
+              <p:nextCondLst>
+                <p:cond evt="onNext" delay="0">
+                  <p:tgtEl>
+                    <p:sldTgt/>
+                  </p:tgtEl>
+                </p:cond>
+              </p:nextCondLst>
+            </p:seq>
+          </p:childTnLst>
+        </p:cTn>
+      </p:par>
+    </p:tnLst>
+    <p:bldLst>
+      <p:bldP spid="14" grpId="0" animBg="1"/>
+      <p:bldP spid="16" grpId="0"/>
+      <p:bldP spid="19" grpId="0" animBg="1"/>
+      <p:bldP spid="21" grpId="0"/>
+      <p:bldP spid="20" grpId="0" animBg="1"/>
+      <p:bldP spid="22" grpId="0"/>
+    </p:bldLst>
+  </p:timing>
+</p:sld>
+</file>
+
+<file path=ppt/slides/slide7.xml><?xml version="1.0" encoding="utf-8"?>
+<p:sld xmlns:a="http://schemas.openxmlformats.org/drawingml/2006/main" xmlns:r="http://schemas.openxmlformats.org/officeDocument/2006/relationships" xmlns:p="http://schemas.openxmlformats.org/presentationml/2006/main">
+  <p:cSld>
+    <p:spTree>
+      <p:nvGrpSpPr>
+        <p:cNvPr id="1" name=""/>
+        <p:cNvGrpSpPr/>
+        <p:nvPr/>
+      </p:nvGrpSpPr>
+      <p:grpSpPr/>
+      <p:sp>
+        <p:nvSpPr>
+          <p:cNvPr id="2" name="Title 1"/>
+          <p:cNvSpPr>
+            <a:spLocks noGrp="1"/>
+          </p:cNvSpPr>
+          <p:nvPr>
+            <p:ph type="title"/>
+          </p:nvPr>
+        </p:nvSpPr>
+        <p:spPr/>
+        <p:txBody>
+          <a:bodyPr/>
+          <a:p>
+            <a:r>
+              <a:rPr lang="zh-CN" altLang="en-US"/>
+              <a:t>谢谢</a:t>
+            </a:r>
+            <a:endParaRPr lang="zh-CN" altLang="en-US"/>
+          </a:p>
+        </p:txBody>
+      </p:sp>
+      <p:sp>
+        <p:nvSpPr>
+          <p:cNvPr id="3" name="Oval 2"/>
+          <p:cNvSpPr/>
+          <p:nvPr/>
+        </p:nvSpPr>
+        <p:spPr>
+          <a:xfrm>
+            <a:off x="4147185" y="2143760"/>
+            <a:ext cx="3783965" cy="3783965"/>
+          </a:xfrm>
+          <a:prstGeom prst="ellipse">
+            <a:avLst/>
+          </a:prstGeom>
+          <a:solidFill>
+            <a:srgbClr val="FFC000"/>
+          </a:solidFill>
+          <a:ln>
+            <a:noFill/>
+          </a:ln>
+        </p:spPr>
+        <p:style>
+          <a:lnRef idx="2">
+            <a:schemeClr val="accent1">
+              <a:shade val="50000"/>
+            </a:schemeClr>
+          </a:lnRef>
+          <a:fillRef idx="1">
+            <a:schemeClr val="accent1"/>
+          </a:fillRef>
+          <a:effectRef idx="0">
+            <a:schemeClr val="accent1"/>
+          </a:effectRef>
+          <a:fontRef idx="minor">
+            <a:schemeClr val="lt1"/>
+          </a:fontRef>
+        </p:style>
+        <p:txBody>
+          <a:bodyPr rtlCol="0" anchor="ctr"/>
+          <a:p>
+            <a:pPr algn="ctr"/>
+            <a:endParaRPr lang="en-US"/>
+          </a:p>
+        </p:txBody>
+      </p:sp>
+      <p:sp>
+        <p:nvSpPr>
+          <p:cNvPr id="5" name="Oval 4"/>
+          <p:cNvSpPr/>
+          <p:nvPr/>
+        </p:nvSpPr>
+        <p:spPr>
+          <a:xfrm>
+            <a:off x="4893945" y="3368040"/>
+            <a:ext cx="300355" cy="300355"/>
+          </a:xfrm>
+          <a:prstGeom prst="ellipse">
+            <a:avLst/>
+          </a:prstGeom>
+          <a:solidFill>
+            <a:schemeClr val="tx1"/>
+          </a:solidFill>
+          <a:ln>
+            <a:noFill/>
+          </a:ln>
+        </p:spPr>
+        <p:style>
+          <a:lnRef idx="2">
+            <a:schemeClr val="accent1">
+              <a:shade val="50000"/>
+            </a:schemeClr>
+          </a:lnRef>
+          <a:fillRef idx="1">
+            <a:schemeClr val="accent1"/>
+          </a:fillRef>
+          <a:effectRef idx="0">
+            <a:schemeClr val="accent1"/>
+          </a:effectRef>
+          <a:fontRef idx="minor">
+            <a:schemeClr val="lt1"/>
+          </a:fontRef>
+        </p:style>
+        <p:txBody>
+          <a:bodyPr rtlCol="0" anchor="ctr"/>
+          <a:p>
+            <a:pPr algn="ctr"/>
+            <a:endParaRPr lang="en-US"/>
+          </a:p>
+        </p:txBody>
+      </p:sp>
+      <p:sp>
+        <p:nvSpPr>
+          <p:cNvPr id="6" name="Oval 5"/>
+          <p:cNvSpPr/>
+          <p:nvPr/>
+        </p:nvSpPr>
+        <p:spPr>
+          <a:xfrm>
+            <a:off x="6941820" y="3368040"/>
+            <a:ext cx="300355" cy="300355"/>
+          </a:xfrm>
+          <a:prstGeom prst="ellipse">
+            <a:avLst/>
+          </a:prstGeom>
+          <a:solidFill>
+            <a:schemeClr val="tx1"/>
+          </a:solidFill>
+          <a:ln>
+            <a:noFill/>
+          </a:ln>
+        </p:spPr>
+        <p:style>
+          <a:lnRef idx="2">
+            <a:schemeClr val="accent1">
+              <a:shade val="50000"/>
+            </a:schemeClr>
+          </a:lnRef>
+          <a:fillRef idx="1">
+            <a:schemeClr val="accent1"/>
+          </a:fillRef>
+          <a:effectRef idx="0">
+            <a:schemeClr val="accent1"/>
+          </a:effectRef>
+          <a:fontRef idx="minor">
+            <a:schemeClr val="lt1"/>
+          </a:fontRef>
+        </p:style>
+        <p:txBody>
+          <a:bodyPr rtlCol="0" anchor="ctr"/>
+          <a:p>
+            <a:pPr algn="ctr"/>
+            <a:endParaRPr lang="en-US"/>
+          </a:p>
+        </p:txBody>
+      </p:sp>
+      <p:sp>
+        <p:nvSpPr>
+          <p:cNvPr id="7" name="Arc 6"/>
+          <p:cNvSpPr/>
+          <p:nvPr/>
+        </p:nvSpPr>
+        <p:spPr>
+          <a:xfrm rot="9420000">
+            <a:off x="4736465" y="2710815"/>
+            <a:ext cx="2719070" cy="2491105"/>
+          </a:xfrm>
+          <a:prstGeom prst="arc">
+            <a:avLst>
+              <a:gd name="adj1" fmla="val 13677330"/>
+              <a:gd name="adj2" fmla="val 0"/>
+            </a:avLst>
+          </a:prstGeom>
+          <a:ln w="76200" cap="rnd">
+            <a:solidFill>
+              <a:schemeClr val="tx1"/>
+            </a:solidFill>
+            <a:round/>
+          </a:ln>
+        </p:spPr>
+        <p:style>
+          <a:lnRef idx="1">
+            <a:schemeClr val="accent1"/>
+          </a:lnRef>
+          <a:fillRef idx="0">
+            <a:schemeClr val="accent1"/>
+          </a:fillRef>
+          <a:effectRef idx="0">
+            <a:schemeClr val="accent1"/>
+          </a:effectRef>
+          <a:fontRef idx="minor">
+            <a:schemeClr val="tx1"/>
+          </a:fontRef>
+        </p:style>
+        <p:txBody>
+          <a:bodyPr rtlCol="0" anchor="ctr"/>
+          <a:p>
+            <a:pPr algn="ctr"/>
+            <a:endParaRPr lang="en-US"/>
+          </a:p>
+        </p:txBody>
+      </p:sp>
+      <p:cxnSp>
+        <p:nvCxnSpPr>
+          <p:cNvPr id="8" name="Straight Connector 7"/>
+          <p:cNvCxnSpPr/>
+          <p:nvPr/>
+        </p:nvCxnSpPr>
+        <p:spPr>
+          <a:xfrm flipV="1">
+            <a:off x="4785360" y="4465955"/>
+            <a:ext cx="108585" cy="48260"/>
+          </a:xfrm>
+          <a:prstGeom prst="line">
+            <a:avLst/>
+          </a:prstGeom>
+          <a:ln w="76200" cap="rnd">
+            <a:solidFill>
+              <a:schemeClr val="tx1"/>
+            </a:solidFill>
+            <a:round/>
+          </a:ln>
+        </p:spPr>
+        <p:style>
+          <a:lnRef idx="1">
+            <a:schemeClr val="accent1"/>
+          </a:lnRef>
+          <a:fillRef idx="0">
+            <a:schemeClr val="accent1"/>
+          </a:fillRef>
+          <a:effectRef idx="0">
+            <a:schemeClr val="accent1"/>
+          </a:effectRef>
+          <a:fontRef idx="minor">
+            <a:schemeClr val="tx1"/>
+          </a:fontRef>
+        </p:style>
+      </p:cxnSp>
+      <p:cxnSp>
+        <p:nvCxnSpPr>
+          <p:cNvPr id="9" name="Straight Connector 8"/>
+          <p:cNvCxnSpPr/>
+          <p:nvPr/>
+        </p:nvCxnSpPr>
+        <p:spPr>
+          <a:xfrm flipH="1" flipV="1">
+            <a:off x="7242175" y="4430395"/>
+            <a:ext cx="105410" cy="46355"/>
+          </a:xfrm>
+          <a:prstGeom prst="line">
+            <a:avLst/>
+          </a:prstGeom>
+          <a:ln w="76200" cap="rnd">
+            <a:solidFill>
+              <a:schemeClr val="tx1"/>
+            </a:solidFill>
+            <a:round/>
+          </a:ln>
+        </p:spPr>
+        <p:style>
+          <a:lnRef idx="1">
+            <a:schemeClr val="accent1"/>
+          </a:lnRef>
+          <a:fillRef idx="0">
+            <a:schemeClr val="accent1"/>
+          </a:fillRef>
+          <a:effectRef idx="0">
+            <a:schemeClr val="accent1"/>
+          </a:effectRef>
+          <a:fontRef idx="minor">
+            <a:schemeClr val="tx1"/>
+          </a:fontRef>
+        </p:style>
+      </p:cxnSp>
+    </p:spTree>
+  </p:cSld>
+  <p:clrMapOvr>
+    <a:masterClrMapping/>
+  </p:clrMapOvr>
+  <p:timing>
+    <p:tnLst>
+      <p:par>
+        <p:cTn id="1" dur="indefinite" restart="never" nodeType="tmRoot">
+          <p:childTnLst>
+            <p:seq concurrent="1" nextAc="seek">
+              <p:cTn id="2" dur="indefinite" nodeType="mainSeq">
+                <p:childTnLst>
+                  <p:par>
+                    <p:cTn id="3" fill="hold">
+                      <p:stCondLst>
+                        <p:cond delay="indefinite"/>
+                        <p:cond evt="onBegin" delay="0">
+                          <p:tn val="2"/>
+                        </p:cond>
+                      </p:stCondLst>
+                      <p:childTnLst>
+                        <p:par>
+                          <p:cTn id="4" fill="hold">
+                            <p:stCondLst>
+                              <p:cond delay="0"/>
+                            </p:stCondLst>
+                            <p:childTnLst>
+                              <p:par>
+                                <p:cTn id="5" presetID="23" presetClass="entr" presetSubtype="16" fill="hold" grpId="0" nodeType="withEffect">
+                                  <p:stCondLst>
+                                    <p:cond delay="0"/>
+                                  </p:stCondLst>
+                                  <p:childTnLst>
+                                    <p:set>
+                                      <p:cBhvr>
+                                        <p:cTn id="6" dur="1" fill="hold">
+                                          <p:stCondLst>
+                                            <p:cond delay="0"/>
+                                          </p:stCondLst>
+                                        </p:cTn>
+                                        <p:tgtEl>
+                                          <p:spTgt spid="3"/>
+                                        </p:tgtEl>
+                                        <p:attrNameLst>
+                                          <p:attrName>style.visibility</p:attrName>
+                                        </p:attrNameLst>
+                                      </p:cBhvr>
+                                      <p:to>
+                                        <p:strVal val="visible"/>
+                                      </p:to>
+                                    </p:set>
+                                    <p:anim calcmode="lin" valueType="num">
+                                      <p:cBhvr>
+                                        <p:cTn id="7" dur="300" fill="hold"/>
+                                        <p:tgtEl>
+                                          <p:spTgt spid="3"/>
+                                        </p:tgtEl>
+                                        <p:attrNameLst>
+                                          <p:attrName>ppt_w</p:attrName>
+                                        </p:attrNameLst>
+                                      </p:cBhvr>
+                                      <p:tavLst>
+                                        <p:tav tm="0">
+                                          <p:val>
+                                            <p:fltVal val="0"/>
+                                          </p:val>
+                                        </p:tav>
+                                        <p:tav tm="100000">
+                                          <p:val>
+                                            <p:strVal val="#ppt_w"/>
+                                          </p:val>
+                                        </p:tav>
+                                      </p:tavLst>
+                                    </p:anim>
+                                    <p:anim calcmode="lin" valueType="num">
+                                      <p:cBhvr>
+                                        <p:cTn id="8" dur="300" fill="hold"/>
+                                        <p:tgtEl>
+                                          <p:spTgt spid="3"/>
+                                        </p:tgtEl>
+                                        <p:attrNameLst>
+                                          <p:attrName>ppt_h</p:attrName>
+                                        </p:attrNameLst>
+                                      </p:cBhvr>
+                                      <p:tavLst>
+                                        <p:tav tm="0">
+                                          <p:val>
+                                            <p:fltVal val="0"/>
+                                          </p:val>
+                                        </p:tav>
+                                        <p:tav tm="100000">
+                                          <p:val>
+                                            <p:strVal val="#ppt_h"/>
+                                          </p:val>
+                                        </p:tav>
+                                      </p:tavLst>
+                                    </p:anim>
+                                  </p:childTnLst>
+                                </p:cTn>
+                              </p:par>
+                            </p:childTnLst>
+                          </p:cTn>
+                        </p:par>
+                        <p:par>
+                          <p:cTn id="9" fill="hold">
+                            <p:stCondLst>
+                              <p:cond delay="500"/>
+                            </p:stCondLst>
+                            <p:childTnLst>
+                              <p:par>
+                                <p:cTn id="10" presetID="23" presetClass="entr" presetSubtype="16" fill="hold" grpId="0" nodeType="afterEffect">
+                                  <p:stCondLst>
+                                    <p:cond delay="0"/>
+                                  </p:stCondLst>
+                                  <p:childTnLst>
+                                    <p:set>
+                                      <p:cBhvr>
+                                        <p:cTn id="11" dur="1" fill="hold">
+                                          <p:stCondLst>
+                                            <p:cond delay="0"/>
+                                          </p:stCondLst>
+                                        </p:cTn>
+                                        <p:tgtEl>
+                                          <p:spTgt spid="5"/>
+                                        </p:tgtEl>
+                                        <p:attrNameLst>
+                                          <p:attrName>style.visibility</p:attrName>
+                                        </p:attrNameLst>
+                                      </p:cBhvr>
+                                      <p:to>
+                                        <p:strVal val="visible"/>
+                                      </p:to>
+                                    </p:set>
+                                    <p:anim calcmode="lin" valueType="num">
+                                      <p:cBhvr>
+                                        <p:cTn id="12" dur="300" fill="hold"/>
+                                        <p:tgtEl>
+                                          <p:spTgt spid="5"/>
+                                        </p:tgtEl>
+                                        <p:attrNameLst>
+                                          <p:attrName>ppt_w</p:attrName>
+                                        </p:attrNameLst>
+                                      </p:cBhvr>
+                                      <p:tavLst>
+                                        <p:tav tm="0">
+                                          <p:val>
+                                            <p:fltVal val="0"/>
+                                          </p:val>
+                                        </p:tav>
+                                        <p:tav tm="100000">
+                                          <p:val>
+                                            <p:strVal val="#ppt_w"/>
+                                          </p:val>
+                                        </p:tav>
+                                      </p:tavLst>
+                                    </p:anim>
+                                    <p:anim calcmode="lin" valueType="num">
+                                      <p:cBhvr>
+                                        <p:cTn id="13" dur="300" fill="hold"/>
+                                        <p:tgtEl>
+                                          <p:spTgt spid="5"/>
+                                        </p:tgtEl>
+                                        <p:attrNameLst>
+                                          <p:attrName>ppt_h</p:attrName>
+                                        </p:attrNameLst>
+                                      </p:cBhvr>
+                                      <p:tavLst>
+                                        <p:tav tm="0">
+                                          <p:val>
+                                            <p:fltVal val="0"/>
+                                          </p:val>
+                                        </p:tav>
+                                        <p:tav tm="100000">
+                                          <p:val>
+                                            <p:strVal val="#ppt_h"/>
+                                          </p:val>
+                                        </p:tav>
+                                      </p:tavLst>
+                                    </p:anim>
+                                  </p:childTnLst>
+                                </p:cTn>
+                              </p:par>
+                            </p:childTnLst>
+                          </p:cTn>
+                        </p:par>
+                        <p:par>
+                          <p:cTn id="14" fill="hold">
+                            <p:stCondLst>
+                              <p:cond delay="1000"/>
+                            </p:stCondLst>
+                            <p:childTnLst>
+                              <p:par>
+                                <p:cTn id="15" presetID="23" presetClass="entr" presetSubtype="16" fill="hold" grpId="0" nodeType="afterEffect">
+                                  <p:stCondLst>
+                                    <p:cond delay="0"/>
+                                  </p:stCondLst>
+                                  <p:childTnLst>
+                                    <p:set>
+                                      <p:cBhvr>
+                                        <p:cTn id="16" dur="1" fill="hold">
+                                          <p:stCondLst>
+                                            <p:cond delay="0"/>
+                                          </p:stCondLst>
+                                        </p:cTn>
+                                        <p:tgtEl>
+                                          <p:spTgt spid="6"/>
+                                        </p:tgtEl>
+                                        <p:attrNameLst>
+                                          <p:attrName>style.visibility</p:attrName>
+                                        </p:attrNameLst>
+                                      </p:cBhvr>
+                                      <p:to>
+                                        <p:strVal val="visible"/>
+                                      </p:to>
+                                    </p:set>
+                                    <p:anim calcmode="lin" valueType="num">
+                                      <p:cBhvr>
+                                        <p:cTn id="17" dur="300" fill="hold"/>
+                                        <p:tgtEl>
+                                          <p:spTgt spid="6"/>
+                                        </p:tgtEl>
+                                        <p:attrNameLst>
+                                          <p:attrName>ppt_w</p:attrName>
+                                        </p:attrNameLst>
+                                      </p:cBhvr>
+                                      <p:tavLst>
+                                        <p:tav tm="0">
+                                          <p:val>
+                                            <p:fltVal val="0"/>
+                                          </p:val>
+                                        </p:tav>
+                                        <p:tav tm="100000">
+                                          <p:val>
+                                            <p:strVal val="#ppt_w"/>
+                                          </p:val>
+                                        </p:tav>
+                                      </p:tavLst>
+                                    </p:anim>
+                                    <p:anim calcmode="lin" valueType="num">
+                                      <p:cBhvr>
+                                        <p:cTn id="18" dur="300" fill="hold"/>
+                                        <p:tgtEl>
+                                          <p:spTgt spid="6"/>
+                                        </p:tgtEl>
+                                        <p:attrNameLst>
+                                          <p:attrName>ppt_h</p:attrName>
+                                        </p:attrNameLst>
+                                      </p:cBhvr>
+                                      <p:tavLst>
+                                        <p:tav tm="0">
+                                          <p:val>
+                                            <p:fltVal val="0"/>
+                                          </p:val>
+                                        </p:tav>
+                                        <p:tav tm="100000">
+                                          <p:val>
+                                            <p:strVal val="#ppt_h"/>
+                                          </p:val>
+                                        </p:tav>
+                                      </p:tavLst>
+                                    </p:anim>
+                                  </p:childTnLst>
+                                </p:cTn>
+                              </p:par>
+                            </p:childTnLst>
+                          </p:cTn>
+                        </p:par>
+                        <p:par>
+                          <p:cTn id="19" fill="hold">
+                            <p:stCondLst>
+                              <p:cond delay="1500"/>
+                            </p:stCondLst>
+                            <p:childTnLst>
+                              <p:par>
+                                <p:cTn id="20" presetID="22" presetClass="entr" presetSubtype="8" fill="hold" grpId="0" nodeType="afterEffect">
+                                  <p:stCondLst>
+                                    <p:cond delay="0"/>
+                                  </p:stCondLst>
+                                  <p:childTnLst>
+                                    <p:set>
+                                      <p:cBhvr>
+                                        <p:cTn id="21" dur="1" fill="hold">
+                                          <p:stCondLst>
+                                            <p:cond delay="0"/>
+                                          </p:stCondLst>
+                                        </p:cTn>
+                                        <p:tgtEl>
+                                          <p:spTgt spid="7"/>
+                                        </p:tgtEl>
+                                        <p:attrNameLst>
+                                          <p:attrName>style.visibility</p:attrName>
+                                        </p:attrNameLst>
+                                      </p:cBhvr>
+                                      <p:to>
+                                        <p:strVal val="visible"/>
+                                      </p:to>
+                                    </p:set>
+                                    <p:animEffect transition="in" filter="wipe(left)">
+                                      <p:cBhvr>
+                                        <p:cTn id="22" dur="300"/>
+                                        <p:tgtEl>
+                                          <p:spTgt spid="7"/>
+                                        </p:tgtEl>
+                                      </p:cBhvr>
+                                    </p:animEffect>
+                                  </p:childTnLst>
+                                </p:cTn>
+                              </p:par>
+                            </p:childTnLst>
+                          </p:cTn>
+                        </p:par>
+                        <p:par>
+                          <p:cTn id="23" fill="hold">
+                            <p:stCondLst>
+                              <p:cond delay="2000"/>
+                            </p:stCondLst>
+                            <p:childTnLst>
+                              <p:par>
+                                <p:cTn id="24" presetID="22" presetClass="entr" presetSubtype="8" fill="hold" nodeType="afterEffect">
+                                  <p:stCondLst>
+                                    <p:cond delay="0"/>
+                                  </p:stCondLst>
+                                  <p:childTnLst>
+                                    <p:set>
+                                      <p:cBhvr>
+                                        <p:cTn id="25" dur="1" fill="hold">
+                                          <p:stCondLst>
+                                            <p:cond delay="0"/>
+                                          </p:stCondLst>
+                                        </p:cTn>
+                                        <p:tgtEl>
+                                          <p:spTgt spid="8"/>
+                                        </p:tgtEl>
+                                        <p:attrNameLst>
+                                          <p:attrName>style.visibility</p:attrName>
+                                        </p:attrNameLst>
+                                      </p:cBhvr>
+                                      <p:to>
+                                        <p:strVal val="visible"/>
+                                      </p:to>
+                                    </p:set>
+                                    <p:animEffect transition="in" filter="wipe(left)">
+                                      <p:cBhvr>
+                                        <p:cTn id="26" dur="300"/>
+                                        <p:tgtEl>
+                                          <p:spTgt spid="8"/>
+                                        </p:tgtEl>
+                                      </p:cBhvr>
+                                    </p:animEffect>
+                                  </p:childTnLst>
+                                </p:cTn>
+                              </p:par>
+                            </p:childTnLst>
+                          </p:cTn>
+                        </p:par>
+                        <p:par>
+                          <p:cTn id="27" fill="hold">
+                            <p:stCondLst>
+                              <p:cond delay="2500"/>
+                            </p:stCondLst>
+                            <p:childTnLst>
+                              <p:par>
+                                <p:cTn id="28" presetID="22" presetClass="entr" presetSubtype="2" fill="hold" nodeType="afterEffect">
+                                  <p:stCondLst>
+                                    <p:cond delay="0"/>
+                                  </p:stCondLst>
+                                  <p:childTnLst>
+                                    <p:set>
+                                      <p:cBhvr>
+                                        <p:cTn id="29" dur="1" fill="hold">
+                                          <p:stCondLst>
+                                            <p:cond delay="0"/>
+                                          </p:stCondLst>
+                                        </p:cTn>
+                                        <p:tgtEl>
+                                          <p:spTgt spid="9"/>
+                                        </p:tgtEl>
+                                        <p:attrNameLst>
+                                          <p:attrName>style.visibility</p:attrName>
+                                        </p:attrNameLst>
+                                      </p:cBhvr>
+                                      <p:to>
+                                        <p:strVal val="visible"/>
+                                      </p:to>
+                                    </p:set>
+                                    <p:animEffect transition="in" filter="wipe(right)">
+                                      <p:cBhvr>
+                                        <p:cTn id="30" dur="300"/>
+                                        <p:tgtEl>
+                                          <p:spTgt spid="9"/>
+                                        </p:tgtEl>
+                                      </p:cBhvr>
+                                    </p:animEffect>
+                                  </p:childTnLst>
+                                </p:cTn>
+                              </p:par>
+                            </p:childTnLst>
+                          </p:cTn>
+                        </p:par>
+                        <p:par>
+                          <p:cTn id="31" fill="hold">
+                            <p:stCondLst>
+                              <p:cond delay="3000"/>
+                            </p:stCondLst>
+                            <p:childTnLst>
+                              <p:par>
+                                <p:cTn id="32" presetID="22" presetClass="entr" presetSubtype="8" fill="hold" grpId="0" nodeType="afterEffect">
+                                  <p:stCondLst>
+                                    <p:cond delay="0"/>
+                                  </p:stCondLst>
+                                  <p:childTnLst>
+                                    <p:set>
+                                      <p:cBhvr>
+                                        <p:cTn id="33" dur="1" fill="hold">
+                                          <p:stCondLst>
+                                            <p:cond delay="0"/>
+                                          </p:stCondLst>
+                                        </p:cTn>
+                                        <p:tgtEl>
+                                          <p:spTgt spid="2"/>
+                                        </p:tgtEl>
+                                        <p:attrNameLst>
+                                          <p:attrName>style.visibility</p:attrName>
+                                        </p:attrNameLst>
+                                      </p:cBhvr>
+                                      <p:to>
+                                        <p:strVal val="visible"/>
+                                      </p:to>
+                                    </p:set>
+                                    <p:animEffect transition="in" filter="wipe(left)">
+                                      <p:cBhvr>
+                                        <p:cTn id="34" dur="500"/>
+                                        <p:tgtEl>
+                                          <p:spTgt spid="2"/>
+                                        </p:tgtEl>
+                                      </p:cBhvr>
+                                    </p:animEffect>
+                                  </p:childTnLst>
+                                </p:cTn>
+                              </p:par>
+                            </p:childTnLst>
+                          </p:cTn>
+                        </p:par>
+                      </p:childTnLst>
+                    </p:cTn>
+                  </p:par>
+                </p:childTnLst>
+              </p:cTn>
+              <p:prevCondLst>
+                <p:cond evt="onPrev" delay="0">
+                  <p:tgtEl>
+                    <p:sldTgt/>
+                  </p:tgtEl>
+                </p:cond>
+              </p:prevCondLst>
+              <p:nextCondLst>
+                <p:cond evt="onNext" delay="0">
+                  <p:tgtEl>
+                    <p:sldTgt/>
+                  </p:tgtEl>
+                </p:cond>
+              </p:nextCondLst>
+            </p:seq>
+          </p:childTnLst>
+        </p:cTn>
+      </p:par>
+    </p:tnLst>
+    <p:bldLst>
+      <p:bldP spid="5" grpId="0" bldLvl="0" animBg="1"/>
+      <p:bldP spid="6" grpId="0" bldLvl="0" animBg="1"/>
+      <p:bldP spid="7" grpId="0" bldLvl="0" animBg="1"/>
+      <p:bldP spid="3" grpId="0" animBg="1"/>
+      <p:bldP spid="2" grpId="0"/>
+    </p:bldLst>
+  </p:timing>
+</p:sld>
+</file>
+
+<file path=ppt/slides/slide8.xml><?xml version="1.0" encoding="utf-8"?>
+<p:sld xmlns:a="http://schemas.openxmlformats.org/drawingml/2006/main" xmlns:r="http://schemas.openxmlformats.org/officeDocument/2006/relationships" xmlns:p="http://schemas.openxmlformats.org/presentationml/2006/main">
+  <p:cSld>
+    <p:spTree>
+      <p:nvGrpSpPr>
+        <p:cNvPr id="1" name=""/>
+        <p:cNvGrpSpPr/>
+        <p:nvPr/>
+      </p:nvGrpSpPr>
+      <p:grpSpPr/>
+      <p:pic>
+        <p:nvPicPr>
+          <p:cNvPr id="7" name="Picture 6"/>
+          <p:cNvPicPr>
+            <a:picLocks noChangeAspect="1"/>
+          </p:cNvPicPr>
+          <p:nvPr/>
+        </p:nvPicPr>
+        <p:blipFill>
+          <a:blip r:embed="rId1"/>
+          <a:stretch>
+            <a:fillRect/>
+          </a:stretch>
+        </p:blipFill>
+        <p:spPr>
+          <a:xfrm>
+            <a:off x="2766695" y="1139825"/>
+            <a:ext cx="2847340" cy="5297805"/>
+          </a:xfrm>
+          <a:prstGeom prst="rect">
+            <a:avLst/>
+          </a:prstGeom>
+        </p:spPr>
+      </p:pic>
+      <p:pic>
+        <p:nvPicPr>
+          <p:cNvPr id="8" name="Picture 7"/>
+          <p:cNvPicPr>
+            <a:picLocks noChangeAspect="1"/>
+          </p:cNvPicPr>
+          <p:nvPr/>
+        </p:nvPicPr>
+        <p:blipFill>
+          <a:blip r:embed="rId2"/>
+          <a:stretch>
+            <a:fillRect/>
+          </a:stretch>
+        </p:blipFill>
+        <p:spPr>
+          <a:xfrm>
+            <a:off x="3263265" y="3627120"/>
+            <a:ext cx="1854835" cy="1788160"/>
+          </a:xfrm>
+          <a:prstGeom prst="rect">
+            <a:avLst/>
+          </a:prstGeom>
+        </p:spPr>
+      </p:pic>
+      <p:sp>
+        <p:nvSpPr>
+          <p:cNvPr id="2" name="Text Box 1"/>
+          <p:cNvSpPr txBox="1"/>
+          <p:nvPr/>
+        </p:nvSpPr>
+        <p:spPr>
+          <a:xfrm>
+            <a:off x="7821295" y="1707515"/>
+            <a:ext cx="3345180" cy="368300"/>
+          </a:xfrm>
+          <a:prstGeom prst="rect">
+            <a:avLst/>
+          </a:prstGeom>
+          <a:noFill/>
+        </p:spPr>
+        <p:txBody>
+          <a:bodyPr wrap="none" rtlCol="0">
+            <a:spAutoFit/>
+          </a:bodyPr>
+          <a:p>
+            <a:r>
+              <a:rPr lang="en-US"/>
+              <a:t>wmf</a:t>
+            </a:r>
+            <a:r>
+              <a:rPr lang="zh-CN" altLang="en-US"/>
+              <a:t>文件通过矢量图编辑器编辑</a:t>
+            </a:r>
+            <a:endParaRPr lang="zh-CN" altLang="en-US"/>
+          </a:p>
+        </p:txBody>
+      </p:sp>
+    </p:spTree>
+  </p:cSld>
+  <p:clrMapOvr>
+    <a:masterClrMapping/>
+  </p:clrMapOvr>
+</p:sld>
+</file>
+
+<file path=ppt/slides/slide9.xml><?xml version="1.0" encoding="utf-8"?>
+<p:sld xmlns:a="http://schemas.openxmlformats.org/drawingml/2006/main" xmlns:r="http://schemas.openxmlformats.org/officeDocument/2006/relationships" xmlns:p="http://schemas.openxmlformats.org/presentationml/2006/main">
+  <p:cSld>
+    <p:spTree>
+      <p:nvGrpSpPr>
+        <p:cNvPr id="1" name=""/>
+        <p:cNvGrpSpPr/>
+        <p:nvPr/>
+      </p:nvGrpSpPr>
+      <p:grpSpPr/>
+      <p:grpSp>
+        <p:nvGrpSpPr>
+          <p:cNvPr id="39" name="Group 38"/>
+          <p:cNvGrpSpPr/>
+          <p:nvPr/>
+        </p:nvGrpSpPr>
+        <p:grpSpPr>
+          <a:xfrm>
+            <a:off x="3882073" y="2379980"/>
+            <a:ext cx="936625" cy="873760"/>
+            <a:chOff x="10472" y="3748"/>
+            <a:chExt cx="1475" cy="1376"/>
+          </a:xfrm>
+        </p:grpSpPr>
+        <p:sp>
+          <p:nvSpPr>
+            <p:cNvPr id="27" name="Rectangle 26"/>
+            <p:cNvSpPr/>
+            <p:nvPr/>
+          </p:nvSpPr>
+          <p:spPr>
+            <a:xfrm>
+              <a:off x="10472" y="3748"/>
+              <a:ext cx="1475" cy="1321"/>
+            </a:xfrm>
+            <a:prstGeom prst="rect">
+              <a:avLst/>
+            </a:prstGeom>
+            <a:ln>
+              <a:noFill/>
+            </a:ln>
+          </p:spPr>
+          <p:style>
+            <a:lnRef idx="2">
+              <a:schemeClr val="accent1">
+                <a:shade val="50000"/>
+              </a:schemeClr>
+            </a:lnRef>
+            <a:fillRef idx="1">
+              <a:schemeClr val="accent1"/>
+            </a:fillRef>
+            <a:effectRef idx="0">
+              <a:schemeClr val="accent1"/>
+            </a:effectRef>
+            <a:fontRef idx="minor">
+              <a:schemeClr val="lt1"/>
+            </a:fontRef>
+          </p:style>
+          <p:txBody>
+            <a:bodyPr rtlCol="0" anchor="ctr"/>
+            <a:p>
+              <a:pPr algn="ctr"/>
+              <a:endParaRPr lang="en-US"/>
+            </a:p>
+          </p:txBody>
+        </p:sp>
+        <p:pic>
+          <p:nvPicPr>
+            <p:cNvPr id="12" name="Picture 11"/>
+            <p:cNvPicPr>
+              <a:picLocks noChangeAspect="1"/>
+            </p:cNvPicPr>
+            <p:nvPr/>
+          </p:nvPicPr>
+          <p:blipFill>
+            <a:blip r:embed="rId1"/>
+            <a:stretch>
+              <a:fillRect/>
+            </a:stretch>
+          </p:blipFill>
+          <p:spPr>
+            <a:xfrm>
+              <a:off x="10833" y="4398"/>
+              <a:ext cx="692" cy="726"/>
+            </a:xfrm>
+            <a:prstGeom prst="rect">
+              <a:avLst/>
+            </a:prstGeom>
+          </p:spPr>
+        </p:pic>
+      </p:grpSp>
+      <p:grpSp>
+        <p:nvGrpSpPr>
+          <p:cNvPr id="38" name="Group 37"/>
+          <p:cNvGrpSpPr/>
+          <p:nvPr/>
+        </p:nvGrpSpPr>
+        <p:grpSpPr>
+          <a:xfrm>
+            <a:off x="3882073" y="3215005"/>
+            <a:ext cx="936625" cy="842645"/>
+            <a:chOff x="10473" y="5063"/>
+            <a:chExt cx="1475" cy="1327"/>
+          </a:xfrm>
+        </p:grpSpPr>
+        <p:sp>
+          <p:nvSpPr>
+            <p:cNvPr id="26" name="Rectangle 25"/>
+            <p:cNvSpPr/>
+            <p:nvPr/>
+          </p:nvSpPr>
+          <p:spPr>
+            <a:xfrm>
+              <a:off x="10473" y="5069"/>
+              <a:ext cx="1475" cy="1321"/>
+            </a:xfrm>
+            <a:prstGeom prst="rect">
+              <a:avLst/>
+            </a:prstGeom>
+            <a:solidFill>
+              <a:schemeClr val="accent1">
+                <a:lumMod val="50000"/>
+              </a:schemeClr>
+            </a:solidFill>
+            <a:ln>
+              <a:noFill/>
+            </a:ln>
+          </p:spPr>
+          <p:style>
+            <a:lnRef idx="2">
+              <a:schemeClr val="accent1">
+                <a:shade val="50000"/>
+              </a:schemeClr>
+            </a:lnRef>
+            <a:fillRef idx="1">
+              <a:schemeClr val="accent1"/>
+            </a:fillRef>
+            <a:effectRef idx="0">
+              <a:schemeClr val="accent1"/>
+            </a:effectRef>
+            <a:fontRef idx="minor">
+              <a:schemeClr val="lt1"/>
+            </a:fontRef>
+          </p:style>
+          <p:txBody>
+            <a:bodyPr rtlCol="0" anchor="ctr"/>
+            <a:p>
+              <a:pPr algn="ctr"/>
+              <a:endParaRPr lang="en-US"/>
+            </a:p>
+          </p:txBody>
+        </p:sp>
+        <p:pic>
+          <p:nvPicPr>
+            <p:cNvPr id="13" name="Picture 12"/>
+            <p:cNvPicPr>
+              <a:picLocks noChangeAspect="1"/>
+            </p:cNvPicPr>
+            <p:nvPr/>
+          </p:nvPicPr>
+          <p:blipFill>
+            <a:blip r:embed="rId2"/>
+            <a:stretch>
+              <a:fillRect/>
+            </a:stretch>
+          </p:blipFill>
+          <p:spPr>
+            <a:xfrm>
+              <a:off x="10671" y="5063"/>
+              <a:ext cx="1115" cy="773"/>
+            </a:xfrm>
+            <a:prstGeom prst="rect">
+              <a:avLst/>
+            </a:prstGeom>
+          </p:spPr>
+        </p:pic>
+      </p:grpSp>
+      <p:grpSp>
+        <p:nvGrpSpPr>
+          <p:cNvPr id="36" name="Group 35"/>
+          <p:cNvGrpSpPr/>
+          <p:nvPr/>
+        </p:nvGrpSpPr>
+        <p:grpSpPr>
+          <a:xfrm>
+            <a:off x="3882390" y="2395855"/>
+            <a:ext cx="935990" cy="840105"/>
+            <a:chOff x="8168" y="3755"/>
+            <a:chExt cx="1474" cy="1323"/>
+          </a:xfrm>
+        </p:grpSpPr>
+        <p:sp>
+          <p:nvSpPr>
+            <p:cNvPr id="30" name="Rectangle 29"/>
+            <p:cNvSpPr/>
+            <p:nvPr/>
+          </p:nvSpPr>
+          <p:spPr>
+            <a:xfrm>
+              <a:off x="8168" y="3755"/>
+              <a:ext cx="1475" cy="1321"/>
+            </a:xfrm>
+            <a:prstGeom prst="rect">
+              <a:avLst/>
+            </a:prstGeom>
+            <a:ln>
+              <a:noFill/>
+            </a:ln>
+          </p:spPr>
+          <p:style>
+            <a:lnRef idx="2">
+              <a:schemeClr val="accent1">
+                <a:shade val="50000"/>
+              </a:schemeClr>
+            </a:lnRef>
+            <a:fillRef idx="1">
+              <a:schemeClr val="accent1"/>
+            </a:fillRef>
+            <a:effectRef idx="0">
+              <a:schemeClr val="accent1"/>
+            </a:effectRef>
+            <a:fontRef idx="minor">
+              <a:schemeClr val="lt1"/>
+            </a:fontRef>
+          </p:style>
+          <p:txBody>
+            <a:bodyPr rtlCol="0" anchor="ctr"/>
+            <a:p>
+              <a:pPr algn="ctr"/>
+              <a:endParaRPr lang="en-US"/>
+            </a:p>
+          </p:txBody>
+        </p:sp>
+        <p:pic>
+          <p:nvPicPr>
+            <p:cNvPr id="10" name="Picture 9"/>
+            <p:cNvPicPr>
+              <a:picLocks noChangeAspect="1"/>
+            </p:cNvPicPr>
+            <p:nvPr/>
+          </p:nvPicPr>
+          <p:blipFill>
+            <a:blip r:embed="rId3"/>
+            <a:stretch>
+              <a:fillRect/>
+            </a:stretch>
+          </p:blipFill>
+          <p:spPr>
+            <a:xfrm>
+              <a:off x="8428" y="4330"/>
+              <a:ext cx="954" cy="749"/>
+            </a:xfrm>
+            <a:prstGeom prst="rect">
+              <a:avLst/>
+            </a:prstGeom>
+          </p:spPr>
+        </p:pic>
+      </p:grpSp>
+      <p:grpSp>
+        <p:nvGrpSpPr>
+          <p:cNvPr id="37" name="Group 36"/>
+          <p:cNvGrpSpPr/>
+          <p:nvPr/>
+        </p:nvGrpSpPr>
+        <p:grpSpPr>
+          <a:xfrm>
+            <a:off x="3882390" y="3213735"/>
+            <a:ext cx="935990" cy="847725"/>
+            <a:chOff x="8169" y="5061"/>
+            <a:chExt cx="1474" cy="1335"/>
+          </a:xfrm>
+        </p:grpSpPr>
+        <p:sp>
+          <p:nvSpPr>
+            <p:cNvPr id="29" name="Rectangle 28"/>
+            <p:cNvSpPr/>
+            <p:nvPr/>
+          </p:nvSpPr>
+          <p:spPr>
+            <a:xfrm>
+              <a:off x="8169" y="5076"/>
+              <a:ext cx="1475" cy="1321"/>
+            </a:xfrm>
+            <a:prstGeom prst="rect">
+              <a:avLst/>
+            </a:prstGeom>
+            <a:solidFill>
+              <a:schemeClr val="accent1">
+                <a:lumMod val="50000"/>
+              </a:schemeClr>
+            </a:solidFill>
+            <a:ln>
+              <a:noFill/>
+            </a:ln>
+          </p:spPr>
+          <p:style>
+            <a:lnRef idx="2">
+              <a:schemeClr val="accent1">
+                <a:shade val="50000"/>
+              </a:schemeClr>
+            </a:lnRef>
+            <a:fillRef idx="1">
+              <a:schemeClr val="accent1"/>
+            </a:fillRef>
+            <a:effectRef idx="0">
+              <a:schemeClr val="accent1"/>
+            </a:effectRef>
+            <a:fontRef idx="minor">
+              <a:schemeClr val="lt1"/>
+            </a:fontRef>
+          </p:style>
+          <p:txBody>
+            <a:bodyPr rtlCol="0" anchor="ctr"/>
+            <a:p>
+              <a:pPr algn="ctr"/>
+              <a:endParaRPr lang="en-US"/>
+            </a:p>
+          </p:txBody>
+        </p:sp>
+        <p:pic>
+          <p:nvPicPr>
+            <p:cNvPr id="11" name="Picture 10"/>
+            <p:cNvPicPr>
+              <a:picLocks noChangeAspect="1"/>
+            </p:cNvPicPr>
+            <p:nvPr/>
+          </p:nvPicPr>
+          <p:blipFill>
+            <a:blip r:embed="rId4"/>
+            <a:stretch>
+              <a:fillRect/>
+            </a:stretch>
+          </p:blipFill>
+          <p:spPr>
+            <a:xfrm>
+              <a:off x="8400" y="5061"/>
+              <a:ext cx="1010" cy="760"/>
+            </a:xfrm>
+            <a:prstGeom prst="rect">
+              <a:avLst/>
+            </a:prstGeom>
+          </p:spPr>
+        </p:pic>
+      </p:grpSp>
+      <p:sp>
+        <p:nvSpPr>
+          <p:cNvPr id="2" name="Title 1"/>
+          <p:cNvSpPr>
+            <a:spLocks noGrp="1"/>
+          </p:cNvSpPr>
+          <p:nvPr>
+            <p:ph type="title"/>
+          </p:nvPr>
+        </p:nvSpPr>
+        <p:spPr/>
+        <p:txBody>
+          <a:bodyPr/>
+          <a:p>
+            <a:r>
+              <a:rPr lang="zh-CN" altLang="en-US"/>
+              <a:t>数字 </a:t>
+            </a:r>
+            <a:r>
+              <a:rPr lang="en-US" altLang="zh-CN"/>
+              <a:t>flip </a:t>
+            </a:r>
+            <a:r>
+              <a:rPr lang="zh-CN" altLang="en-US"/>
+              <a:t>动画</a:t>
+            </a:r>
+            <a:endParaRPr lang="zh-CN" altLang="en-US"/>
+          </a:p>
+        </p:txBody>
+      </p:sp>
+      <p:grpSp>
+        <p:nvGrpSpPr>
+          <p:cNvPr id="34" name="Group 33"/>
+          <p:cNvGrpSpPr/>
+          <p:nvPr/>
+        </p:nvGrpSpPr>
+        <p:grpSpPr>
+          <a:xfrm>
+            <a:off x="3882390" y="2378075"/>
+            <a:ext cx="935990" cy="844550"/>
+            <a:chOff x="6113" y="3745"/>
+            <a:chExt cx="1474" cy="1330"/>
+          </a:xfrm>
+        </p:grpSpPr>
+        <p:sp>
+          <p:nvSpPr>
+            <p:cNvPr id="22" name="Rectangle 21"/>
+            <p:cNvSpPr/>
+            <p:nvPr/>
+          </p:nvSpPr>
+          <p:spPr>
+            <a:xfrm>
+              <a:off x="6113" y="3745"/>
+              <a:ext cx="1475" cy="1321"/>
+            </a:xfrm>
+            <a:prstGeom prst="rect">
+              <a:avLst/>
+            </a:prstGeom>
+            <a:ln>
+              <a:noFill/>
+            </a:ln>
+          </p:spPr>
+          <p:style>
+            <a:lnRef idx="2">
+              <a:schemeClr val="accent1">
+                <a:shade val="50000"/>
+              </a:schemeClr>
+            </a:lnRef>
+            <a:fillRef idx="1">
+              <a:schemeClr val="accent1"/>
+            </a:fillRef>
+            <a:effectRef idx="0">
+              <a:schemeClr val="accent1"/>
+            </a:effectRef>
+            <a:fontRef idx="minor">
+              <a:schemeClr val="lt1"/>
+            </a:fontRef>
+          </p:style>
+          <p:txBody>
+            <a:bodyPr rtlCol="0" anchor="ctr"/>
+            <a:p>
+              <a:pPr algn="ctr"/>
+              <a:endParaRPr lang="en-US"/>
+            </a:p>
+          </p:txBody>
+        </p:sp>
+        <p:pic>
+          <p:nvPicPr>
+            <p:cNvPr id="7" name="Picture 6"/>
+            <p:cNvPicPr>
+              <a:picLocks noChangeAspect="1"/>
+            </p:cNvPicPr>
+            <p:nvPr/>
+          </p:nvPicPr>
+          <p:blipFill>
+            <a:blip r:embed="rId5"/>
+            <a:stretch>
+              <a:fillRect/>
+            </a:stretch>
+          </p:blipFill>
+          <p:spPr>
+            <a:xfrm>
+              <a:off x="6364" y="4327"/>
+              <a:ext cx="942" cy="749"/>
+            </a:xfrm>
+            <a:prstGeom prst="rect">
+              <a:avLst/>
+            </a:prstGeom>
+          </p:spPr>
+        </p:pic>
+      </p:grpSp>
+      <p:grpSp>
+        <p:nvGrpSpPr>
+          <p:cNvPr id="35" name="Group 34"/>
+          <p:cNvGrpSpPr/>
+          <p:nvPr/>
+        </p:nvGrpSpPr>
+        <p:grpSpPr>
+          <a:xfrm>
+            <a:off x="3882390" y="3211830"/>
+            <a:ext cx="935990" cy="843280"/>
+            <a:chOff x="6114" y="5058"/>
+            <a:chExt cx="1474" cy="1328"/>
+          </a:xfrm>
+        </p:grpSpPr>
+        <p:sp>
+          <p:nvSpPr>
+            <p:cNvPr id="21" name="Rectangle 20"/>
+            <p:cNvSpPr/>
+            <p:nvPr/>
+          </p:nvSpPr>
+          <p:spPr>
+            <a:xfrm>
+              <a:off x="6114" y="5066"/>
+              <a:ext cx="1475" cy="1321"/>
+            </a:xfrm>
+            <a:prstGeom prst="rect">
+              <a:avLst/>
+            </a:prstGeom>
+            <a:solidFill>
+              <a:schemeClr val="accent1">
+                <a:lumMod val="50000"/>
+              </a:schemeClr>
+            </a:solidFill>
+            <a:ln>
+              <a:noFill/>
+            </a:ln>
+          </p:spPr>
+          <p:style>
+            <a:lnRef idx="2">
+              <a:schemeClr val="accent1">
+                <a:shade val="50000"/>
+              </a:schemeClr>
+            </a:lnRef>
+            <a:fillRef idx="1">
+              <a:schemeClr val="accent1"/>
+            </a:fillRef>
+            <a:effectRef idx="0">
+              <a:schemeClr val="accent1"/>
+            </a:effectRef>
+            <a:fontRef idx="minor">
+              <a:schemeClr val="lt1"/>
+            </a:fontRef>
+          </p:style>
+          <p:txBody>
+            <a:bodyPr rtlCol="0" anchor="ctr"/>
+            <a:p>
+              <a:pPr algn="ctr"/>
+              <a:endParaRPr lang="en-US"/>
+            </a:p>
+          </p:txBody>
+        </p:sp>
+        <p:pic>
+          <p:nvPicPr>
+            <p:cNvPr id="8" name="Picture 7"/>
+            <p:cNvPicPr>
+              <a:picLocks noChangeAspect="1"/>
+            </p:cNvPicPr>
+            <p:nvPr/>
+          </p:nvPicPr>
+          <p:blipFill>
+            <a:blip r:embed="rId6"/>
+            <a:stretch>
+              <a:fillRect/>
+            </a:stretch>
+          </p:blipFill>
+          <p:spPr>
+            <a:xfrm>
+              <a:off x="6364" y="5058"/>
+              <a:ext cx="975" cy="747"/>
+            </a:xfrm>
+            <a:prstGeom prst="rect">
+              <a:avLst/>
+            </a:prstGeom>
+          </p:spPr>
+        </p:pic>
+      </p:grpSp>
+      <p:sp>
+        <p:nvSpPr>
+          <p:cNvPr id="40" name="Text Box 39"/>
+          <p:cNvSpPr txBox="1"/>
+          <p:nvPr/>
+        </p:nvSpPr>
+        <p:spPr>
+          <a:xfrm>
+            <a:off x="6383020" y="1417955"/>
+            <a:ext cx="5199380" cy="4246245"/>
+          </a:xfrm>
+          <a:prstGeom prst="rect">
+            <a:avLst/>
+          </a:prstGeom>
+          <a:noFill/>
+        </p:spPr>
+        <p:txBody>
+          <a:bodyPr wrap="none" rtlCol="0">
+            <a:spAutoFit/>
+          </a:bodyPr>
+          <a:p>
+            <a:pPr algn="l"/>
+            <a:r>
+              <a:rPr lang="zh-CN" altLang="en-US">
+                <a:sym typeface="+mn-ea"/>
+              </a:rPr>
+              <a:t>矢量图编辑器数字</a:t>
+            </a:r>
+            <a:r>
+              <a:rPr lang="en-US">
+                <a:sym typeface="+mn-ea"/>
+              </a:rPr>
+              <a:t> shape </a:t>
+            </a:r>
+            <a:r>
+              <a:rPr lang="zh-CN" altLang="en-US">
+                <a:sym typeface="+mn-ea"/>
+              </a:rPr>
+              <a:t>拆分上下两部分。</a:t>
+            </a:r>
+            <a:endParaRPr lang="zh-CN" altLang="en-US">
+              <a:sym typeface="+mn-ea"/>
+            </a:endParaRPr>
+          </a:p>
+          <a:p>
+            <a:pPr algn="l"/>
+            <a:r>
+              <a:rPr lang="zh-CN" altLang="en-US">
+                <a:sym typeface="+mn-ea"/>
+              </a:rPr>
+              <a:t>添加背景，对齐。</a:t>
+            </a:r>
+            <a:endParaRPr lang="zh-CN" altLang="en-US">
+              <a:sym typeface="+mn-ea"/>
+            </a:endParaRPr>
+          </a:p>
+          <a:p>
+            <a:pPr algn="l"/>
+            <a:endParaRPr lang="en-US"/>
+          </a:p>
+          <a:p>
+            <a:pPr algn="l"/>
+            <a:r>
+              <a:rPr lang="zh-CN" altLang="en-US"/>
+              <a:t>加动画：</a:t>
+            </a:r>
+            <a:endParaRPr lang="zh-CN" altLang="en-US"/>
+          </a:p>
+          <a:p>
+            <a:pPr algn="l"/>
+            <a:r>
+              <a:rPr lang="en-US"/>
+              <a:t>click</a:t>
+            </a:r>
+            <a:r>
+              <a:rPr lang="zh-CN" altLang="en-US">
+                <a:ea typeface="宋体" panose="02010600030101010101" pitchFamily="2" charset="-122"/>
+              </a:rPr>
+              <a:t>：前一个上部分退出动画</a:t>
+            </a:r>
+            <a:r>
+              <a:rPr lang="zh-CN" altLang="en-US">
+                <a:ea typeface="宋体" panose="02010600030101010101" pitchFamily="2" charset="-122"/>
+              </a:rPr>
+              <a:t> </a:t>
+            </a:r>
+            <a:r>
+              <a:rPr lang="en-US" altLang="zh-CN">
+                <a:ea typeface="宋体" panose="02010600030101010101" pitchFamily="2" charset="-122"/>
+              </a:rPr>
+              <a:t>collase to bottom</a:t>
+            </a:r>
+            <a:endParaRPr lang="en-US" altLang="zh-CN">
+              <a:ea typeface="宋体" panose="02010600030101010101" pitchFamily="2" charset="-122"/>
+            </a:endParaRPr>
+          </a:p>
+          <a:p>
+            <a:pPr algn="l"/>
+            <a:r>
+              <a:rPr lang="en-US" altLang="zh-CN">
+                <a:ea typeface="宋体" panose="02010600030101010101" pitchFamily="2" charset="-122"/>
+              </a:rPr>
+              <a:t>	</a:t>
+            </a:r>
+            <a:r>
+              <a:rPr lang="zh-CN" altLang="en-US">
+                <a:ea typeface="宋体" panose="02010600030101010101" pitchFamily="2" charset="-122"/>
+              </a:rPr>
+              <a:t>前一个下部分退出动画 </a:t>
+            </a:r>
+            <a:r>
+              <a:rPr lang="en-US" altLang="zh-CN">
+                <a:ea typeface="宋体" panose="02010600030101010101" pitchFamily="2" charset="-122"/>
+              </a:rPr>
+              <a:t>disappear</a:t>
+            </a:r>
+            <a:endParaRPr lang="en-US" altLang="zh-CN">
+              <a:ea typeface="宋体" panose="02010600030101010101" pitchFamily="2" charset="-122"/>
+            </a:endParaRPr>
+          </a:p>
+          <a:p>
+            <a:pPr algn="l"/>
+            <a:r>
+              <a:rPr lang="en-US" altLang="zh-CN">
+                <a:ea typeface="宋体" panose="02010600030101010101" pitchFamily="2" charset="-122"/>
+              </a:rPr>
+              <a:t>	</a:t>
+            </a:r>
+            <a:r>
+              <a:rPr lang="zh-CN" altLang="en-US">
+                <a:ea typeface="宋体" panose="02010600030101010101" pitchFamily="2" charset="-122"/>
+              </a:rPr>
+              <a:t>后一个下部分出现动画  </a:t>
+            </a:r>
+            <a:r>
+              <a:rPr lang="en-US" altLang="zh-CN">
+                <a:ea typeface="宋体" panose="02010600030101010101" pitchFamily="2" charset="-122"/>
+              </a:rPr>
+              <a:t>stretch from top</a:t>
+            </a:r>
+            <a:endParaRPr lang="en-US" altLang="zh-CN">
+              <a:ea typeface="宋体" panose="02010600030101010101" pitchFamily="2" charset="-122"/>
+            </a:endParaRPr>
+          </a:p>
+          <a:p>
+            <a:pPr algn="l"/>
+            <a:r>
+              <a:rPr lang="en-US">
+                <a:sym typeface="+mn-ea"/>
+              </a:rPr>
+              <a:t>click</a:t>
+            </a:r>
+            <a:r>
+              <a:rPr lang="zh-CN" altLang="en-US">
+                <a:ea typeface="宋体" panose="02010600030101010101" pitchFamily="2" charset="-122"/>
+                <a:sym typeface="+mn-ea"/>
+              </a:rPr>
+              <a:t>：前一个上部分退出动画 </a:t>
+            </a:r>
+            <a:r>
+              <a:rPr lang="en-US" altLang="zh-CN">
+                <a:ea typeface="宋体" panose="02010600030101010101" pitchFamily="2" charset="-122"/>
+                <a:sym typeface="+mn-ea"/>
+              </a:rPr>
+              <a:t>collase to bottom</a:t>
+            </a:r>
+            <a:endParaRPr lang="en-US" altLang="zh-CN">
+              <a:ea typeface="宋体" panose="02010600030101010101" pitchFamily="2" charset="-122"/>
+            </a:endParaRPr>
+          </a:p>
+          <a:p>
+            <a:pPr algn="l"/>
+            <a:r>
+              <a:rPr lang="en-US" altLang="zh-CN">
+                <a:ea typeface="宋体" panose="02010600030101010101" pitchFamily="2" charset="-122"/>
+                <a:sym typeface="+mn-ea"/>
+              </a:rPr>
+              <a:t>	</a:t>
+            </a:r>
+            <a:r>
+              <a:rPr lang="zh-CN" altLang="en-US">
+                <a:ea typeface="宋体" panose="02010600030101010101" pitchFamily="2" charset="-122"/>
+                <a:sym typeface="+mn-ea"/>
+              </a:rPr>
+              <a:t>前一个下部分退出动画 </a:t>
+            </a:r>
+            <a:r>
+              <a:rPr lang="en-US" altLang="zh-CN">
+                <a:ea typeface="宋体" panose="02010600030101010101" pitchFamily="2" charset="-122"/>
+                <a:sym typeface="+mn-ea"/>
+              </a:rPr>
+              <a:t>disappear</a:t>
+            </a:r>
+            <a:endParaRPr lang="en-US" altLang="zh-CN">
+              <a:ea typeface="宋体" panose="02010600030101010101" pitchFamily="2" charset="-122"/>
+            </a:endParaRPr>
+          </a:p>
+          <a:p>
+            <a:pPr algn="l"/>
+            <a:r>
+              <a:rPr lang="en-US" altLang="zh-CN">
+                <a:ea typeface="宋体" panose="02010600030101010101" pitchFamily="2" charset="-122"/>
+                <a:sym typeface="+mn-ea"/>
+              </a:rPr>
+              <a:t>	</a:t>
+            </a:r>
+            <a:r>
+              <a:rPr lang="zh-CN" altLang="en-US">
+                <a:ea typeface="宋体" panose="02010600030101010101" pitchFamily="2" charset="-122"/>
+                <a:sym typeface="+mn-ea"/>
+              </a:rPr>
+              <a:t>后一个下部分出现动画  </a:t>
+            </a:r>
+            <a:r>
+              <a:rPr lang="en-US" altLang="zh-CN">
+                <a:ea typeface="宋体" panose="02010600030101010101" pitchFamily="2" charset="-122"/>
+                <a:sym typeface="+mn-ea"/>
+              </a:rPr>
+              <a:t>stretch from top</a:t>
+            </a:r>
+            <a:endParaRPr lang="en-US" altLang="zh-CN">
+              <a:ea typeface="宋体" panose="02010600030101010101" pitchFamily="2" charset="-122"/>
+              <a:sym typeface="+mn-ea"/>
+            </a:endParaRPr>
+          </a:p>
+          <a:p>
+            <a:pPr algn="l"/>
+            <a:r>
+              <a:rPr lang="en-US">
+                <a:sym typeface="+mn-ea"/>
+              </a:rPr>
+              <a:t>click</a:t>
+            </a:r>
+            <a:r>
+              <a:rPr lang="zh-CN" altLang="en-US">
+                <a:ea typeface="宋体" panose="02010600030101010101" pitchFamily="2" charset="-122"/>
+                <a:sym typeface="+mn-ea"/>
+              </a:rPr>
+              <a:t>：前一个上部分退出动画 </a:t>
+            </a:r>
+            <a:r>
+              <a:rPr lang="en-US" altLang="zh-CN">
+                <a:ea typeface="宋体" panose="02010600030101010101" pitchFamily="2" charset="-122"/>
+                <a:sym typeface="+mn-ea"/>
+              </a:rPr>
+              <a:t>collase to bottom</a:t>
+            </a:r>
+            <a:endParaRPr lang="en-US" altLang="zh-CN">
+              <a:ea typeface="宋体" panose="02010600030101010101" pitchFamily="2" charset="-122"/>
+            </a:endParaRPr>
+          </a:p>
+          <a:p>
+            <a:pPr algn="l"/>
+            <a:r>
+              <a:rPr lang="en-US" altLang="zh-CN">
+                <a:ea typeface="宋体" panose="02010600030101010101" pitchFamily="2" charset="-122"/>
+                <a:sym typeface="+mn-ea"/>
+              </a:rPr>
+              <a:t>	</a:t>
+            </a:r>
+            <a:r>
+              <a:rPr lang="zh-CN" altLang="en-US">
+                <a:ea typeface="宋体" panose="02010600030101010101" pitchFamily="2" charset="-122"/>
+                <a:sym typeface="+mn-ea"/>
+              </a:rPr>
+              <a:t>前一个下部分退出动画 </a:t>
+            </a:r>
+            <a:r>
+              <a:rPr lang="en-US" altLang="zh-CN">
+                <a:ea typeface="宋体" panose="02010600030101010101" pitchFamily="2" charset="-122"/>
+                <a:sym typeface="+mn-ea"/>
+              </a:rPr>
+              <a:t>disappear</a:t>
+            </a:r>
+            <a:endParaRPr lang="en-US" altLang="zh-CN">
+              <a:ea typeface="宋体" panose="02010600030101010101" pitchFamily="2" charset="-122"/>
+            </a:endParaRPr>
+          </a:p>
+          <a:p>
+            <a:pPr algn="l"/>
+            <a:r>
+              <a:rPr lang="en-US" altLang="zh-CN">
+                <a:ea typeface="宋体" panose="02010600030101010101" pitchFamily="2" charset="-122"/>
+                <a:sym typeface="+mn-ea"/>
+              </a:rPr>
+              <a:t>	</a:t>
+            </a:r>
+            <a:r>
+              <a:rPr lang="zh-CN" altLang="en-US">
+                <a:ea typeface="宋体" panose="02010600030101010101" pitchFamily="2" charset="-122"/>
+                <a:sym typeface="+mn-ea"/>
+              </a:rPr>
+              <a:t>后一个下部分出现动画  </a:t>
+            </a:r>
+            <a:r>
+              <a:rPr lang="en-US" altLang="zh-CN">
+                <a:ea typeface="宋体" panose="02010600030101010101" pitchFamily="2" charset="-122"/>
+                <a:sym typeface="+mn-ea"/>
+              </a:rPr>
+              <a:t>stretch from top</a:t>
+            </a:r>
+            <a:endParaRPr lang="en-US" altLang="zh-CN">
+              <a:ea typeface="宋体" panose="02010600030101010101" pitchFamily="2" charset="-122"/>
+              <a:sym typeface="+mn-ea"/>
+            </a:endParaRPr>
+          </a:p>
+          <a:p>
+            <a:pPr algn="l"/>
+            <a:endParaRPr lang="en-US" altLang="zh-CN">
+              <a:ea typeface="宋体" panose="02010600030101010101" pitchFamily="2" charset="-122"/>
+            </a:endParaRPr>
+          </a:p>
+          <a:p>
+            <a:pPr algn="l"/>
+            <a:r>
+              <a:rPr lang="zh-CN" altLang="en-US">
+                <a:ea typeface="宋体" panose="02010600030101010101" pitchFamily="2" charset="-122"/>
+              </a:rPr>
+              <a:t>后一个依次 </a:t>
+            </a:r>
+            <a:r>
+              <a:rPr lang="en-US" altLang="zh-CN">
+                <a:ea typeface="宋体" panose="02010600030101010101" pitchFamily="2" charset="-122"/>
+              </a:rPr>
+              <a:t>send to back</a:t>
+            </a:r>
+            <a:r>
+              <a:rPr lang="zh-CN" altLang="en-US">
+                <a:ea typeface="宋体" panose="02010600030101010101" pitchFamily="2" charset="-122"/>
+              </a:rPr>
+              <a:t>，最后水平对齐</a:t>
+            </a:r>
+            <a:r>
+              <a:rPr lang="zh-CN" altLang="en-US">
+                <a:ea typeface="宋体" panose="02010600030101010101" pitchFamily="2" charset="-122"/>
+              </a:rPr>
+              <a:t>所有数字</a:t>
+            </a:r>
+            <a:endParaRPr lang="zh-CN" altLang="en-US">
+              <a:ea typeface="宋体" panose="02010600030101010101" pitchFamily="2" charset="-122"/>
+            </a:endParaRPr>
+          </a:p>
+        </p:txBody>
+      </p:sp>
+    </p:spTree>
+  </p:cSld>
+  <p:clrMapOvr>
+    <a:masterClrMapping/>
+  </p:clrMapOvr>
+  <p:timing>
+    <p:tnLst>
+      <p:par>
+        <p:cTn id="1" dur="indefinite" restart="never" nodeType="tmRoot">
+          <p:childTnLst>
+            <p:seq concurrent="1" nextAc="seek">
+              <p:cTn id="2" dur="indefinite" nodeType="mainSeq">
+                <p:childTnLst>
+                  <p:par>
+                    <p:cTn id="3" fill="hold">
+                      <p:stCondLst>
+                        <p:cond delay="indefinite"/>
+                      </p:stCondLst>
+                      <p:childTnLst>
+                        <p:par>
+                          <p:cTn id="4" fill="hold">
+                            <p:stCondLst>
+                              <p:cond delay="0"/>
+                            </p:stCondLst>
+                            <p:childTnLst>
+                              <p:par>
+                                <p:cTn id="5" presetID="17" presetClass="exit" presetSubtype="4" fill="hold" nodeType="clickEffect">
+                                  <p:stCondLst>
+                                    <p:cond delay="0"/>
+                                  </p:stCondLst>
+                                  <p:childTnLst>
+                                    <p:anim calcmode="lin" valueType="num">
+                                      <p:cBhvr additive="base">
+                                        <p:cTn id="6" dur="500"/>
+                                        <p:tgtEl>
+                                          <p:spTgt spid="34"/>
+                                        </p:tgtEl>
+                                        <p:attrNameLst>
+                                          <p:attrName>ppt_x</p:attrName>
+                                        </p:attrNameLst>
+                                      </p:cBhvr>
+                                      <p:tavLst>
+                                        <p:tav tm="0" fmla="">
+                                          <p:val>
+                                            <p:strVal val="ppt_x"/>
+                                          </p:val>
+                                        </p:tav>
+                                        <p:tav tm="100000" fmla="">
+                                          <p:val>
+                                            <p:strVal val="ppt_x"/>
+                                          </p:val>
+                                        </p:tav>
+                                      </p:tavLst>
+                                    </p:anim>
+                                    <p:anim calcmode="lin" valueType="num">
+                                      <p:cBhvr additive="base">
+                                        <p:cTn id="7" dur="500"/>
+                                        <p:tgtEl>
+                                          <p:spTgt spid="34"/>
+                                        </p:tgtEl>
+                                        <p:attrNameLst>
+                                          <p:attrName>ppt_y</p:attrName>
+                                        </p:attrNameLst>
+                                      </p:cBhvr>
+                                      <p:tavLst>
+                                        <p:tav tm="0" fmla="">
+                                          <p:val>
+                                            <p:strVal val="ppt_y"/>
+                                          </p:val>
+                                        </p:tav>
+                                        <p:tav tm="100000" fmla="">
+                                          <p:val>
+                                            <p:strVal val="ppt_y+ppt_h/2"/>
+                                          </p:val>
+                                        </p:tav>
+                                      </p:tavLst>
+                                    </p:anim>
+                                    <p:anim calcmode="lin" valueType="num">
+                                      <p:cBhvr additive="base">
+                                        <p:cTn id="8" dur="500"/>
+                                        <p:tgtEl>
+                                          <p:spTgt spid="34"/>
+                                        </p:tgtEl>
+                                        <p:attrNameLst>
+                                          <p:attrName>ppt_w</p:attrName>
+                                        </p:attrNameLst>
+                                      </p:cBhvr>
+                                      <p:tavLst>
+                                        <p:tav tm="0" fmla="">
+                                          <p:val>
+                                            <p:strVal val="ppt_w"/>
+                                          </p:val>
+                                        </p:tav>
+                                        <p:tav tm="100000" fmla="">
+                                          <p:val>
+                                            <p:strVal val="ppt_w"/>
+                                          </p:val>
+                                        </p:tav>
+                                      </p:tavLst>
+                                    </p:anim>
+                                    <p:anim calcmode="lin" valueType="num">
+                                      <p:cBhvr additive="base">
+                                        <p:cTn id="9" dur="500"/>
+                                        <p:tgtEl>
+                                          <p:spTgt spid="34"/>
+                                        </p:tgtEl>
+                                        <p:attrNameLst>
+                                          <p:attrName>ppt_h</p:attrName>
+                                        </p:attrNameLst>
+                                      </p:cBhvr>
+                                      <p:tavLst>
+                                        <p:tav tm="0" fmla="">
+                                          <p:val>
+                                            <p:strVal val="ppt_h"/>
+                                          </p:val>
+                                        </p:tav>
+                                        <p:tav tm="100000" fmla="">
+                                          <p:val>
+                                            <p:fltVal val="0.000000"/>
+                                          </p:val>
+                                        </p:tav>
+                                      </p:tavLst>
+                                    </p:anim>
+                                    <p:set>
+                                      <p:cBhvr additive="base">
+                                        <p:cTn id="10" dur="1" fill="hold">
+                                          <p:stCondLst>
+                                            <p:cond delay="499"/>
+                                          </p:stCondLst>
+                                        </p:cTn>
+                                        <p:tgtEl>
+                                          <p:spTgt spid="34"/>
+                                        </p:tgtEl>
+                                        <p:attrNameLst>
+                                          <p:attrName>style.visibility</p:attrName>
+                                        </p:attrNameLst>
+                                      </p:cBhvr>
+                                      <p:to>
+                                        <p:strVal val="hidden"/>
+                                      </p:to>
+                                    </p:set>
+                                  </p:childTnLst>
+                                </p:cTn>
+                              </p:par>
+                              <p:par>
+                                <p:cTn id="11" presetID="1" presetClass="exit" presetSubtype="0" fill="hold" nodeType="withEffect">
+                                  <p:stCondLst>
+                                    <p:cond delay="0"/>
+                                  </p:stCondLst>
+                                  <p:childTnLst>
+                                    <p:set>
+                                      <p:cBhvr>
+                                        <p:cTn id="12" dur="1" fill="hold">
+                                          <p:stCondLst>
+                                            <p:cond delay="0"/>
+                                          </p:stCondLst>
+                                        </p:cTn>
+                                        <p:tgtEl>
+                                          <p:spTgt spid="35"/>
+                                        </p:tgtEl>
+                                        <p:attrNameLst>
+                                          <p:attrName>style.visibility</p:attrName>
+                                        </p:attrNameLst>
+                                      </p:cBhvr>
+                                      <p:to>
+                                        <p:strVal val="hidden"/>
+                                      </p:to>
+                                    </p:set>
+                                  </p:childTnLst>
+                                </p:cTn>
+                              </p:par>
+                              <p:par>
+                                <p:cTn id="13" presetID="17" presetClass="entr" presetSubtype="1" fill="hold" nodeType="withEffect">
+                                  <p:stCondLst>
+                                    <p:cond delay="0"/>
+                                  </p:stCondLst>
+                                  <p:childTnLst>
+                                    <p:set>
+                                      <p:cBhvr additive="base">
+                                        <p:cTn id="14" dur="1" fill="hold">
+                                          <p:stCondLst>
+                                            <p:cond delay="0"/>
+                                          </p:stCondLst>
+                                        </p:cTn>
+                                        <p:tgtEl>
+                                          <p:spTgt spid="37"/>
+                                        </p:tgtEl>
+                                        <p:attrNameLst>
+                                          <p:attrName>style.visibility</p:attrName>
+                                        </p:attrNameLst>
+                                      </p:cBhvr>
+                                      <p:to>
+                                        <p:strVal val="visible"/>
+                                      </p:to>
+                                    </p:set>
+                                    <p:anim calcmode="lin" valueType="num">
+                                      <p:cBhvr additive="base">
+                                        <p:cTn id="15" dur="500" fill="hold"/>
+                                        <p:tgtEl>
+                                          <p:spTgt spid="37"/>
+                                        </p:tgtEl>
+                                        <p:attrNameLst>
+                                          <p:attrName>ppt_x</p:attrName>
+                                        </p:attrNameLst>
+                                      </p:cBhvr>
+                                      <p:tavLst>
+                                        <p:tav tm="0" fmla="">
+                                          <p:val>
+                                            <p:strVal val="#ppt_x"/>
+                                          </p:val>
+                                        </p:tav>
+                                        <p:tav tm="100000" fmla="">
+                                          <p:val>
+                                            <p:strVal val="#ppt_x"/>
+                                          </p:val>
+                                        </p:tav>
+                                      </p:tavLst>
+                                    </p:anim>
+                                    <p:anim calcmode="lin" valueType="num">
+                                      <p:cBhvr additive="base">
+                                        <p:cTn id="16" dur="500" fill="hold"/>
+                                        <p:tgtEl>
+                                          <p:spTgt spid="37"/>
+                                        </p:tgtEl>
+                                        <p:attrNameLst>
+                                          <p:attrName>ppt_y</p:attrName>
+                                        </p:attrNameLst>
+                                      </p:cBhvr>
+                                      <p:tavLst>
+                                        <p:tav tm="0" fmla="">
+                                          <p:val>
+                                            <p:strVal val="#ppt_y-#ppt_h/2"/>
+                                          </p:val>
+                                        </p:tav>
+                                        <p:tav tm="100000" fmla="">
+                                          <p:val>
+                                            <p:strVal val="#ppt_y"/>
+                                          </p:val>
+                                        </p:tav>
+                                      </p:tavLst>
+                                    </p:anim>
+                                    <p:anim calcmode="lin" valueType="num">
+                                      <p:cBhvr additive="base">
+                                        <p:cTn id="17" dur="500" fill="hold"/>
+                                        <p:tgtEl>
+                                          <p:spTgt spid="37"/>
+                                        </p:tgtEl>
+                                        <p:attrNameLst>
+                                          <p:attrName>ppt_w</p:attrName>
+                                        </p:attrNameLst>
+                                      </p:cBhvr>
+                                      <p:tavLst>
+                                        <p:tav tm="0" fmla="">
+                                          <p:val>
+                                            <p:strVal val="#ppt_w"/>
+                                          </p:val>
+                                        </p:tav>
+                                        <p:tav tm="100000" fmla="">
+                                          <p:val>
+                                            <p:strVal val="#ppt_w"/>
+                                          </p:val>
+                                        </p:tav>
+                                      </p:tavLst>
+                                    </p:anim>
+                                    <p:anim calcmode="lin" valueType="num">
+                                      <p:cBhvr additive="base">
+                                        <p:cTn id="18" dur="500" fill="hold"/>
+                                        <p:tgtEl>
+                                          <p:spTgt spid="37"/>
+                                        </p:tgtEl>
+                                        <p:attrNameLst>
+                                          <p:attrName>ppt_h</p:attrName>
+                                        </p:attrNameLst>
+                                      </p:cBhvr>
+                                      <p:tavLst>
+                                        <p:tav tm="0" fmla="">
+                                          <p:val>
+                                            <p:fltVal val="0.000000"/>
+                                          </p:val>
+                                        </p:tav>
+                                        <p:tav tm="100000" fmla="">
+                                          <p:val>
+                                            <p:strVal val="#ppt_h"/>
+                                          </p:val>
+                                        </p:tav>
+                                      </p:tavLst>
+                                    </p:anim>
+                                  </p:childTnLst>
+                                </p:cTn>
+                              </p:par>
+                            </p:childTnLst>
+                          </p:cTn>
+                        </p:par>
+                      </p:childTnLst>
+                    </p:cTn>
+                  </p:par>
+                  <p:par>
+                    <p:cTn id="19" fill="hold">
+                      <p:stCondLst>
+                        <p:cond delay="indefinite"/>
+                      </p:stCondLst>
+                      <p:childTnLst>
+                        <p:par>
+                          <p:cTn id="20" fill="hold">
+                            <p:stCondLst>
+                              <p:cond delay="0"/>
+                            </p:stCondLst>
+                            <p:childTnLst>
+                              <p:par>
+                                <p:cTn id="21" presetID="17" presetClass="exit" presetSubtype="4" fill="hold" nodeType="clickEffect">
+                                  <p:stCondLst>
+                                    <p:cond delay="0"/>
+                                  </p:stCondLst>
+                                  <p:childTnLst>
+                                    <p:anim calcmode="lin" valueType="num">
+                                      <p:cBhvr additive="base">
+                                        <p:cTn id="22" dur="500"/>
+                                        <p:tgtEl>
+                                          <p:spTgt spid="36"/>
+                                        </p:tgtEl>
+                                        <p:attrNameLst>
+                                          <p:attrName>ppt_x</p:attrName>
+                                        </p:attrNameLst>
+                                      </p:cBhvr>
+                                      <p:tavLst>
+                                        <p:tav tm="0" fmla="">
+                                          <p:val>
+                                            <p:strVal val="ppt_x"/>
+                                          </p:val>
+                                        </p:tav>
+                                        <p:tav tm="100000" fmla="">
+                                          <p:val>
+                                            <p:strVal val="ppt_x"/>
+                                          </p:val>
+                                        </p:tav>
+                                      </p:tavLst>
+                                    </p:anim>
+                                    <p:anim calcmode="lin" valueType="num">
+                                      <p:cBhvr additive="base">
+                                        <p:cTn id="23" dur="500"/>
+                                        <p:tgtEl>
+                                          <p:spTgt spid="36"/>
+                                        </p:tgtEl>
+                                        <p:attrNameLst>
+                                          <p:attrName>ppt_y</p:attrName>
+                                        </p:attrNameLst>
+                                      </p:cBhvr>
+                                      <p:tavLst>
+                                        <p:tav tm="0" fmla="">
+                                          <p:val>
+                                            <p:strVal val="ppt_y"/>
+                                          </p:val>
+                                        </p:tav>
+                                        <p:tav tm="100000" fmla="">
+                                          <p:val>
+                                            <p:strVal val="ppt_y+ppt_h/2"/>
+                                          </p:val>
+                                        </p:tav>
+                                      </p:tavLst>
+                                    </p:anim>
+                                    <p:anim calcmode="lin" valueType="num">
+                                      <p:cBhvr additive="base">
+                                        <p:cTn id="24" dur="500"/>
+                                        <p:tgtEl>
+                                          <p:spTgt spid="36"/>
+                                        </p:tgtEl>
+                                        <p:attrNameLst>
+                                          <p:attrName>ppt_w</p:attrName>
+                                        </p:attrNameLst>
+                                      </p:cBhvr>
+                                      <p:tavLst>
+                                        <p:tav tm="0" fmla="">
+                                          <p:val>
+                                            <p:strVal val="ppt_w"/>
+                                          </p:val>
+                                        </p:tav>
+                                        <p:tav tm="100000" fmla="">
+                                          <p:val>
+                                            <p:strVal val="ppt_w"/>
+                                          </p:val>
+                                        </p:tav>
+                                      </p:tavLst>
+                                    </p:anim>
+                                    <p:anim calcmode="lin" valueType="num">
+                                      <p:cBhvr additive="base">
+                                        <p:cTn id="25" dur="500"/>
+                                        <p:tgtEl>
+                                          <p:spTgt spid="36"/>
+                                        </p:tgtEl>
+                                        <p:attrNameLst>
+                                          <p:attrName>ppt_h</p:attrName>
+                                        </p:attrNameLst>
+                                      </p:cBhvr>
+                                      <p:tavLst>
+                                        <p:tav tm="0" fmla="">
+                                          <p:val>
+                                            <p:strVal val="ppt_h"/>
+                                          </p:val>
+                                        </p:tav>
+                                        <p:tav tm="100000" fmla="">
+                                          <p:val>
+                                            <p:fltVal val="0.000000"/>
+                                          </p:val>
+                                        </p:tav>
+                                      </p:tavLst>
+                                    </p:anim>
+                                    <p:set>
+                                      <p:cBhvr additive="base">
+                                        <p:cTn id="26" dur="1" fill="hold">
+                                          <p:stCondLst>
+                                            <p:cond delay="499"/>
+                                          </p:stCondLst>
+                                        </p:cTn>
+                                        <p:tgtEl>
+                                          <p:spTgt spid="36"/>
+                                        </p:tgtEl>
+                                        <p:attrNameLst>
+                                          <p:attrName>style.visibility</p:attrName>
+                                        </p:attrNameLst>
+                                      </p:cBhvr>
+                                      <p:to>
+                                        <p:strVal val="hidden"/>
+                                      </p:to>
+                                    </p:set>
+                                  </p:childTnLst>
+                                </p:cTn>
+                              </p:par>
+                              <p:par>
+                                <p:cTn id="27" presetID="1" presetClass="exit" presetSubtype="0" fill="hold" nodeType="withEffect">
+                                  <p:stCondLst>
+                                    <p:cond delay="0"/>
+                                  </p:stCondLst>
+                                  <p:childTnLst>
+                                    <p:set>
+                                      <p:cBhvr>
+                                        <p:cTn id="28" dur="1" fill="hold">
+                                          <p:stCondLst>
+                                            <p:cond delay="0"/>
+                                          </p:stCondLst>
+                                        </p:cTn>
+                                        <p:tgtEl>
+                                          <p:spTgt spid="37"/>
+                                        </p:tgtEl>
+                                        <p:attrNameLst>
+                                          <p:attrName>style.visibility</p:attrName>
+                                        </p:attrNameLst>
+                                      </p:cBhvr>
+                                      <p:to>
+                                        <p:strVal val="hidden"/>
+                                      </p:to>
+                                    </p:set>
+                                  </p:childTnLst>
+                                </p:cTn>
+                              </p:par>
+                              <p:par>
+                                <p:cTn id="29" presetID="17" presetClass="entr" presetSubtype="1" fill="hold" nodeType="withEffect">
+                                  <p:stCondLst>
+                                    <p:cond delay="0"/>
+                                  </p:stCondLst>
+                                  <p:childTnLst>
+                                    <p:set>
+                                      <p:cBhvr additive="base">
+                                        <p:cTn id="30" dur="1" fill="hold">
+                                          <p:stCondLst>
+                                            <p:cond delay="0"/>
+                                          </p:stCondLst>
+                                        </p:cTn>
+                                        <p:tgtEl>
+                                          <p:spTgt spid="38"/>
+                                        </p:tgtEl>
+                                        <p:attrNameLst>
+                                          <p:attrName>style.visibility</p:attrName>
+                                        </p:attrNameLst>
+                                      </p:cBhvr>
+                                      <p:to>
+                                        <p:strVal val="visible"/>
+                                      </p:to>
+                                    </p:set>
+                                    <p:anim calcmode="lin" valueType="num">
+                                      <p:cBhvr additive="base">
+                                        <p:cTn id="31" dur="500" fill="hold"/>
+                                        <p:tgtEl>
+                                          <p:spTgt spid="38"/>
+                                        </p:tgtEl>
+                                        <p:attrNameLst>
+                                          <p:attrName>ppt_x</p:attrName>
+                                        </p:attrNameLst>
+                                      </p:cBhvr>
+                                      <p:tavLst>
+                                        <p:tav tm="0" fmla="">
+                                          <p:val>
+                                            <p:strVal val="#ppt_x"/>
+                                          </p:val>
+                                        </p:tav>
+                                        <p:tav tm="100000" fmla="">
+                                          <p:val>
+                                            <p:strVal val="#ppt_x"/>
+                                          </p:val>
+                                        </p:tav>
+                                      </p:tavLst>
+                                    </p:anim>
+                                    <p:anim calcmode="lin" valueType="num">
+                                      <p:cBhvr additive="base">
+                                        <p:cTn id="32" dur="500" fill="hold"/>
+                                        <p:tgtEl>
+                                          <p:spTgt spid="38"/>
+                                        </p:tgtEl>
+                                        <p:attrNameLst>
+                                          <p:attrName>ppt_y</p:attrName>
+                                        </p:attrNameLst>
+                                      </p:cBhvr>
+                                      <p:tavLst>
+                                        <p:tav tm="0" fmla="">
+                                          <p:val>
+                                            <p:strVal val="#ppt_y-#ppt_h/2"/>
+                                          </p:val>
+                                        </p:tav>
+                                        <p:tav tm="100000" fmla="">
+                                          <p:val>
+                                            <p:strVal val="#ppt_y"/>
+                                          </p:val>
+                                        </p:tav>
+                                      </p:tavLst>
+                                    </p:anim>
+                                    <p:anim calcmode="lin" valueType="num">
+                                      <p:cBhvr additive="base">
+                                        <p:cTn id="33" dur="500" fill="hold"/>
+                                        <p:tgtEl>
+                                          <p:spTgt spid="38"/>
+                                        </p:tgtEl>
+                                        <p:attrNameLst>
+                                          <p:attrName>ppt_w</p:attrName>
+                                        </p:attrNameLst>
+                                      </p:cBhvr>
+                                      <p:tavLst>
+                                        <p:tav tm="0" fmla="">
+                                          <p:val>
+                                            <p:strVal val="#ppt_w"/>
+                                          </p:val>
+                                        </p:tav>
+                                        <p:tav tm="100000" fmla="">
+                                          <p:val>
+                                            <p:strVal val="#ppt_w"/>
+                                          </p:val>
+                                        </p:tav>
+                                      </p:tavLst>
+                                    </p:anim>
+                                    <p:anim calcmode="lin" valueType="num">
+                                      <p:cBhvr additive="base">
+                                        <p:cTn id="34" dur="500" fill="hold"/>
+                                        <p:tgtEl>
+                                          <p:spTgt spid="38"/>
+                                        </p:tgtEl>
+                                        <p:attrNameLst>
+                                          <p:attrName>ppt_h</p:attrName>
+                                        </p:attrNameLst>
+                                      </p:cBhvr>
+                                      <p:tavLst>
+                                        <p:tav tm="0" fmla="">
+                                          <p:val>
+                                            <p:fltVal val="0.000000"/>
+                                          </p:val>
+                                        </p:tav>
+                                        <p:tav tm="100000" fmla="">
+                                          <p:val>
+                                            <p:strVal val="#ppt_h"/>
+                                          </p:val>
+                                        </p:tav>
+                                      </p:tavLst>
+                                    </p:anim>
+                                  </p:childTnLst>
+                                </p:cTn>
+                              </p:par>
+                            </p:childTnLst>
+                          </p:cTn>
+                        </p:par>
+                      </p:childTnLst>
+                    </p:cTn>
+                  </p:par>
+                  <p:par>
+                    <p:cTn id="35" fill="hold">
+                      <p:stCondLst>
+                        <p:cond delay="indefinite"/>
+                      </p:stCondLst>
+                      <p:childTnLst>
+                        <p:par>
+                          <p:cTn id="36" fill="hold">
+                            <p:stCondLst>
+                              <p:cond delay="0"/>
+                            </p:stCondLst>
+                            <p:childTnLst>
+                              <p:par>
+                                <p:cTn id="37" presetID="17" presetClass="exit" presetSubtype="4" fill="hold" nodeType="clickEffect">
+                                  <p:stCondLst>
+                                    <p:cond delay="0"/>
+                                  </p:stCondLst>
+                                  <p:childTnLst>
+                                    <p:anim calcmode="lin" valueType="num">
+                                      <p:cBhvr additive="base">
+                                        <p:cTn id="38" dur="500"/>
+                                        <p:tgtEl>
+                                          <p:spTgt spid="39"/>
+                                        </p:tgtEl>
+                                        <p:attrNameLst>
+                                          <p:attrName>ppt_x</p:attrName>
+                                        </p:attrNameLst>
+                                      </p:cBhvr>
+                                      <p:tavLst>
+                                        <p:tav tm="0" fmla="">
+                                          <p:val>
+                                            <p:strVal val="ppt_x"/>
+                                          </p:val>
+                                        </p:tav>
+                                        <p:tav tm="100000" fmla="">
+                                          <p:val>
+                                            <p:strVal val="ppt_x"/>
+                                          </p:val>
+                                        </p:tav>
+                                      </p:tavLst>
+                                    </p:anim>
+                                    <p:anim calcmode="lin" valueType="num">
+                                      <p:cBhvr additive="base">
+                                        <p:cTn id="39" dur="500"/>
+                                        <p:tgtEl>
+                                          <p:spTgt spid="39"/>
+                                        </p:tgtEl>
+                                        <p:attrNameLst>
+                                          <p:attrName>ppt_y</p:attrName>
+                                        </p:attrNameLst>
+                                      </p:cBhvr>
+                                      <p:tavLst>
+                                        <p:tav tm="0" fmla="">
+                                          <p:val>
+                                            <p:strVal val="ppt_y"/>
+                                          </p:val>
+                                        </p:tav>
+                                        <p:tav tm="100000" fmla="">
+                                          <p:val>
+                                            <p:strVal val="ppt_y+ppt_h/2"/>
+                                          </p:val>
+                                        </p:tav>
+                                      </p:tavLst>
+                                    </p:anim>
+                                    <p:anim calcmode="lin" valueType="num">
+                                      <p:cBhvr additive="base">
+                                        <p:cTn id="40" dur="500"/>
+                                        <p:tgtEl>
+                                          <p:spTgt spid="39"/>
+                                        </p:tgtEl>
+                                        <p:attrNameLst>
+                                          <p:attrName>ppt_w</p:attrName>
+                                        </p:attrNameLst>
+                                      </p:cBhvr>
+                                      <p:tavLst>
+                                        <p:tav tm="0" fmla="">
+                                          <p:val>
+                                            <p:strVal val="ppt_w"/>
+                                          </p:val>
+                                        </p:tav>
+                                        <p:tav tm="100000" fmla="">
+                                          <p:val>
+                                            <p:strVal val="ppt_w"/>
+                                          </p:val>
+                                        </p:tav>
+                                      </p:tavLst>
+                                    </p:anim>
+                                    <p:anim calcmode="lin" valueType="num">
+                                      <p:cBhvr additive="base">
+                                        <p:cTn id="41" dur="500"/>
+                                        <p:tgtEl>
+                                          <p:spTgt spid="39"/>
+                                        </p:tgtEl>
+                                        <p:attrNameLst>
+                                          <p:attrName>ppt_h</p:attrName>
+                                        </p:attrNameLst>
+                                      </p:cBhvr>
+                                      <p:tavLst>
+                                        <p:tav tm="0" fmla="">
+                                          <p:val>
+                                            <p:strVal val="ppt_h"/>
+                                          </p:val>
+                                        </p:tav>
+                                        <p:tav tm="100000" fmla="">
+                                          <p:val>
+                                            <p:fltVal val="0.000000"/>
+                                          </p:val>
+                                        </p:tav>
+                                      </p:tavLst>
+                                    </p:anim>
+                                    <p:set>
+                                      <p:cBhvr additive="base">
+                                        <p:cTn id="42" dur="1" fill="hold">
+                                          <p:stCondLst>
+                                            <p:cond delay="499"/>
+                                          </p:stCondLst>
+                                        </p:cTn>
+                                        <p:tgtEl>
+                                          <p:spTgt spid="39"/>
+                                        </p:tgtEl>
+                                        <p:attrNameLst>
+                                          <p:attrName>style.visibility</p:attrName>
+                                        </p:attrNameLst>
+                                      </p:cBhvr>
+                                      <p:to>
+                                        <p:strVal val="hidden"/>
+                                      </p:to>
+                                    </p:set>
+                                  </p:childTnLst>
+                                </p:cTn>
+                              </p:par>
+                              <p:par>
+                                <p:cTn id="43" presetID="1" presetClass="exit" presetSubtype="0" fill="hold" nodeType="withEffect">
+                                  <p:stCondLst>
+                                    <p:cond delay="0"/>
+                                  </p:stCondLst>
+                                  <p:childTnLst>
+                                    <p:set>
+                                      <p:cBhvr>
+                                        <p:cTn id="44" dur="1" fill="hold">
+                                          <p:stCondLst>
+                                            <p:cond delay="0"/>
+                                          </p:stCondLst>
+                                        </p:cTn>
+                                        <p:tgtEl>
+                                          <p:spTgt spid="38"/>
+                                        </p:tgtEl>
+                                        <p:attrNameLst>
+                                          <p:attrName>style.visibility</p:attrName>
+                                        </p:attrNameLst>
+                                      </p:cBhvr>
+                                      <p:to>
+                                        <p:strVal val="hidden"/>
+                                      </p:to>
+                                    </p:set>
+                                  </p:childTnLst>
+                                </p:cTn>
+                              </p:par>
+                            </p:childTnLst>
+                          </p:cTn>
+                        </p:par>
+                      </p:childTnLst>
+                    </p:cTn>
+                  </p:par>
+                </p:childTnLst>
+              </p:cTn>
+              <p:prevCondLst>
+                <p:cond evt="onPrev" delay="0">
+                  <p:tgtEl>
+                    <p:sldTgt/>
+                  </p:tgtEl>
+                </p:cond>
+              </p:prevCondLst>
+              <p:nextCondLst>
+                <p:cond evt="onNext" delay="0">
+                  <p:tgtEl>
+                    <p:sldTgt/>
+                  </p:tgtEl>
+                </p:cond>
+              </p:nextCondLst>
+            </p:seq>
+          </p:childTnLst>
+        </p:cTn>
+      </p:par>
+    </p:tnLst>
+  </p:timing>
+</p:sld>
+</file>
+
 <file path=ppt/theme/theme1.xml><?xml version="1.0" encoding="utf-8"?>
+<a:theme xmlns:a="http://schemas.openxmlformats.org/drawingml/2006/main" name="Default Design">
+  <a:themeElements>
+    <a:clrScheme name="">
+      <a:dk1>
+        <a:srgbClr val="000000"/>
+      </a:dk1>
+      <a:lt1>
+        <a:srgbClr val="FFFFFF"/>
+      </a:lt1>
+      <a:dk2>
+        <a:srgbClr val="000000"/>
+      </a:dk2>
+      <a:lt2>
+        <a:srgbClr val="808080"/>
+      </a:lt2>
+      <a:accent1>
+        <a:srgbClr val="7DB6EF"/>
+      </a:accent1>
+      <a:accent2>
+        <a:srgbClr val="C0504D"/>
+      </a:accent2>
+      <a:accent3>
+        <a:srgbClr val="FFFFFF"/>
+      </a:accent3>
+      <a:accent4>
+        <a:srgbClr val="000000"/>
+      </a:accent4>
+      <a:accent5>
+        <a:srgbClr val="C0D7F5"/>
+      </a:accent5>
+      <a:accent6>
+        <a:srgbClr val="AC4744"/>
+      </a:accent6>
+      <a:hlink>
+        <a:srgbClr val="0066CC"/>
+      </a:hlink>
+      <a:folHlink>
+        <a:srgbClr val="800080"/>
+      </a:folHlink>
+    </a:clrScheme>
+    <a:fontScheme name="">
+      <a:majorFont>
+        <a:latin typeface="Arial"/>
+        <a:ea typeface="Arial"/>
+        <a:cs typeface=""/>
+      </a:majorFont>
+      <a:minorFont>
+        <a:latin typeface="Arial"/>
+        <a:ea typeface="Arial"/>
+        <a:cs typeface=""/>
+      </a:minorFont>
+    </a:fontScheme>
+    <a:fmtScheme name="Office">
+      <a:fillStyleLst>
+        <a:solidFill>
+          <a:schemeClr val="phClr"/>
+        </a:solidFill>
+        <a:gradFill rotWithShape="1">
+          <a:gsLst>
+            <a:gs pos="0">
+              <a:schemeClr val="phClr">
+                <a:lumMod val="110000"/>
+                <a:satMod val="105000"/>
+                <a:tint val="67000"/>
+              </a:schemeClr>
+            </a:gs>
+            <a:gs pos="50000">
+              <a:schemeClr val="phClr">
+                <a:lumMod val="105000"/>
+                <a:satMod val="103000"/>
+                <a:tint val="73000"/>
+              </a:schemeClr>
+            </a:gs>
+            <a:gs pos="100000">
+              <a:schemeClr val="phClr">
+                <a:lumMod val="105000"/>
+                <a:satMod val="109000"/>
+                <a:tint val="81000"/>
+              </a:schemeClr>
+            </a:gs>
+          </a:gsLst>
+          <a:lin ang="5400000" scaled="0"/>
+        </a:gradFill>
+        <a:gradFill rotWithShape="1">
+          <a:gsLst>
+            <a:gs pos="0">
+              <a:schemeClr val="phClr">
+                <a:satMod val="103000"/>
+                <a:lumMod val="102000"/>
+                <a:tint val="94000"/>
+              </a:schemeClr>
+            </a:gs>
+            <a:gs pos="50000">
+              <a:schemeClr val="phClr">
+                <a:satMod val="110000"/>
+                <a:lumMod val="100000"/>
+                <a:shade val="100000"/>
+              </a:schemeClr>
+            </a:gs>
+            <a:gs pos="100000">
+              <a:schemeClr val="phClr">
+                <a:lumMod val="99000"/>
+                <a:satMod val="120000"/>
+                <a:shade val="78000"/>
+              </a:schemeClr>
+            </a:gs>
+          </a:gsLst>
+          <a:lin ang="5400000" scaled="0"/>
+        </a:gradFill>
+      </a:fillStyleLst>
+      <a:lnStyleLst>
+        <a:ln w="6350" cap="flat" cmpd="sng" algn="ctr">
+          <a:solidFill>
+            <a:schemeClr val="phClr"/>
+          </a:solidFill>
+          <a:prstDash val="solid"/>
+          <a:miter lim="800000"/>
+        </a:ln>
+        <a:ln w="12700" cap="flat" cmpd="sng" algn="ctr">
+          <a:solidFill>
+            <a:schemeClr val="phClr"/>
+          </a:solidFill>
+          <a:prstDash val="solid"/>
+          <a:miter lim="800000"/>
+        </a:ln>
+        <a:ln w="19050" cap="flat" cmpd="sng" algn="ctr">
+          <a:solidFill>
+            <a:schemeClr val="phClr"/>
+          </a:solidFill>
+          <a:prstDash val="solid"/>
+          <a:miter lim="800000"/>
+        </a:ln>
+      </a:lnStyleLst>
+      <a:effectStyleLst>
+        <a:effectStyle>
+          <a:effectLst/>
+        </a:effectStyle>
+        <a:effectStyle>
+          <a:effectLst/>
+        </a:effectStyle>
+        <a:effectStyle>
+          <a:effectLst>
+            <a:outerShdw blurRad="57150" dist="19050" dir="5400000" algn="ctr" rotWithShape="0">
+              <a:srgbClr val="000000">
+                <a:alpha val="63000"/>
+              </a:srgbClr>
+            </a:outerShdw>
+          </a:effectLst>
+        </a:effectStyle>
+      </a:effectStyleLst>
+      <a:bgFillStyleLst>
+        <a:solidFill>
+          <a:schemeClr val="phClr"/>
+        </a:solidFill>
+        <a:solidFill>
+          <a:schemeClr val="phClr">
+            <a:tint val="95000"/>
+            <a:satMod val="170000"/>
+          </a:schemeClr>
+        </a:solidFill>
+        <a:gradFill rotWithShape="1">
+          <a:gsLst>
+            <a:gs pos="0">
+              <a:schemeClr val="phClr">
+                <a:tint val="93000"/>
+                <a:satMod val="150000"/>
+                <a:shade val="98000"/>
+                <a:lumMod val="102000"/>
+              </a:schemeClr>
+            </a:gs>
+            <a:gs pos="50000">
+              <a:schemeClr val="phClr">
+                <a:tint val="98000"/>
+                <a:satMod val="130000"/>
+                <a:shade val="90000"/>
+                <a:lumMod val="103000"/>
+              </a:schemeClr>
+            </a:gs>
+            <a:gs pos="100000">
+              <a:schemeClr val="phClr">
+                <a:shade val="63000"/>
+                <a:satMod val="120000"/>
+              </a:schemeClr>
+            </a:gs>
+          </a:gsLst>
+          <a:lin ang="5400000" scaled="0"/>
+        </a:gradFill>
+      </a:bgFillStyleLst>
+    </a:fmtScheme>
+  </a:themeElements>
+  <a:extraClrSchemeLst>
+    <a:extraClrScheme>
+      <a:clrScheme name="">
+        <a:dk1>
+          <a:srgbClr val="000000"/>
+        </a:dk1>
+        <a:lt1>
+          <a:srgbClr val="FFFFFF"/>
+        </a:lt1>
+        <a:dk2>
+          <a:srgbClr val="000000"/>
+        </a:dk2>
+        <a:lt2>
+          <a:srgbClr val="969696"/>
+        </a:lt2>
+        <a:accent1>
+          <a:srgbClr val="FBDF53"/>
+        </a:accent1>
+        <a:accent2>
+          <a:srgbClr val="FF9966"/>
+        </a:accent2>
+        <a:accent3>
+          <a:srgbClr val="FFFFFF"/>
+        </a:accent3>
+        <a:accent4>
+          <a:srgbClr val="000000"/>
+        </a:accent4>
+        <a:accent5>
+          <a:srgbClr val="FDECB4"/>
+        </a:accent5>
+        <a:accent6>
+          <a:srgbClr val="E5895B"/>
+        </a:accent6>
+        <a:hlink>
+          <a:srgbClr val="CC3300"/>
+        </a:hlink>
+        <a:folHlink>
+          <a:srgbClr val="996600"/>
+        </a:folHlink>
+      </a:clrScheme>
+      <a:clrMap bg1="lt1" tx1="dk1" bg2="lt2" tx2="dk2" accent1="accent1" accent2="accent2" accent3="accent3" accent4="accent4" accent5="accent5" accent6="accent6" hlink="hlink" folHlink="folHlink"/>
+    </a:extraClrScheme>
+    <a:extraClrScheme>
+      <a:clrScheme name="">
+        <a:dk1>
+          <a:srgbClr val="000000"/>
+        </a:dk1>
+        <a:lt1>
+          <a:srgbClr val="FFFFFF"/>
+        </a:lt1>
+        <a:dk2>
+          <a:srgbClr val="000000"/>
+        </a:dk2>
+        <a:lt2>
+          <a:srgbClr val="808080"/>
+        </a:lt2>
+        <a:accent1>
+          <a:srgbClr val="99CCFF"/>
+        </a:accent1>
+        <a:accent2>
+          <a:srgbClr val="CCCCFF"/>
+        </a:accent2>
+        <a:accent3>
+          <a:srgbClr val="FFFFFF"/>
+        </a:accent3>
+        <a:accent4>
+          <a:srgbClr val="000000"/>
+        </a:accent4>
+        <a:accent5>
+          <a:srgbClr val="CAE2FF"/>
+        </a:accent5>
+        <a:accent6>
+          <a:srgbClr val="B7B7E5"/>
+        </a:accent6>
+        <a:hlink>
+          <a:srgbClr val="3333CC"/>
+        </a:hlink>
+        <a:folHlink>
+          <a:srgbClr val="AF67FF"/>
+        </a:folHlink>
+      </a:clrScheme>
+      <a:clrMap bg1="lt1" tx1="dk1" bg2="lt2" tx2="dk2" accent1="accent1" accent2="accent2" accent3="accent3" accent4="accent4" accent5="accent5" accent6="accent6" hlink="hlink" folHlink="folHlink"/>
+    </a:extraClrScheme>
+    <a:extraClrScheme>
+      <a:clrScheme name="">
+        <a:dk1>
+          <a:srgbClr val="000000"/>
+        </a:dk1>
+        <a:lt1>
+          <a:srgbClr val="DEF6F1"/>
+        </a:lt1>
+        <a:dk2>
+          <a:srgbClr val="000000"/>
+        </a:dk2>
+        <a:lt2>
+          <a:srgbClr val="969696"/>
+        </a:lt2>
+        <a:accent1>
+          <a:srgbClr val="FFFFFF"/>
+        </a:accent1>
+        <a:accent2>
+          <a:srgbClr val="8DC6FF"/>
+        </a:accent2>
+        <a:accent3>
+          <a:srgbClr val="EBFAF7"/>
+        </a:accent3>
+        <a:accent4>
+          <a:srgbClr val="000000"/>
+        </a:accent4>
+        <a:accent5>
+          <a:srgbClr val="FFFFFF"/>
+        </a:accent5>
+        <a:accent6>
+          <a:srgbClr val="7EB1E5"/>
+        </a:accent6>
+        <a:hlink>
+          <a:srgbClr val="0066CC"/>
+        </a:hlink>
+        <a:folHlink>
+          <a:srgbClr val="00A800"/>
+        </a:folHlink>
+      </a:clrScheme>
+      <a:clrMap bg1="lt1" tx1="dk1" bg2="lt2" tx2="dk2" accent1="accent1" accent2="accent2" accent3="accent3" accent4="accent4" accent5="accent5" accent6="accent6" hlink="hlink" folHlink="folHlink"/>
+    </a:extraClrScheme>
+    <a:extraClrScheme>
+      <a:clrScheme name="">
+        <a:dk1>
+          <a:srgbClr val="000000"/>
+        </a:dk1>
+        <a:lt1>
+          <a:srgbClr val="FFFFD9"/>
+        </a:lt1>
+        <a:dk2>
+          <a:srgbClr val="000000"/>
+        </a:dk2>
+        <a:lt2>
+          <a:srgbClr val="777777"/>
+        </a:lt2>
+        <a:accent1>
+          <a:srgbClr val="FFFFF7"/>
+        </a:accent1>
+        <a:accent2>
+          <a:srgbClr val="33CCCC"/>
+        </a:accent2>
+        <a:accent3>
+          <a:srgbClr val="FFFFE9"/>
+        </a:accent3>
+        <a:accent4>
+          <a:srgbClr val="000000"/>
+        </a:accent4>
+        <a:accent5>
+          <a:srgbClr val="FFFFFA"/>
+        </a:accent5>
+        <a:accent6>
+          <a:srgbClr val="2DB7B7"/>
+        </a:accent6>
+        <a:hlink>
+          <a:srgbClr val="FF5050"/>
+        </a:hlink>
+        <a:folHlink>
+          <a:srgbClr val="FF9900"/>
+        </a:folHlink>
+      </a:clrScheme>
+      <a:clrMap bg1="lt1" tx1="dk1" bg2="lt2" tx2="dk2" accent1="accent1" accent2="accent2" accent3="accent3" accent4="accent4" accent5="accent5" accent6="accent6" hlink="hlink" folHlink="folHlink"/>
+    </a:extraClrScheme>
+    <a:extraClrScheme>
+      <a:clrScheme name="">
+        <a:dk1>
+          <a:srgbClr val="FFFFFF"/>
+        </a:dk1>
+        <a:lt1>
+          <a:srgbClr val="008080"/>
+        </a:lt1>
+        <a:dk2>
+          <a:srgbClr val="FFFF99"/>
+        </a:dk2>
+        <a:lt2>
+          <a:srgbClr val="005A58"/>
+        </a:lt2>
+        <a:accent1>
+          <a:srgbClr val="006462"/>
+        </a:accent1>
+        <a:accent2>
+          <a:srgbClr val="6D6FC7"/>
+        </a:accent2>
+        <a:accent3>
+          <a:srgbClr val="AAC1C1"/>
+        </a:accent3>
+        <a:accent4>
+          <a:srgbClr val="DCDCDC"/>
+        </a:accent4>
+        <a:accent5>
+          <a:srgbClr val="AAB8B8"/>
+        </a:accent5>
+        <a:accent6>
+          <a:srgbClr val="6163B2"/>
+        </a:accent6>
+        <a:hlink>
+          <a:srgbClr val="00FFFF"/>
+        </a:hlink>
+        <a:folHlink>
+          <a:srgbClr val="00FF00"/>
+        </a:folHlink>
+      </a:clrScheme>
+      <a:clrMap bg1="lt1" tx1="dk1" bg2="lt2" tx2="dk2" accent1="accent1" accent2="accent2" accent3="accent3" accent4="accent4" accent5="accent5" accent6="accent6" hlink="hlink" folHlink="folHlink"/>
+    </a:extraClrScheme>
+    <a:extraClrScheme>
+      <a:clrScheme name="">
+        <a:dk1>
+          <a:srgbClr val="FFFFFF"/>
+        </a:dk1>
+        <a:lt1>
+          <a:srgbClr val="800000"/>
+        </a:lt1>
+        <a:dk2>
+          <a:srgbClr val="DFD293"/>
+        </a:dk2>
+        <a:lt2>
+          <a:srgbClr val="5C1F00"/>
+        </a:lt2>
+        <a:accent1>
+          <a:srgbClr val="CC3300"/>
+        </a:accent1>
+        <a:accent2>
+          <a:srgbClr val="BE7960"/>
+        </a:accent2>
+        <a:accent3>
+          <a:srgbClr val="C1AAAA"/>
+        </a:accent3>
+        <a:accent4>
+          <a:srgbClr val="DCDCDC"/>
+        </a:accent4>
+        <a:accent5>
+          <a:srgbClr val="E2ADAA"/>
+        </a:accent5>
+        <a:accent6>
+          <a:srgbClr val="AA6C55"/>
+        </a:accent6>
+        <a:hlink>
+          <a:srgbClr val="FFFF99"/>
+        </a:hlink>
+        <a:folHlink>
+          <a:srgbClr val="D3A219"/>
+        </a:folHlink>
+      </a:clrScheme>
+      <a:clrMap bg1="lt1" tx1="dk1" bg2="lt2" tx2="dk2" accent1="accent1" accent2="accent2" accent3="accent3" accent4="accent4" accent5="accent5" accent6="accent6" hlink="hlink" folHlink="folHlink"/>
+    </a:extraClrScheme>
+    <a:extraClrScheme>
+      <a:clrScheme name="">
+        <a:dk1>
+          <a:srgbClr val="FFFFFF"/>
+        </a:dk1>
+        <a:lt1>
+          <a:srgbClr val="000099"/>
+        </a:lt1>
+        <a:dk2>
+          <a:srgbClr val="CCFFFF"/>
+        </a:dk2>
+        <a:lt2>
+          <a:srgbClr val="003366"/>
+        </a:lt2>
+        <a:accent1>
+          <a:srgbClr val="3366CC"/>
+        </a:accent1>
+        <a:accent2>
+          <a:srgbClr val="00B000"/>
+        </a:accent2>
+        <a:accent3>
+          <a:srgbClr val="AAAACA"/>
+        </a:accent3>
+        <a:accent4>
+          <a:srgbClr val="DCDCDC"/>
+        </a:accent4>
+        <a:accent5>
+          <a:srgbClr val="ADB9E2"/>
+        </a:accent5>
+        <a:accent6>
+          <a:srgbClr val="009D00"/>
+        </a:accent6>
+        <a:hlink>
+          <a:srgbClr val="66CCFF"/>
+        </a:hlink>
+        <a:folHlink>
+          <a:srgbClr val="FFE701"/>
+        </a:folHlink>
+      </a:clrScheme>
+      <a:clrMap bg1="lt1" tx1="dk1" bg2="lt2" tx2="dk2" accent1="accent1" accent2="accent2" accent3="accent3" accent4="accent4" accent5="accent5" accent6="accent6" hlink="hlink" folHlink="folHlink"/>
+    </a:extraClrScheme>
+    <a:extraClrScheme>
+      <a:clrScheme name="">
+        <a:dk1>
+          <a:srgbClr val="FFFFFF"/>
+        </a:dk1>
+        <a:lt1>
+          <a:srgbClr val="000000"/>
+        </a:lt1>
+        <a:dk2>
+          <a:srgbClr val="E3EBF1"/>
+        </a:dk2>
+        <a:lt2>
+          <a:srgbClr val="336699"/>
+        </a:lt2>
+        <a:accent1>
+          <a:srgbClr val="003399"/>
+        </a:accent1>
+        <a:accent2>
+          <a:srgbClr val="468A4B"/>
+        </a:accent2>
+        <a:accent3>
+          <a:srgbClr val="AAAAAA"/>
+        </a:accent3>
+        <a:accent4>
+          <a:srgbClr val="DCDCDC"/>
+        </a:accent4>
+        <a:accent5>
+          <a:srgbClr val="AAADCA"/>
+        </a:accent5>
+        <a:accent6>
+          <a:srgbClr val="3E7B43"/>
+        </a:accent6>
+        <a:hlink>
+          <a:srgbClr val="66CCFF"/>
+        </a:hlink>
+        <a:folHlink>
+          <a:srgbClr val="F0E500"/>
+        </a:folHlink>
+      </a:clrScheme>
+      <a:clrMap bg1="lt1" tx1="dk1" bg2="lt2" tx2="dk2" accent1="accent1" accent2="accent2" accent3="accent3" accent4="accent4" accent5="accent5" accent6="accent6" hlink="hlink" folHlink="folHlink"/>
+    </a:extraClrScheme>
+    <a:extraClrScheme>
+      <a:clrScheme name="">
+        <a:dk1>
+          <a:srgbClr val="FFFFFF"/>
+        </a:dk1>
+        <a:lt1>
+          <a:srgbClr val="686B5D"/>
+        </a:lt1>
+        <a:dk2>
+          <a:srgbClr val="D1D1CB"/>
+        </a:dk2>
+        <a:lt2>
+          <a:srgbClr val="777777"/>
+        </a:lt2>
+        <a:accent1>
+          <a:srgbClr val="909082"/>
+        </a:accent1>
+        <a:accent2>
+          <a:srgbClr val="809EA8"/>
+        </a:accent2>
+        <a:accent3>
+          <a:srgbClr val="B9BAB6"/>
+        </a:accent3>
+        <a:accent4>
+          <a:srgbClr val="DCDCDC"/>
+        </a:accent4>
+        <a:accent5>
+          <a:srgbClr val="C7C7C1"/>
+        </a:accent5>
+        <a:accent6>
+          <a:srgbClr val="728D96"/>
+        </a:accent6>
+        <a:hlink>
+          <a:srgbClr val="FFCC66"/>
+        </a:hlink>
+        <a:folHlink>
+          <a:srgbClr val="E9DCB9"/>
+        </a:folHlink>
+      </a:clrScheme>
+      <a:clrMap bg1="lt1" tx1="dk1" bg2="lt2" tx2="dk2" accent1="accent1" accent2="accent2" accent3="accent3" accent4="accent4" accent5="accent5" accent6="accent6" hlink="hlink" folHlink="folHlink"/>
+    </a:extraClrScheme>
+    <a:extraClrScheme>
+      <a:clrScheme name="">
+        <a:dk1>
+          <a:srgbClr val="FFFFFF"/>
+        </a:dk1>
+        <a:lt1>
+          <a:srgbClr val="666699"/>
+        </a:lt1>
+        <a:dk2>
+          <a:srgbClr val="FFFFFF"/>
+        </a:dk2>
+        <a:lt2>
+          <a:srgbClr val="3E3E5C"/>
+        </a:lt2>
+        <a:accent1>
+          <a:srgbClr val="60597B"/>
+        </a:accent1>
+        <a:accent2>
+          <a:srgbClr val="6666FF"/>
+        </a:accent2>
+        <a:accent3>
+          <a:srgbClr val="B9B9CA"/>
+        </a:accent3>
+        <a:accent4>
+          <a:srgbClr val="DCDCDC"/>
+        </a:accent4>
+        <a:accent5>
+          <a:srgbClr val="B7B5BF"/>
+        </a:accent5>
+        <a:accent6>
+          <a:srgbClr val="5B5BE5"/>
+        </a:accent6>
+        <a:hlink>
+          <a:srgbClr val="99CCFF"/>
+        </a:hlink>
+        <a:folHlink>
+          <a:srgbClr val="FFFF99"/>
+        </a:folHlink>
+      </a:clrScheme>
+      <a:clrMap bg1="lt1" tx1="dk1" bg2="lt2" tx2="dk2" accent1="accent1" accent2="accent2" accent3="accent3" accent4="accent4" accent5="accent5" accent6="accent6" hlink="hlink" folHlink="folHlink"/>
+    </a:extraClrScheme>
+    <a:extraClrScheme>
+      <a:clrScheme name="">
+        <a:dk1>
+          <a:srgbClr val="FFFFFF"/>
+        </a:dk1>
+        <a:lt1>
+          <a:srgbClr val="523E26"/>
+        </a:lt1>
+        <a:dk2>
+          <a:srgbClr val="DFC08D"/>
+        </a:dk2>
+        <a:lt2>
+          <a:srgbClr val="2D2015"/>
+        </a:lt2>
+        <a:accent1>
+          <a:srgbClr val="8C7B70"/>
+        </a:accent1>
+        <a:accent2>
+          <a:srgbClr val="8F5F2F"/>
+        </a:accent2>
+        <a:accent3>
+          <a:srgbClr val="B3AFAB"/>
+        </a:accent3>
+        <a:accent4>
+          <a:srgbClr val="DCDCDC"/>
+        </a:accent4>
+        <a:accent5>
+          <a:srgbClr val="C5BFBC"/>
+        </a:accent5>
+        <a:accent6>
+          <a:srgbClr val="805529"/>
+        </a:accent6>
+        <a:hlink>
+          <a:srgbClr val="CCB400"/>
+        </a:hlink>
+        <a:folHlink>
+          <a:srgbClr val="8C9EA0"/>
+        </a:folHlink>
+      </a:clrScheme>
+      <a:clrMap bg1="lt1" tx1="dk1" bg2="lt2" tx2="dk2" accent1="accent1" accent2="accent2" accent3="accent3" accent4="accent4" accent5="accent5" accent6="accent6" hlink="hlink" folHlink="folHlink"/>
+    </a:extraClrScheme>
+    <a:extraClrScheme>
+      <a:clrScheme name="">
+        <a:dk1>
+          <a:srgbClr val="000000"/>
+        </a:dk1>
+        <a:lt1>
+          <a:srgbClr val="FFFFFF"/>
+        </a:lt1>
+        <a:dk2>
+          <a:srgbClr val="000000"/>
+        </a:dk2>
+        <a:lt2>
+          <a:srgbClr val="808080"/>
+        </a:lt2>
+        <a:accent1>
+          <a:srgbClr val="7DB6EF"/>
+        </a:accent1>
+        <a:accent2>
+          <a:srgbClr val="C0504D"/>
+        </a:accent2>
+        <a:accent3>
+          <a:srgbClr val="FFFFFF"/>
+        </a:accent3>
+        <a:accent4>
+          <a:srgbClr val="000000"/>
+        </a:accent4>
+        <a:accent5>
+          <a:srgbClr val="C0D7F5"/>
+        </a:accent5>
+        <a:accent6>
+          <a:srgbClr val="AC4744"/>
+        </a:accent6>
+        <a:hlink>
+          <a:srgbClr val="0066CC"/>
+        </a:hlink>
+        <a:folHlink>
+          <a:srgbClr val="800080"/>
+        </a:folHlink>
+      </a:clrScheme>
+      <a:clrMap bg1="lt1" tx1="dk1" bg2="lt2" tx2="dk2" accent1="accent1" accent2="accent2" accent3="accent3" accent4="accent4" accent5="accent5" accent6="accent6" hlink="hlink" folHlink="folHlink"/>
+    </a:extraClrScheme>
+  </a:extraClrSchemeLst>
+  <a:extLst>
+    <a:ext uri="{05A4C25C-085E-4340-85A3-A5531E510DB2}">
+      <thm15:themeFamily xmlns:thm15="http://schemas.microsoft.com/office/thememl/2012/main" name="Office Theme" id="{62F939B6-93AF-4DB8-9C6B-D6C7DFDC589F}" vid="{4A3C46E8-61CC-4603-A589-7422A47A8E4A}"/>
+    </a:ext>
+  </a:extLst>
+</a:theme>
+</file>
+
+<file path=ppt/theme/theme2.xml><?xml version="1.0" encoding="utf-8"?>
 <a:theme xmlns:a="http://schemas.openxmlformats.org/drawingml/2006/main" name="Office Theme">
   <a:themeElements>
     <a:clrScheme name="Office">
